--- a/AITalk_at_Cardiff_By_RahulVats.pptx
+++ b/AITalk_at_Cardiff_By_RahulVats.pptx
@@ -4,8 +4,14 @@
   <p:sldMasterIdLst>
     <p:sldMasterId id="2147483648" r:id="rId1"/>
   </p:sldMasterIdLst>
+  <p:notesMasterIdLst>
+    <p:notesMasterId r:id="rId6"/>
+  </p:notesMasterIdLst>
   <p:sldIdLst>
     <p:sldId id="257" r:id="rId2"/>
+    <p:sldId id="258" r:id="rId3"/>
+    <p:sldId id="259" r:id="rId4"/>
+    <p:sldId id="260" r:id="rId5"/>
   </p:sldIdLst>
   <p:sldSz cx="12192000" cy="6858000"/>
   <p:notesSz cx="6858000" cy="9144000"/>
@@ -139,6 +145,22 @@
     </pc:docChg>
   </pc:docChgLst>
   <pc:docChgLst>
+    <pc:chgData name="Prasad, Amrita" userId="3e44ea28-c1bf-4e05-9792-b9013f630cc0" providerId="ADAL" clId="{1E4C6211-D813-4132-9FEB-2D33798058B7}"/>
+    <pc:docChg chg="undo redo custSel modSld">
+      <pc:chgData name="Prasad, Amrita" userId="3e44ea28-c1bf-4e05-9792-b9013f630cc0" providerId="ADAL" clId="{1E4C6211-D813-4132-9FEB-2D33798058B7}" dt="2025-03-30T21:49:41.221" v="44" actId="113"/>
+      <pc:docMkLst>
+        <pc:docMk/>
+      </pc:docMkLst>
+      <pc:sldChg chg="modSp mod">
+        <pc:chgData name="Prasad, Amrita" userId="3e44ea28-c1bf-4e05-9792-b9013f630cc0" providerId="ADAL" clId="{1E4C6211-D813-4132-9FEB-2D33798058B7}" dt="2025-03-30T21:49:41.221" v="44" actId="113"/>
+        <pc:sldMkLst>
+          <pc:docMk/>
+          <pc:sldMk cId="2199062608" sldId="257"/>
+        </pc:sldMkLst>
+      </pc:sldChg>
+    </pc:docChg>
+  </pc:docChgLst>
+  <pc:docChgLst>
     <pc:chgData name="Prasad, Amrita" userId="3e44ea28-c1bf-4e05-9792-b9013f630cc0" providerId="ADAL" clId="{D5FCD9AB-9B08-41F7-898D-21ABAB897DD1}"/>
     <pc:docChg chg="undo custSel modSld">
       <pc:chgData name="Prasad, Amrita" userId="3e44ea28-c1bf-4e05-9792-b9013f630cc0" providerId="ADAL" clId="{D5FCD9AB-9B08-41F7-898D-21ABAB897DD1}" dt="2025-12-03T10:56:20.285" v="223" actId="13926"/>
@@ -183,22 +205,6 @@
             <ac:picMk id="12" creationId="{C2E6BD7A-D3AF-201C-AF2E-CF59A75897E9}"/>
           </ac:picMkLst>
         </pc:picChg>
-      </pc:sldChg>
-    </pc:docChg>
-  </pc:docChgLst>
-  <pc:docChgLst>
-    <pc:chgData name="Prasad, Amrita" userId="3e44ea28-c1bf-4e05-9792-b9013f630cc0" providerId="ADAL" clId="{1E4C6211-D813-4132-9FEB-2D33798058B7}"/>
-    <pc:docChg chg="undo redo custSel modSld">
-      <pc:chgData name="Prasad, Amrita" userId="3e44ea28-c1bf-4e05-9792-b9013f630cc0" providerId="ADAL" clId="{1E4C6211-D813-4132-9FEB-2D33798058B7}" dt="2025-03-30T21:49:41.221" v="44" actId="113"/>
-      <pc:docMkLst>
-        <pc:docMk/>
-      </pc:docMkLst>
-      <pc:sldChg chg="modSp mod">
-        <pc:chgData name="Prasad, Amrita" userId="3e44ea28-c1bf-4e05-9792-b9013f630cc0" providerId="ADAL" clId="{1E4C6211-D813-4132-9FEB-2D33798058B7}" dt="2025-03-30T21:49:41.221" v="44" actId="113"/>
-        <pc:sldMkLst>
-          <pc:docMk/>
-          <pc:sldMk cId="2199062608" sldId="257"/>
-        </pc:sldMkLst>
       </pc:sldChg>
     </pc:docChg>
   </pc:docChgLst>
@@ -305,6 +311,763 @@
     </pc:docChg>
   </pc:docChgLst>
 </pc:chgInfo>
+</file>
+
+<file path=ppt/notesMasters/notesMaster1.xml><?xml version="1.0" encoding="utf-8"?>
+<p:notesMaster xmlns:a="http://schemas.openxmlformats.org/drawingml/2006/main" xmlns:r="http://schemas.openxmlformats.org/officeDocument/2006/relationships" xmlns:p="http://schemas.openxmlformats.org/presentationml/2006/main">
+  <p:cSld>
+    <p:bg>
+      <p:bgRef idx="1001">
+        <a:schemeClr val="bg1"/>
+      </p:bgRef>
+    </p:bg>
+    <p:spTree>
+      <p:nvGrpSpPr>
+        <p:cNvPr id="1" name=""/>
+        <p:cNvGrpSpPr/>
+        <p:nvPr/>
+      </p:nvGrpSpPr>
+      <p:grpSpPr>
+        <a:xfrm>
+          <a:off x="0" y="0"/>
+          <a:ext cx="0" cy="0"/>
+          <a:chOff x="0" y="0"/>
+          <a:chExt cx="0" cy="0"/>
+        </a:xfrm>
+      </p:grpSpPr>
+      <p:sp>
+        <p:nvSpPr>
+          <p:cNvPr id="2" name="Header Placeholder 1"/>
+          <p:cNvSpPr>
+            <a:spLocks noGrp="1"/>
+          </p:cNvSpPr>
+          <p:nvPr>
+            <p:ph type="hdr" sz="quarter"/>
+          </p:nvPr>
+        </p:nvSpPr>
+        <p:spPr>
+          <a:xfrm>
+            <a:off x="0" y="0"/>
+            <a:ext cx="2971800" cy="458788"/>
+          </a:xfrm>
+          <a:prstGeom prst="rect">
+            <a:avLst/>
+          </a:prstGeom>
+        </p:spPr>
+        <p:txBody>
+          <a:bodyPr vert="horz" lIns="91440" tIns="45720" rIns="91440" bIns="45720" rtlCol="0"/>
+          <a:lstStyle>
+            <a:lvl1pPr algn="l">
+              <a:defRPr sz="1200"/>
+            </a:lvl1pPr>
+          </a:lstStyle>
+          <a:p>
+            <a:endParaRPr lang="en-US"/>
+          </a:p>
+        </p:txBody>
+      </p:sp>
+      <p:sp>
+        <p:nvSpPr>
+          <p:cNvPr id="3" name="Date Placeholder 2"/>
+          <p:cNvSpPr>
+            <a:spLocks noGrp="1"/>
+          </p:cNvSpPr>
+          <p:nvPr>
+            <p:ph type="dt" idx="1"/>
+          </p:nvPr>
+        </p:nvSpPr>
+        <p:spPr>
+          <a:xfrm>
+            <a:off x="3884613" y="0"/>
+            <a:ext cx="2971800" cy="458788"/>
+          </a:xfrm>
+          <a:prstGeom prst="rect">
+            <a:avLst/>
+          </a:prstGeom>
+        </p:spPr>
+        <p:txBody>
+          <a:bodyPr vert="horz" lIns="91440" tIns="45720" rIns="91440" bIns="45720" rtlCol="0"/>
+          <a:lstStyle>
+            <a:lvl1pPr algn="r">
+              <a:defRPr sz="1200"/>
+            </a:lvl1pPr>
+          </a:lstStyle>
+          <a:p>
+            <a:fld id="{9A3A7824-D43C-4DBF-990F-734BD913A73B}" type="datetimeFigureOut">
+              <a:rPr lang="en-US" smtClean="0"/>
+              <a:t>12/4/2025</a:t>
+            </a:fld>
+            <a:endParaRPr lang="en-US"/>
+          </a:p>
+        </p:txBody>
+      </p:sp>
+      <p:sp>
+        <p:nvSpPr>
+          <p:cNvPr id="4" name="Slide Image Placeholder 3"/>
+          <p:cNvSpPr>
+            <a:spLocks noGrp="1" noRot="1" noChangeAspect="1"/>
+          </p:cNvSpPr>
+          <p:nvPr>
+            <p:ph type="sldImg" idx="2"/>
+          </p:nvPr>
+        </p:nvSpPr>
+        <p:spPr>
+          <a:xfrm>
+            <a:off x="685800" y="1143000"/>
+            <a:ext cx="5486400" cy="3086100"/>
+          </a:xfrm>
+          <a:prstGeom prst="rect">
+            <a:avLst/>
+          </a:prstGeom>
+          <a:noFill/>
+          <a:ln w="12700">
+            <a:solidFill>
+              <a:prstClr val="black"/>
+            </a:solidFill>
+          </a:ln>
+        </p:spPr>
+        <p:txBody>
+          <a:bodyPr vert="horz" lIns="91440" tIns="45720" rIns="91440" bIns="45720" rtlCol="0" anchor="ctr"/>
+          <a:lstStyle/>
+          <a:p>
+            <a:endParaRPr lang="en-US"/>
+          </a:p>
+        </p:txBody>
+      </p:sp>
+      <p:sp>
+        <p:nvSpPr>
+          <p:cNvPr id="5" name="Notes Placeholder 4"/>
+          <p:cNvSpPr>
+            <a:spLocks noGrp="1"/>
+          </p:cNvSpPr>
+          <p:nvPr>
+            <p:ph type="body" sz="quarter" idx="3"/>
+          </p:nvPr>
+        </p:nvSpPr>
+        <p:spPr>
+          <a:xfrm>
+            <a:off x="685800" y="4400550"/>
+            <a:ext cx="5486400" cy="3600450"/>
+          </a:xfrm>
+          <a:prstGeom prst="rect">
+            <a:avLst/>
+          </a:prstGeom>
+        </p:spPr>
+        <p:txBody>
+          <a:bodyPr vert="horz" lIns="91440" tIns="45720" rIns="91440" bIns="45720" rtlCol="0"/>
+          <a:lstStyle/>
+          <a:p>
+            <a:pPr lvl="0"/>
+            <a:r>
+              <a:rPr lang="en-US"/>
+              <a:t>Click to edit Master text styles</a:t>
+            </a:r>
+          </a:p>
+          <a:p>
+            <a:pPr lvl="1"/>
+            <a:r>
+              <a:rPr lang="en-US"/>
+              <a:t>Second level</a:t>
+            </a:r>
+          </a:p>
+          <a:p>
+            <a:pPr lvl="2"/>
+            <a:r>
+              <a:rPr lang="en-US"/>
+              <a:t>Third level</a:t>
+            </a:r>
+          </a:p>
+          <a:p>
+            <a:pPr lvl="3"/>
+            <a:r>
+              <a:rPr lang="en-US"/>
+              <a:t>Fourth level</a:t>
+            </a:r>
+          </a:p>
+          <a:p>
+            <a:pPr lvl="4"/>
+            <a:r>
+              <a:rPr lang="en-US"/>
+              <a:t>Fifth level</a:t>
+            </a:r>
+          </a:p>
+        </p:txBody>
+      </p:sp>
+      <p:sp>
+        <p:nvSpPr>
+          <p:cNvPr id="6" name="Footer Placeholder 5"/>
+          <p:cNvSpPr>
+            <a:spLocks noGrp="1"/>
+          </p:cNvSpPr>
+          <p:nvPr>
+            <p:ph type="ftr" sz="quarter" idx="4"/>
+          </p:nvPr>
+        </p:nvSpPr>
+        <p:spPr>
+          <a:xfrm>
+            <a:off x="0" y="8685213"/>
+            <a:ext cx="2971800" cy="458787"/>
+          </a:xfrm>
+          <a:prstGeom prst="rect">
+            <a:avLst/>
+          </a:prstGeom>
+        </p:spPr>
+        <p:txBody>
+          <a:bodyPr vert="horz" lIns="91440" tIns="45720" rIns="91440" bIns="45720" rtlCol="0" anchor="b"/>
+          <a:lstStyle>
+            <a:lvl1pPr algn="l">
+              <a:defRPr sz="1200"/>
+            </a:lvl1pPr>
+          </a:lstStyle>
+          <a:p>
+            <a:endParaRPr lang="en-US"/>
+          </a:p>
+        </p:txBody>
+      </p:sp>
+      <p:sp>
+        <p:nvSpPr>
+          <p:cNvPr id="7" name="Slide Number Placeholder 6"/>
+          <p:cNvSpPr>
+            <a:spLocks noGrp="1"/>
+          </p:cNvSpPr>
+          <p:nvPr>
+            <p:ph type="sldNum" sz="quarter" idx="5"/>
+          </p:nvPr>
+        </p:nvSpPr>
+        <p:spPr>
+          <a:xfrm>
+            <a:off x="3884613" y="8685213"/>
+            <a:ext cx="2971800" cy="458787"/>
+          </a:xfrm>
+          <a:prstGeom prst="rect">
+            <a:avLst/>
+          </a:prstGeom>
+        </p:spPr>
+        <p:txBody>
+          <a:bodyPr vert="horz" lIns="91440" tIns="45720" rIns="91440" bIns="45720" rtlCol="0" anchor="b"/>
+          <a:lstStyle>
+            <a:lvl1pPr algn="r">
+              <a:defRPr sz="1200"/>
+            </a:lvl1pPr>
+          </a:lstStyle>
+          <a:p>
+            <a:fld id="{67C1EA71-4C59-48E2-8E91-0AC78D4B446C}" type="slidenum">
+              <a:rPr lang="en-US" smtClean="0"/>
+              <a:t>‹#›</a:t>
+            </a:fld>
+            <a:endParaRPr lang="en-US"/>
+          </a:p>
+        </p:txBody>
+      </p:sp>
+    </p:spTree>
+    <p:extLst>
+      <p:ext uri="{BB962C8B-B14F-4D97-AF65-F5344CB8AC3E}">
+        <p14:creationId xmlns:p14="http://schemas.microsoft.com/office/powerpoint/2010/main" val="472686987"/>
+      </p:ext>
+    </p:extLst>
+  </p:cSld>
+  <p:clrMap bg1="lt1" tx1="dk1" bg2="lt2" tx2="dk2" accent1="accent1" accent2="accent2" accent3="accent3" accent4="accent4" accent5="accent5" accent6="accent6" hlink="hlink" folHlink="folHlink"/>
+  <p:notesStyle>
+    <a:lvl1pPr marL="0" algn="l" defTabSz="914400" rtl="0" eaLnBrk="1" latinLnBrk="0" hangingPunct="1">
+      <a:defRPr sz="1200" kern="1200">
+        <a:solidFill>
+          <a:schemeClr val="tx1"/>
+        </a:solidFill>
+        <a:latin typeface="+mn-lt"/>
+        <a:ea typeface="+mn-ea"/>
+        <a:cs typeface="+mn-cs"/>
+      </a:defRPr>
+    </a:lvl1pPr>
+    <a:lvl2pPr marL="457200" algn="l" defTabSz="914400" rtl="0" eaLnBrk="1" latinLnBrk="0" hangingPunct="1">
+      <a:defRPr sz="1200" kern="1200">
+        <a:solidFill>
+          <a:schemeClr val="tx1"/>
+        </a:solidFill>
+        <a:latin typeface="+mn-lt"/>
+        <a:ea typeface="+mn-ea"/>
+        <a:cs typeface="+mn-cs"/>
+      </a:defRPr>
+    </a:lvl2pPr>
+    <a:lvl3pPr marL="914400" algn="l" defTabSz="914400" rtl="0" eaLnBrk="1" latinLnBrk="0" hangingPunct="1">
+      <a:defRPr sz="1200" kern="1200">
+        <a:solidFill>
+          <a:schemeClr val="tx1"/>
+        </a:solidFill>
+        <a:latin typeface="+mn-lt"/>
+        <a:ea typeface="+mn-ea"/>
+        <a:cs typeface="+mn-cs"/>
+      </a:defRPr>
+    </a:lvl3pPr>
+    <a:lvl4pPr marL="1371600" algn="l" defTabSz="914400" rtl="0" eaLnBrk="1" latinLnBrk="0" hangingPunct="1">
+      <a:defRPr sz="1200" kern="1200">
+        <a:solidFill>
+          <a:schemeClr val="tx1"/>
+        </a:solidFill>
+        <a:latin typeface="+mn-lt"/>
+        <a:ea typeface="+mn-ea"/>
+        <a:cs typeface="+mn-cs"/>
+      </a:defRPr>
+    </a:lvl4pPr>
+    <a:lvl5pPr marL="1828800" algn="l" defTabSz="914400" rtl="0" eaLnBrk="1" latinLnBrk="0" hangingPunct="1">
+      <a:defRPr sz="1200" kern="1200">
+        <a:solidFill>
+          <a:schemeClr val="tx1"/>
+        </a:solidFill>
+        <a:latin typeface="+mn-lt"/>
+        <a:ea typeface="+mn-ea"/>
+        <a:cs typeface="+mn-cs"/>
+      </a:defRPr>
+    </a:lvl5pPr>
+    <a:lvl6pPr marL="2286000" algn="l" defTabSz="914400" rtl="0" eaLnBrk="1" latinLnBrk="0" hangingPunct="1">
+      <a:defRPr sz="1200" kern="1200">
+        <a:solidFill>
+          <a:schemeClr val="tx1"/>
+        </a:solidFill>
+        <a:latin typeface="+mn-lt"/>
+        <a:ea typeface="+mn-ea"/>
+        <a:cs typeface="+mn-cs"/>
+      </a:defRPr>
+    </a:lvl6pPr>
+    <a:lvl7pPr marL="2743200" algn="l" defTabSz="914400" rtl="0" eaLnBrk="1" latinLnBrk="0" hangingPunct="1">
+      <a:defRPr sz="1200" kern="1200">
+        <a:solidFill>
+          <a:schemeClr val="tx1"/>
+        </a:solidFill>
+        <a:latin typeface="+mn-lt"/>
+        <a:ea typeface="+mn-ea"/>
+        <a:cs typeface="+mn-cs"/>
+      </a:defRPr>
+    </a:lvl7pPr>
+    <a:lvl8pPr marL="3200400" algn="l" defTabSz="914400" rtl="0" eaLnBrk="1" latinLnBrk="0" hangingPunct="1">
+      <a:defRPr sz="1200" kern="1200">
+        <a:solidFill>
+          <a:schemeClr val="tx1"/>
+        </a:solidFill>
+        <a:latin typeface="+mn-lt"/>
+        <a:ea typeface="+mn-ea"/>
+        <a:cs typeface="+mn-cs"/>
+      </a:defRPr>
+    </a:lvl8pPr>
+    <a:lvl9pPr marL="3657600" algn="l" defTabSz="914400" rtl="0" eaLnBrk="1" latinLnBrk="0" hangingPunct="1">
+      <a:defRPr sz="1200" kern="1200">
+        <a:solidFill>
+          <a:schemeClr val="tx1"/>
+        </a:solidFill>
+        <a:latin typeface="+mn-lt"/>
+        <a:ea typeface="+mn-ea"/>
+        <a:cs typeface="+mn-cs"/>
+      </a:defRPr>
+    </a:lvl9pPr>
+  </p:notesStyle>
+</p:notesMaster>
+</file>
+
+<file path=ppt/notesSlides/notesSlide1.xml><?xml version="1.0" encoding="utf-8"?>
+<p:notes xmlns:a="http://schemas.openxmlformats.org/drawingml/2006/main" xmlns:r="http://schemas.openxmlformats.org/officeDocument/2006/relationships" xmlns:p="http://schemas.openxmlformats.org/presentationml/2006/main">
+  <p:cSld>
+    <p:spTree>
+      <p:nvGrpSpPr>
+        <p:cNvPr id="1" name=""/>
+        <p:cNvGrpSpPr/>
+        <p:nvPr/>
+      </p:nvGrpSpPr>
+      <p:grpSpPr>
+        <a:xfrm>
+          <a:off x="0" y="0"/>
+          <a:ext cx="0" cy="0"/>
+          <a:chOff x="0" y="0"/>
+          <a:chExt cx="0" cy="0"/>
+        </a:xfrm>
+      </p:grpSpPr>
+      <p:sp>
+        <p:nvSpPr>
+          <p:cNvPr id="2" name="Slide Image Placeholder 1"/>
+          <p:cNvSpPr>
+            <a:spLocks noGrp="1" noRot="1" noChangeAspect="1"/>
+          </p:cNvSpPr>
+          <p:nvPr>
+            <p:ph type="sldImg"/>
+          </p:nvPr>
+        </p:nvSpPr>
+        <p:spPr/>
+      </p:sp>
+      <p:sp>
+        <p:nvSpPr>
+          <p:cNvPr id="3" name="Notes Placeholder 2"/>
+          <p:cNvSpPr>
+            <a:spLocks noGrp="1"/>
+          </p:cNvSpPr>
+          <p:nvPr>
+            <p:ph type="body" idx="1"/>
+          </p:nvPr>
+        </p:nvSpPr>
+        <p:spPr/>
+        <p:txBody>
+          <a:bodyPr/>
+          <a:lstStyle/>
+          <a:p>
+            <a:endParaRPr lang="en-US" dirty="0"/>
+          </a:p>
+        </p:txBody>
+      </p:sp>
+      <p:sp>
+        <p:nvSpPr>
+          <p:cNvPr id="4" name="Slide Number Placeholder 3"/>
+          <p:cNvSpPr>
+            <a:spLocks noGrp="1"/>
+          </p:cNvSpPr>
+          <p:nvPr>
+            <p:ph type="sldNum" sz="quarter" idx="5"/>
+          </p:nvPr>
+        </p:nvSpPr>
+        <p:spPr/>
+        <p:txBody>
+          <a:bodyPr/>
+          <a:lstStyle/>
+          <a:p>
+            <a:fld id="{67C1EA71-4C59-48E2-8E91-0AC78D4B446C}" type="slidenum">
+              <a:rPr lang="en-US" smtClean="0"/>
+              <a:t>1</a:t>
+            </a:fld>
+            <a:endParaRPr lang="en-US"/>
+          </a:p>
+        </p:txBody>
+      </p:sp>
+    </p:spTree>
+    <p:extLst>
+      <p:ext uri="{BB962C8B-B14F-4D97-AF65-F5344CB8AC3E}">
+        <p14:creationId xmlns:p14="http://schemas.microsoft.com/office/powerpoint/2010/main" val="2860579480"/>
+      </p:ext>
+    </p:extLst>
+  </p:cSld>
+  <p:clrMapOvr>
+    <a:masterClrMapping/>
+  </p:clrMapOvr>
+</p:notes>
+</file>
+
+<file path=ppt/notesSlides/notesSlide2.xml><?xml version="1.0" encoding="utf-8"?>
+<p:notes xmlns:a="http://schemas.openxmlformats.org/drawingml/2006/main" xmlns:r="http://schemas.openxmlformats.org/officeDocument/2006/relationships" xmlns:p="http://schemas.openxmlformats.org/presentationml/2006/main">
+  <p:cSld>
+    <p:spTree>
+      <p:nvGrpSpPr>
+        <p:cNvPr id="1" name="">
+          <a:extLst>
+            <a:ext uri="{FF2B5EF4-FFF2-40B4-BE49-F238E27FC236}">
+              <a16:creationId xmlns:a16="http://schemas.microsoft.com/office/drawing/2014/main" id="{5286E42D-4EF6-6CC4-B671-BBBAE9F4A65C}"/>
+            </a:ext>
+          </a:extLst>
+        </p:cNvPr>
+        <p:cNvGrpSpPr/>
+        <p:nvPr/>
+      </p:nvGrpSpPr>
+      <p:grpSpPr>
+        <a:xfrm>
+          <a:off x="0" y="0"/>
+          <a:ext cx="0" cy="0"/>
+          <a:chOff x="0" y="0"/>
+          <a:chExt cx="0" cy="0"/>
+        </a:xfrm>
+      </p:grpSpPr>
+      <p:sp>
+        <p:nvSpPr>
+          <p:cNvPr id="2" name="Slide Image Placeholder 1">
+            <a:extLst>
+              <a:ext uri="{FF2B5EF4-FFF2-40B4-BE49-F238E27FC236}">
+                <a16:creationId xmlns:a16="http://schemas.microsoft.com/office/drawing/2014/main" id="{A47C6497-1C1B-210A-F77B-E8732DEF0817}"/>
+              </a:ext>
+            </a:extLst>
+          </p:cNvPr>
+          <p:cNvSpPr>
+            <a:spLocks noGrp="1" noRot="1" noChangeAspect="1"/>
+          </p:cNvSpPr>
+          <p:nvPr>
+            <p:ph type="sldImg"/>
+          </p:nvPr>
+        </p:nvSpPr>
+        <p:spPr/>
+      </p:sp>
+      <p:sp>
+        <p:nvSpPr>
+          <p:cNvPr id="3" name="Notes Placeholder 2">
+            <a:extLst>
+              <a:ext uri="{FF2B5EF4-FFF2-40B4-BE49-F238E27FC236}">
+                <a16:creationId xmlns:a16="http://schemas.microsoft.com/office/drawing/2014/main" id="{D1448C18-DD2E-6305-5567-4AC45BCD6E22}"/>
+              </a:ext>
+            </a:extLst>
+          </p:cNvPr>
+          <p:cNvSpPr>
+            <a:spLocks noGrp="1"/>
+          </p:cNvSpPr>
+          <p:nvPr>
+            <p:ph type="body" idx="1"/>
+          </p:nvPr>
+        </p:nvSpPr>
+        <p:spPr/>
+        <p:txBody>
+          <a:bodyPr/>
+          <a:lstStyle/>
+          <a:p>
+            <a:endParaRPr lang="en-US" dirty="0"/>
+          </a:p>
+        </p:txBody>
+      </p:sp>
+      <p:sp>
+        <p:nvSpPr>
+          <p:cNvPr id="4" name="Slide Number Placeholder 3">
+            <a:extLst>
+              <a:ext uri="{FF2B5EF4-FFF2-40B4-BE49-F238E27FC236}">
+                <a16:creationId xmlns:a16="http://schemas.microsoft.com/office/drawing/2014/main" id="{1E98EE58-E1A7-DC94-D0FA-A14D45C19FDF}"/>
+              </a:ext>
+            </a:extLst>
+          </p:cNvPr>
+          <p:cNvSpPr>
+            <a:spLocks noGrp="1"/>
+          </p:cNvSpPr>
+          <p:nvPr>
+            <p:ph type="sldNum" sz="quarter" idx="5"/>
+          </p:nvPr>
+        </p:nvSpPr>
+        <p:spPr/>
+        <p:txBody>
+          <a:bodyPr/>
+          <a:lstStyle/>
+          <a:p>
+            <a:fld id="{67C1EA71-4C59-48E2-8E91-0AC78D4B446C}" type="slidenum">
+              <a:rPr lang="en-US" smtClean="0"/>
+              <a:t>2</a:t>
+            </a:fld>
+            <a:endParaRPr lang="en-US"/>
+          </a:p>
+        </p:txBody>
+      </p:sp>
+    </p:spTree>
+    <p:extLst>
+      <p:ext uri="{BB962C8B-B14F-4D97-AF65-F5344CB8AC3E}">
+        <p14:creationId xmlns:p14="http://schemas.microsoft.com/office/powerpoint/2010/main" val="685929169"/>
+      </p:ext>
+    </p:extLst>
+  </p:cSld>
+  <p:clrMapOvr>
+    <a:masterClrMapping/>
+  </p:clrMapOvr>
+</p:notes>
+</file>
+
+<file path=ppt/notesSlides/notesSlide3.xml><?xml version="1.0" encoding="utf-8"?>
+<p:notes xmlns:a="http://schemas.openxmlformats.org/drawingml/2006/main" xmlns:r="http://schemas.openxmlformats.org/officeDocument/2006/relationships" xmlns:p="http://schemas.openxmlformats.org/presentationml/2006/main">
+  <p:cSld>
+    <p:spTree>
+      <p:nvGrpSpPr>
+        <p:cNvPr id="1" name="">
+          <a:extLst>
+            <a:ext uri="{FF2B5EF4-FFF2-40B4-BE49-F238E27FC236}">
+              <a16:creationId xmlns:a16="http://schemas.microsoft.com/office/drawing/2014/main" id="{3201B835-935B-796E-00E4-CB1EA072D8C8}"/>
+            </a:ext>
+          </a:extLst>
+        </p:cNvPr>
+        <p:cNvGrpSpPr/>
+        <p:nvPr/>
+      </p:nvGrpSpPr>
+      <p:grpSpPr>
+        <a:xfrm>
+          <a:off x="0" y="0"/>
+          <a:ext cx="0" cy="0"/>
+          <a:chOff x="0" y="0"/>
+          <a:chExt cx="0" cy="0"/>
+        </a:xfrm>
+      </p:grpSpPr>
+      <p:sp>
+        <p:nvSpPr>
+          <p:cNvPr id="2" name="Slide Image Placeholder 1">
+            <a:extLst>
+              <a:ext uri="{FF2B5EF4-FFF2-40B4-BE49-F238E27FC236}">
+                <a16:creationId xmlns:a16="http://schemas.microsoft.com/office/drawing/2014/main" id="{3C1C4FAA-50A9-DCE3-FA44-A2B6C85F3E79}"/>
+              </a:ext>
+            </a:extLst>
+          </p:cNvPr>
+          <p:cNvSpPr>
+            <a:spLocks noGrp="1" noRot="1" noChangeAspect="1"/>
+          </p:cNvSpPr>
+          <p:nvPr>
+            <p:ph type="sldImg"/>
+          </p:nvPr>
+        </p:nvSpPr>
+        <p:spPr/>
+      </p:sp>
+      <p:sp>
+        <p:nvSpPr>
+          <p:cNvPr id="3" name="Notes Placeholder 2">
+            <a:extLst>
+              <a:ext uri="{FF2B5EF4-FFF2-40B4-BE49-F238E27FC236}">
+                <a16:creationId xmlns:a16="http://schemas.microsoft.com/office/drawing/2014/main" id="{E2959E68-3E3E-51B6-DE8E-6F1349A7C554}"/>
+              </a:ext>
+            </a:extLst>
+          </p:cNvPr>
+          <p:cNvSpPr>
+            <a:spLocks noGrp="1"/>
+          </p:cNvSpPr>
+          <p:nvPr>
+            <p:ph type="body" idx="1"/>
+          </p:nvPr>
+        </p:nvSpPr>
+        <p:spPr/>
+        <p:txBody>
+          <a:bodyPr/>
+          <a:lstStyle/>
+          <a:p>
+            <a:endParaRPr lang="en-US" dirty="0"/>
+          </a:p>
+        </p:txBody>
+      </p:sp>
+      <p:sp>
+        <p:nvSpPr>
+          <p:cNvPr id="4" name="Slide Number Placeholder 3">
+            <a:extLst>
+              <a:ext uri="{FF2B5EF4-FFF2-40B4-BE49-F238E27FC236}">
+                <a16:creationId xmlns:a16="http://schemas.microsoft.com/office/drawing/2014/main" id="{8F87082B-617E-C4E9-2548-5B16FBC04FE3}"/>
+              </a:ext>
+            </a:extLst>
+          </p:cNvPr>
+          <p:cNvSpPr>
+            <a:spLocks noGrp="1"/>
+          </p:cNvSpPr>
+          <p:nvPr>
+            <p:ph type="sldNum" sz="quarter" idx="5"/>
+          </p:nvPr>
+        </p:nvSpPr>
+        <p:spPr/>
+        <p:txBody>
+          <a:bodyPr/>
+          <a:lstStyle/>
+          <a:p>
+            <a:fld id="{67C1EA71-4C59-48E2-8E91-0AC78D4B446C}" type="slidenum">
+              <a:rPr lang="en-US" smtClean="0"/>
+              <a:t>3</a:t>
+            </a:fld>
+            <a:endParaRPr lang="en-US"/>
+          </a:p>
+        </p:txBody>
+      </p:sp>
+    </p:spTree>
+    <p:extLst>
+      <p:ext uri="{BB962C8B-B14F-4D97-AF65-F5344CB8AC3E}">
+        <p14:creationId xmlns:p14="http://schemas.microsoft.com/office/powerpoint/2010/main" val="902528585"/>
+      </p:ext>
+    </p:extLst>
+  </p:cSld>
+  <p:clrMapOvr>
+    <a:masterClrMapping/>
+  </p:clrMapOvr>
+</p:notes>
+</file>
+
+<file path=ppt/notesSlides/notesSlide4.xml><?xml version="1.0" encoding="utf-8"?>
+<p:notes xmlns:a="http://schemas.openxmlformats.org/drawingml/2006/main" xmlns:r="http://schemas.openxmlformats.org/officeDocument/2006/relationships" xmlns:p="http://schemas.openxmlformats.org/presentationml/2006/main">
+  <p:cSld>
+    <p:spTree>
+      <p:nvGrpSpPr>
+        <p:cNvPr id="1" name="">
+          <a:extLst>
+            <a:ext uri="{FF2B5EF4-FFF2-40B4-BE49-F238E27FC236}">
+              <a16:creationId xmlns:a16="http://schemas.microsoft.com/office/drawing/2014/main" id="{3E2315BF-9A09-D86B-7358-5267EA1A8CA2}"/>
+            </a:ext>
+          </a:extLst>
+        </p:cNvPr>
+        <p:cNvGrpSpPr/>
+        <p:nvPr/>
+      </p:nvGrpSpPr>
+      <p:grpSpPr>
+        <a:xfrm>
+          <a:off x="0" y="0"/>
+          <a:ext cx="0" cy="0"/>
+          <a:chOff x="0" y="0"/>
+          <a:chExt cx="0" cy="0"/>
+        </a:xfrm>
+      </p:grpSpPr>
+      <p:sp>
+        <p:nvSpPr>
+          <p:cNvPr id="2" name="Slide Image Placeholder 1">
+            <a:extLst>
+              <a:ext uri="{FF2B5EF4-FFF2-40B4-BE49-F238E27FC236}">
+                <a16:creationId xmlns:a16="http://schemas.microsoft.com/office/drawing/2014/main" id="{EBECF7DB-8497-CC8E-1D0A-35C0026DDDBD}"/>
+              </a:ext>
+            </a:extLst>
+          </p:cNvPr>
+          <p:cNvSpPr>
+            <a:spLocks noGrp="1" noRot="1" noChangeAspect="1"/>
+          </p:cNvSpPr>
+          <p:nvPr>
+            <p:ph type="sldImg"/>
+          </p:nvPr>
+        </p:nvSpPr>
+        <p:spPr/>
+      </p:sp>
+      <p:sp>
+        <p:nvSpPr>
+          <p:cNvPr id="3" name="Notes Placeholder 2">
+            <a:extLst>
+              <a:ext uri="{FF2B5EF4-FFF2-40B4-BE49-F238E27FC236}">
+                <a16:creationId xmlns:a16="http://schemas.microsoft.com/office/drawing/2014/main" id="{745901AA-0195-72D5-A72F-6F04218ABA62}"/>
+              </a:ext>
+            </a:extLst>
+          </p:cNvPr>
+          <p:cNvSpPr>
+            <a:spLocks noGrp="1"/>
+          </p:cNvSpPr>
+          <p:nvPr>
+            <p:ph type="body" idx="1"/>
+          </p:nvPr>
+        </p:nvSpPr>
+        <p:spPr/>
+        <p:txBody>
+          <a:bodyPr/>
+          <a:lstStyle/>
+          <a:p>
+            <a:endParaRPr lang="en-US" dirty="0"/>
+          </a:p>
+        </p:txBody>
+      </p:sp>
+      <p:sp>
+        <p:nvSpPr>
+          <p:cNvPr id="4" name="Slide Number Placeholder 3">
+            <a:extLst>
+              <a:ext uri="{FF2B5EF4-FFF2-40B4-BE49-F238E27FC236}">
+                <a16:creationId xmlns:a16="http://schemas.microsoft.com/office/drawing/2014/main" id="{C62B7BFD-DBFB-6F5B-8343-0AB3677CE5C6}"/>
+              </a:ext>
+            </a:extLst>
+          </p:cNvPr>
+          <p:cNvSpPr>
+            <a:spLocks noGrp="1"/>
+          </p:cNvSpPr>
+          <p:nvPr>
+            <p:ph type="sldNum" sz="quarter" idx="5"/>
+          </p:nvPr>
+        </p:nvSpPr>
+        <p:spPr/>
+        <p:txBody>
+          <a:bodyPr/>
+          <a:lstStyle/>
+          <a:p>
+            <a:fld id="{67C1EA71-4C59-48E2-8E91-0AC78D4B446C}" type="slidenum">
+              <a:rPr lang="en-US" smtClean="0"/>
+              <a:t>4</a:t>
+            </a:fld>
+            <a:endParaRPr lang="en-US"/>
+          </a:p>
+        </p:txBody>
+      </p:sp>
+    </p:spTree>
+    <p:extLst>
+      <p:ext uri="{BB962C8B-B14F-4D97-AF65-F5344CB8AC3E}">
+        <p14:creationId xmlns:p14="http://schemas.microsoft.com/office/powerpoint/2010/main" val="3959538216"/>
+      </p:ext>
+    </p:extLst>
+  </p:cSld>
+  <p:clrMapOvr>
+    <a:masterClrMapping/>
+  </p:clrMapOvr>
+</p:notes>
 </file>
 
 <file path=ppt/slideLayouts/slideLayout1.xml><?xml version="1.0" encoding="utf-8"?>
@@ -3576,7 +4339,7 @@
             <p:nvPr/>
           </p:nvPicPr>
           <p:blipFill>
-            <a:blip r:embed="rId2" cstate="print"/>
+            <a:blip r:embed="rId3" cstate="print"/>
             <a:stretch>
               <a:fillRect/>
             </a:stretch>
@@ -3605,7 +4368,7 @@
             <p:nvPr/>
           </p:nvPicPr>
           <p:blipFill>
-            <a:blip r:embed="rId3" cstate="print"/>
+            <a:blip r:embed="rId4" cstate="print"/>
             <a:stretch>
               <a:fillRect/>
             </a:stretch>
@@ -3634,7 +4397,7 @@
             <p:nvPr/>
           </p:nvPicPr>
           <p:blipFill>
-            <a:blip r:embed="rId4" cstate="print"/>
+            <a:blip r:embed="rId5" cstate="print"/>
             <a:stretch>
               <a:fillRect/>
             </a:stretch>
@@ -3721,7 +4484,7 @@
             <p:nvPr/>
           </p:nvPicPr>
           <p:blipFill>
-            <a:blip r:embed="rId5" cstate="print"/>
+            <a:blip r:embed="rId6" cstate="print"/>
             <a:stretch>
               <a:fillRect/>
             </a:stretch>
@@ -3750,7 +4513,7 @@
             <p:nvPr/>
           </p:nvPicPr>
           <p:blipFill>
-            <a:blip r:embed="rId6" cstate="print"/>
+            <a:blip r:embed="rId7" cstate="print"/>
             <a:stretch>
               <a:fillRect/>
             </a:stretch>
@@ -3918,7 +4681,7 @@
                 <a:solidFill>
                   <a:srgbClr val="92D050"/>
                 </a:solidFill>
-                <a:hlinkClick r:id="rId7">
+                <a:hlinkClick r:id="rId8">
                   <a:extLst>
                     <a:ext uri="{A12FA001-AC4F-418D-AE19-62706E023703}">
                       <ahyp:hlinkClr xmlns:ahyp="http://schemas.microsoft.com/office/drawing/2018/hyperlinkcolor" val="tx"/>
@@ -3933,7 +4696,7 @@
                 <a:solidFill>
                   <a:srgbClr val="92D050"/>
                 </a:solidFill>
-                <a:hlinkClick r:id="rId7">
+                <a:hlinkClick r:id="rId8">
                   <a:extLst>
                     <a:ext uri="{A12FA001-AC4F-418D-AE19-62706E023703}">
                       <ahyp:hlinkClr xmlns:ahyp="http://schemas.microsoft.com/office/drawing/2018/hyperlinkcolor" val="tx"/>
@@ -4396,7 +5159,7 @@
           <p:nvPr/>
         </p:nvPicPr>
         <p:blipFill>
-          <a:blip r:embed="rId8"/>
+          <a:blip r:embed="rId9"/>
           <a:stretch>
             <a:fillRect/>
           </a:stretch>
@@ -4415,6 +5178,2721 @@
     <p:extLst>
       <p:ext uri="{BB962C8B-B14F-4D97-AF65-F5344CB8AC3E}">
         <p14:creationId xmlns:p14="http://schemas.microsoft.com/office/powerpoint/2010/main" val="2199062608"/>
+      </p:ext>
+    </p:extLst>
+  </p:cSld>
+  <p:clrMapOvr>
+    <a:masterClrMapping/>
+  </p:clrMapOvr>
+</p:sld>
+</file>
+
+<file path=ppt/slides/slide2.xml><?xml version="1.0" encoding="utf-8"?>
+<p:sld xmlns:a="http://schemas.openxmlformats.org/drawingml/2006/main" xmlns:r="http://schemas.openxmlformats.org/officeDocument/2006/relationships" xmlns:p="http://schemas.openxmlformats.org/presentationml/2006/main">
+  <p:cSld>
+    <p:spTree>
+      <p:nvGrpSpPr>
+        <p:cNvPr id="1" name="">
+          <a:extLst>
+            <a:ext uri="{FF2B5EF4-FFF2-40B4-BE49-F238E27FC236}">
+              <a16:creationId xmlns:a16="http://schemas.microsoft.com/office/drawing/2014/main" id="{380D510E-8390-3E1A-3E68-3EE45A7CB7E1}"/>
+            </a:ext>
+          </a:extLst>
+        </p:cNvPr>
+        <p:cNvGrpSpPr/>
+        <p:nvPr/>
+      </p:nvGrpSpPr>
+      <p:grpSpPr>
+        <a:xfrm>
+          <a:off x="0" y="0"/>
+          <a:ext cx="0" cy="0"/>
+          <a:chOff x="0" y="0"/>
+          <a:chExt cx="0" cy="0"/>
+        </a:xfrm>
+      </p:grpSpPr>
+      <p:grpSp>
+        <p:nvGrpSpPr>
+          <p:cNvPr id="2" name="object 2">
+            <a:extLst>
+              <a:ext uri="{FF2B5EF4-FFF2-40B4-BE49-F238E27FC236}">
+                <a16:creationId xmlns:a16="http://schemas.microsoft.com/office/drawing/2014/main" id="{8D5D3F74-5804-AB33-92D6-D555CF058E99}"/>
+              </a:ext>
+            </a:extLst>
+          </p:cNvPr>
+          <p:cNvGrpSpPr/>
+          <p:nvPr/>
+        </p:nvGrpSpPr>
+        <p:grpSpPr>
+          <a:xfrm>
+            <a:off x="3" y="1"/>
+            <a:ext cx="12191998" cy="6857995"/>
+            <a:chOff x="0" y="0"/>
+            <a:chExt cx="12191999" cy="6857995"/>
+          </a:xfrm>
+          <a:noFill/>
+        </p:grpSpPr>
+        <p:pic>
+          <p:nvPicPr>
+            <p:cNvPr id="3" name="object 3">
+              <a:extLst>
+                <a:ext uri="{FF2B5EF4-FFF2-40B4-BE49-F238E27FC236}">
+                  <a16:creationId xmlns:a16="http://schemas.microsoft.com/office/drawing/2014/main" id="{0CB3598E-0F6D-032D-78E3-665EDF1D6152}"/>
+                </a:ext>
+              </a:extLst>
+            </p:cNvPr>
+            <p:cNvPicPr/>
+            <p:nvPr/>
+          </p:nvPicPr>
+          <p:blipFill>
+            <a:blip r:embed="rId3" cstate="print"/>
+            <a:stretch>
+              <a:fillRect/>
+            </a:stretch>
+          </p:blipFill>
+          <p:spPr>
+            <a:xfrm>
+              <a:off x="0" y="12190"/>
+              <a:ext cx="12191999" cy="6845805"/>
+            </a:xfrm>
+            <a:prstGeom prst="rect">
+              <a:avLst/>
+            </a:prstGeom>
+            <a:grpFill/>
+          </p:spPr>
+        </p:pic>
+        <p:pic>
+          <p:nvPicPr>
+            <p:cNvPr id="4" name="object 4">
+              <a:extLst>
+                <a:ext uri="{FF2B5EF4-FFF2-40B4-BE49-F238E27FC236}">
+                  <a16:creationId xmlns:a16="http://schemas.microsoft.com/office/drawing/2014/main" id="{EAB82243-9855-F89D-D6D6-0348356DDFAA}"/>
+                </a:ext>
+              </a:extLst>
+            </p:cNvPr>
+            <p:cNvPicPr/>
+            <p:nvPr/>
+          </p:nvPicPr>
+          <p:blipFill>
+            <a:blip r:embed="rId4" cstate="print"/>
+            <a:stretch>
+              <a:fillRect/>
+            </a:stretch>
+          </p:blipFill>
+          <p:spPr>
+            <a:xfrm>
+              <a:off x="0" y="0"/>
+              <a:ext cx="12191581" cy="6687311"/>
+            </a:xfrm>
+            <a:prstGeom prst="rect">
+              <a:avLst/>
+            </a:prstGeom>
+            <a:grpFill/>
+          </p:spPr>
+        </p:pic>
+        <p:pic>
+          <p:nvPicPr>
+            <p:cNvPr id="5" name="object 5">
+              <a:extLst>
+                <a:ext uri="{FF2B5EF4-FFF2-40B4-BE49-F238E27FC236}">
+                  <a16:creationId xmlns:a16="http://schemas.microsoft.com/office/drawing/2014/main" id="{A88C87EE-EA19-4487-B892-C7AAE8F4EE80}"/>
+                </a:ext>
+              </a:extLst>
+            </p:cNvPr>
+            <p:cNvPicPr/>
+            <p:nvPr/>
+          </p:nvPicPr>
+          <p:blipFill>
+            <a:blip r:embed="rId5" cstate="print"/>
+            <a:stretch>
+              <a:fillRect/>
+            </a:stretch>
+          </p:blipFill>
+          <p:spPr>
+            <a:xfrm>
+              <a:off x="339268" y="369635"/>
+              <a:ext cx="576098" cy="807391"/>
+            </a:xfrm>
+            <a:prstGeom prst="rect">
+              <a:avLst/>
+            </a:prstGeom>
+            <a:grpFill/>
+          </p:spPr>
+        </p:pic>
+        <p:sp>
+          <p:nvSpPr>
+            <p:cNvPr id="6" name="object 6">
+              <a:extLst>
+                <a:ext uri="{FF2B5EF4-FFF2-40B4-BE49-F238E27FC236}">
+                  <a16:creationId xmlns:a16="http://schemas.microsoft.com/office/drawing/2014/main" id="{BD985BD4-AAA0-DBD3-D504-F1960D055E60}"/>
+                </a:ext>
+              </a:extLst>
+            </p:cNvPr>
+            <p:cNvSpPr/>
+            <p:nvPr/>
+          </p:nvSpPr>
+          <p:spPr>
+            <a:xfrm>
+              <a:off x="6514915" y="638080"/>
+              <a:ext cx="7620" cy="648970"/>
+            </a:xfrm>
+            <a:custGeom>
+              <a:avLst/>
+              <a:gdLst/>
+              <a:ahLst/>
+              <a:cxnLst/>
+              <a:rect l="l" t="t" r="r" b="b"/>
+              <a:pathLst>
+                <a:path w="7620" h="648969">
+                  <a:moveTo>
+                    <a:pt x="7622" y="0"/>
+                  </a:moveTo>
+                  <a:lnTo>
+                    <a:pt x="0" y="0"/>
+                  </a:lnTo>
+                  <a:lnTo>
+                    <a:pt x="0" y="648690"/>
+                  </a:lnTo>
+                  <a:lnTo>
+                    <a:pt x="7622" y="648690"/>
+                  </a:lnTo>
+                  <a:lnTo>
+                    <a:pt x="7622" y="0"/>
+                  </a:lnTo>
+                  <a:close/>
+                </a:path>
+              </a:pathLst>
+            </a:custGeom>
+            <a:grpFill/>
+          </p:spPr>
+          <p:txBody>
+            <a:bodyPr wrap="square" lIns="0" tIns="0" rIns="0" bIns="0" rtlCol="0"/>
+            <a:lstStyle>
+              <a:defPPr>
+                <a:defRPr kern="0"/>
+              </a:defPPr>
+            </a:lstStyle>
+            <a:p>
+              <a:endParaRPr/>
+            </a:p>
+          </p:txBody>
+        </p:sp>
+        <p:pic>
+          <p:nvPicPr>
+            <p:cNvPr id="7" name="object 7">
+              <a:extLst>
+                <a:ext uri="{FF2B5EF4-FFF2-40B4-BE49-F238E27FC236}">
+                  <a16:creationId xmlns:a16="http://schemas.microsoft.com/office/drawing/2014/main" id="{864F692F-33E9-7A1B-EA80-43491F22F2E8}"/>
+                </a:ext>
+              </a:extLst>
+            </p:cNvPr>
+            <p:cNvPicPr/>
+            <p:nvPr/>
+          </p:nvPicPr>
+          <p:blipFill>
+            <a:blip r:embed="rId6" cstate="print"/>
+            <a:stretch>
+              <a:fillRect/>
+            </a:stretch>
+          </p:blipFill>
+          <p:spPr>
+            <a:xfrm>
+              <a:off x="1049495" y="565974"/>
+              <a:ext cx="1051269" cy="579549"/>
+            </a:xfrm>
+            <a:prstGeom prst="rect">
+              <a:avLst/>
+            </a:prstGeom>
+            <a:grpFill/>
+          </p:spPr>
+        </p:pic>
+        <p:pic>
+          <p:nvPicPr>
+            <p:cNvPr id="8" name="object 8">
+              <a:extLst>
+                <a:ext uri="{FF2B5EF4-FFF2-40B4-BE49-F238E27FC236}">
+                  <a16:creationId xmlns:a16="http://schemas.microsoft.com/office/drawing/2014/main" id="{F0D75EF2-51D4-0B4F-5A9F-A064D98EC513}"/>
+                </a:ext>
+              </a:extLst>
+            </p:cNvPr>
+            <p:cNvPicPr/>
+            <p:nvPr/>
+          </p:nvPicPr>
+          <p:blipFill>
+            <a:blip r:embed="rId7" cstate="print"/>
+            <a:stretch>
+              <a:fillRect/>
+            </a:stretch>
+          </p:blipFill>
+          <p:spPr>
+            <a:xfrm>
+              <a:off x="2224840" y="566670"/>
+              <a:ext cx="1069790" cy="579550"/>
+            </a:xfrm>
+            <a:prstGeom prst="rect">
+              <a:avLst/>
+            </a:prstGeom>
+            <a:grpFill/>
+          </p:spPr>
+        </p:pic>
+      </p:grpSp>
+      <p:cxnSp>
+        <p:nvCxnSpPr>
+          <p:cNvPr id="17" name="Straight Connector 16">
+            <a:extLst>
+              <a:ext uri="{FF2B5EF4-FFF2-40B4-BE49-F238E27FC236}">
+                <a16:creationId xmlns:a16="http://schemas.microsoft.com/office/drawing/2014/main" id="{998B6E0D-C0DE-6AC1-8C9D-D3A7509909B8}"/>
+              </a:ext>
+            </a:extLst>
+          </p:cNvPr>
+          <p:cNvCxnSpPr>
+            <a:cxnSpLocks/>
+          </p:cNvCxnSpPr>
+          <p:nvPr/>
+        </p:nvCxnSpPr>
+        <p:spPr>
+          <a:xfrm>
+            <a:off x="2164260" y="578820"/>
+            <a:ext cx="0" cy="614988"/>
+          </a:xfrm>
+          <a:prstGeom prst="line">
+            <a:avLst/>
+          </a:prstGeom>
+          <a:ln w="3175">
+            <a:solidFill>
+              <a:schemeClr val="bg1"/>
+            </a:solidFill>
+          </a:ln>
+        </p:spPr>
+        <p:style>
+          <a:lnRef idx="2">
+            <a:schemeClr val="accent1"/>
+          </a:lnRef>
+          <a:fillRef idx="0">
+            <a:schemeClr val="accent1"/>
+          </a:fillRef>
+          <a:effectRef idx="1">
+            <a:schemeClr val="accent1"/>
+          </a:effectRef>
+          <a:fontRef idx="minor">
+            <a:schemeClr val="tx1"/>
+          </a:fontRef>
+        </p:style>
+      </p:cxnSp>
+      <p:sp>
+        <p:nvSpPr>
+          <p:cNvPr id="10" name="TextBox 9">
+            <a:extLst>
+              <a:ext uri="{FF2B5EF4-FFF2-40B4-BE49-F238E27FC236}">
+                <a16:creationId xmlns:a16="http://schemas.microsoft.com/office/drawing/2014/main" id="{171FADF5-A14E-2A6F-E4FD-05C996983B85}"/>
+              </a:ext>
+            </a:extLst>
+          </p:cNvPr>
+          <p:cNvSpPr txBox="1"/>
+          <p:nvPr/>
+        </p:nvSpPr>
+        <p:spPr>
+          <a:xfrm>
+            <a:off x="3411935" y="1524372"/>
+            <a:ext cx="8292384" cy="5047536"/>
+          </a:xfrm>
+          <a:prstGeom prst="rect">
+            <a:avLst/>
+          </a:prstGeom>
+          <a:noFill/>
+        </p:spPr>
+        <p:txBody>
+          <a:bodyPr wrap="square">
+            <a:spAutoFit/>
+          </a:bodyPr>
+          <a:lstStyle/>
+          <a:p>
+            <a:pPr>
+              <a:spcAft>
+                <a:spcPts val="600"/>
+              </a:spcAft>
+            </a:pPr>
+            <a:r>
+              <a:rPr lang="en-GB" sz="1600" b="1" dirty="0">
+                <a:solidFill>
+                  <a:srgbClr val="FFC000"/>
+                </a:solidFill>
+              </a:rPr>
+              <a:t>Guest Speaker:</a:t>
+            </a:r>
+            <a:r>
+              <a:rPr lang="en-GB" sz="1600" dirty="0">
+                <a:solidFill>
+                  <a:srgbClr val="FFC000"/>
+                </a:solidFill>
+              </a:rPr>
+              <a:t> </a:t>
+            </a:r>
+            <a:r>
+              <a:rPr lang="en-GB" sz="1600" b="1" dirty="0">
+                <a:solidFill>
+                  <a:srgbClr val="FFC000"/>
+                </a:solidFill>
+              </a:rPr>
+              <a:t>Mr. Rahul Vats </a:t>
+            </a:r>
+            <a:br>
+              <a:rPr lang="en-GB" sz="1600" dirty="0">
+                <a:solidFill>
+                  <a:schemeClr val="bg1"/>
+                </a:solidFill>
+              </a:rPr>
+            </a:br>
+            <a:r>
+              <a:rPr lang="en-GB" sz="1600" b="1" dirty="0">
+                <a:solidFill>
+                  <a:srgbClr val="FFC000"/>
+                </a:solidFill>
+              </a:rPr>
+              <a:t>Designation:</a:t>
+            </a:r>
+            <a:r>
+              <a:rPr lang="en-GB" sz="1600" dirty="0">
+                <a:solidFill>
+                  <a:schemeClr val="bg1"/>
+                </a:solidFill>
+              </a:rPr>
+              <a:t> </a:t>
+            </a:r>
+            <a:r>
+              <a:rPr lang="en-GB" sz="1600" b="1" dirty="0">
+                <a:solidFill>
+                  <a:srgbClr val="FFC000"/>
+                </a:solidFill>
+              </a:rPr>
+              <a:t>Senior Lead/Manager at CapitalOne, Coppell, Texas, United States</a:t>
+            </a:r>
+          </a:p>
+          <a:p>
+            <a:pPr>
+              <a:spcAft>
+                <a:spcPts val="600"/>
+              </a:spcAft>
+            </a:pPr>
+            <a:r>
+              <a:rPr lang="en-GB" sz="1600" b="1" dirty="0">
+                <a:solidFill>
+                  <a:srgbClr val="FFC000"/>
+                </a:solidFill>
+              </a:rPr>
+              <a:t>Contact Info- </a:t>
+            </a:r>
+            <a:r>
+              <a:rPr lang="en-GB" sz="1600" b="1" dirty="0">
+                <a:solidFill>
+                  <a:srgbClr val="92D050"/>
+                </a:solidFill>
+                <a:hlinkClick r:id="rId8">
+                  <a:extLst>
+                    <a:ext uri="{A12FA001-AC4F-418D-AE19-62706E023703}">
+                      <ahyp:hlinkClr xmlns:ahyp="http://schemas.microsoft.com/office/drawing/2018/hyperlinkcolor" val="tx"/>
+                    </a:ext>
+                  </a:extLst>
+                </a:hlinkClick>
+              </a:rPr>
+              <a:t>linkedin.com/in/</a:t>
+            </a:r>
+            <a:r>
+              <a:rPr lang="en-GB" sz="1600" b="1" dirty="0" err="1">
+                <a:solidFill>
+                  <a:srgbClr val="92D050"/>
+                </a:solidFill>
+                <a:hlinkClick r:id="rId8">
+                  <a:extLst>
+                    <a:ext uri="{A12FA001-AC4F-418D-AE19-62706E023703}">
+                      <ahyp:hlinkClr xmlns:ahyp="http://schemas.microsoft.com/office/drawing/2018/hyperlinkcolor" val="tx"/>
+                    </a:ext>
+                  </a:extLst>
+                </a:hlinkClick>
+              </a:rPr>
+              <a:t>rvats</a:t>
+            </a:r>
+            <a:endParaRPr lang="en-GB" sz="1600" dirty="0">
+              <a:solidFill>
+                <a:srgbClr val="92D050"/>
+              </a:solidFill>
+            </a:endParaRPr>
+          </a:p>
+          <a:p>
+            <a:pPr algn="just">
+              <a:spcAft>
+                <a:spcPts val="600"/>
+              </a:spcAft>
+            </a:pPr>
+            <a:r>
+              <a:rPr lang="en-GB" sz="1600" dirty="0">
+                <a:solidFill>
+                  <a:schemeClr val="bg1"/>
+                </a:solidFill>
+              </a:rPr>
+              <a:t>Join us for a compelling talk by Mr. Rahul Vats, who will showcase the power of AI in tackling </a:t>
+            </a:r>
+            <a:r>
+              <a:rPr lang="en-GB" sz="1600" b="1" dirty="0">
+                <a:solidFill>
+                  <a:schemeClr val="bg1"/>
+                </a:solidFill>
+              </a:rPr>
+              <a:t>real-world industry challenges</a:t>
+            </a:r>
+            <a:r>
+              <a:rPr lang="en-GB" sz="1600" dirty="0">
+                <a:solidFill>
+                  <a:schemeClr val="bg1"/>
+                </a:solidFill>
+              </a:rPr>
+              <a:t>. Using </a:t>
+            </a:r>
+            <a:r>
+              <a:rPr lang="en-GB" sz="1600" b="1" dirty="0">
+                <a:solidFill>
+                  <a:srgbClr val="FFC000"/>
+                </a:solidFill>
+              </a:rPr>
+              <a:t>real world data</a:t>
+            </a:r>
+            <a:r>
+              <a:rPr lang="en-GB" sz="1600" dirty="0">
+                <a:solidFill>
+                  <a:schemeClr val="bg1"/>
+                </a:solidFill>
+              </a:rPr>
+              <a:t> for various key use cases like wildfires, mental health detection using mobile data, this session will illustrate how machine learning techniques are reshaping industries and tackling critical real-world challenges.</a:t>
+            </a:r>
+          </a:p>
+          <a:p>
+            <a:pPr>
+              <a:spcAft>
+                <a:spcPts val="600"/>
+              </a:spcAft>
+            </a:pPr>
+            <a:r>
+              <a:rPr lang="en-GB" sz="1600" dirty="0"/>
+              <a:t>🔍 </a:t>
+            </a:r>
+            <a:r>
+              <a:rPr lang="en-GB" sz="1600" b="1" dirty="0">
+                <a:solidFill>
+                  <a:srgbClr val="FFC000"/>
+                </a:solidFill>
+              </a:rPr>
+              <a:t>Session Focus:</a:t>
+            </a:r>
+            <a:endParaRPr lang="en-GB" sz="1600" dirty="0">
+              <a:solidFill>
+                <a:srgbClr val="FFC000"/>
+              </a:solidFill>
+            </a:endParaRPr>
+          </a:p>
+          <a:p>
+            <a:pPr marL="285750" indent="-285750">
+              <a:buFont typeface="Wingdings" panose="05000000000000000000" pitchFamily="2" charset="2"/>
+              <a:buChar char="§"/>
+            </a:pPr>
+            <a:r>
+              <a:rPr lang="en-GB" sz="1600" dirty="0">
+                <a:solidFill>
+                  <a:schemeClr val="bg1"/>
+                </a:solidFill>
+              </a:rPr>
+              <a:t>How AI is solving critical real-world challenges</a:t>
+            </a:r>
+            <a:endParaRPr lang="en-GB" sz="1600" dirty="0">
+              <a:solidFill>
+                <a:schemeClr val="bg1"/>
+              </a:solidFill>
+              <a:highlight>
+                <a:srgbClr val="FF00FF"/>
+              </a:highlight>
+            </a:endParaRPr>
+          </a:p>
+          <a:p>
+            <a:pPr marL="285750" indent="-285750">
+              <a:spcAft>
+                <a:spcPts val="600"/>
+              </a:spcAft>
+              <a:buFont typeface="Wingdings" panose="05000000000000000000" pitchFamily="2" charset="2"/>
+              <a:buChar char="§"/>
+            </a:pPr>
+            <a:r>
+              <a:rPr lang="en-GB" sz="1600" dirty="0">
+                <a:solidFill>
+                  <a:schemeClr val="bg1"/>
+                </a:solidFill>
+              </a:rPr>
+              <a:t>Practical insights for building impactful ML solutions</a:t>
+            </a:r>
+          </a:p>
+          <a:p>
+            <a:pPr marL="285750" indent="-285750">
+              <a:spcAft>
+                <a:spcPts val="600"/>
+              </a:spcAft>
+              <a:buFont typeface="Wingdings" panose="05000000000000000000" pitchFamily="2" charset="2"/>
+              <a:buChar char="§"/>
+            </a:pPr>
+            <a:r>
+              <a:rPr lang="en-GB" sz="1600" dirty="0">
+                <a:solidFill>
+                  <a:schemeClr val="bg1"/>
+                </a:solidFill>
+              </a:rPr>
+              <a:t>Wildfires use cases</a:t>
+            </a:r>
+          </a:p>
+          <a:p>
+            <a:pPr marL="285750" indent="-285750">
+              <a:spcAft>
+                <a:spcPts val="600"/>
+              </a:spcAft>
+              <a:buFont typeface="Wingdings" panose="05000000000000000000" pitchFamily="2" charset="2"/>
+              <a:buChar char="§"/>
+            </a:pPr>
+            <a:r>
+              <a:rPr lang="en-GB" sz="1600" dirty="0">
+                <a:solidFill>
+                  <a:schemeClr val="bg1"/>
+                </a:solidFill>
+              </a:rPr>
+              <a:t>Detecting Depression by tracking location data in mobile. </a:t>
+            </a:r>
+          </a:p>
+          <a:p>
+            <a:pPr>
+              <a:spcAft>
+                <a:spcPts val="600"/>
+              </a:spcAft>
+            </a:pPr>
+            <a:r>
+              <a:rPr lang="en-GB" sz="1600" dirty="0">
+                <a:solidFill>
+                  <a:schemeClr val="bg1"/>
+                </a:solidFill>
+              </a:rPr>
+              <a:t>📅 </a:t>
+            </a:r>
+            <a:r>
+              <a:rPr lang="en-GB" sz="1600" b="1" dirty="0">
+                <a:solidFill>
+                  <a:schemeClr val="bg1"/>
+                </a:solidFill>
+              </a:rPr>
+              <a:t>Date: 5</a:t>
+            </a:r>
+            <a:r>
+              <a:rPr lang="en-GB" sz="1600" b="1" baseline="30000" dirty="0">
+                <a:solidFill>
+                  <a:schemeClr val="bg1"/>
+                </a:solidFill>
+              </a:rPr>
+              <a:t>th</a:t>
+            </a:r>
+            <a:r>
+              <a:rPr lang="en-GB" sz="1600" b="1" dirty="0">
+                <a:solidFill>
+                  <a:schemeClr val="bg1"/>
+                </a:solidFill>
+              </a:rPr>
+              <a:t> December </a:t>
+            </a:r>
+            <a:r>
+              <a:rPr lang="en-GB" sz="1600" dirty="0">
+                <a:solidFill>
+                  <a:schemeClr val="bg1"/>
+                </a:solidFill>
+              </a:rPr>
+              <a:t>2025</a:t>
+            </a:r>
+            <a:br>
+              <a:rPr lang="en-GB" sz="1600" dirty="0">
+                <a:solidFill>
+                  <a:schemeClr val="bg1"/>
+                </a:solidFill>
+              </a:rPr>
+            </a:br>
+            <a:r>
+              <a:rPr lang="en-GB" sz="1600" dirty="0">
+                <a:solidFill>
+                  <a:schemeClr val="bg1"/>
+                </a:solidFill>
+              </a:rPr>
+              <a:t>⏰ </a:t>
+            </a:r>
+            <a:r>
+              <a:rPr lang="en-GB" sz="1600" b="1" dirty="0">
+                <a:solidFill>
+                  <a:schemeClr val="bg1"/>
+                </a:solidFill>
+              </a:rPr>
+              <a:t>Time:</a:t>
+            </a:r>
+            <a:r>
+              <a:rPr lang="en-GB" sz="1600" dirty="0">
+                <a:solidFill>
+                  <a:schemeClr val="bg1"/>
+                </a:solidFill>
+              </a:rPr>
+              <a:t> 2.00 p.m.- 3.00 p.m.</a:t>
+            </a:r>
+            <a:br>
+              <a:rPr lang="en-GB" sz="1600" dirty="0">
+                <a:solidFill>
+                  <a:schemeClr val="bg1"/>
+                </a:solidFill>
+              </a:rPr>
+            </a:br>
+            <a:r>
+              <a:rPr lang="en-GB" sz="1600" dirty="0">
+                <a:solidFill>
+                  <a:schemeClr val="bg1"/>
+                </a:solidFill>
+              </a:rPr>
+              <a:t>📍 </a:t>
+            </a:r>
+            <a:r>
+              <a:rPr lang="en-GB" sz="1600" b="1" dirty="0">
+                <a:solidFill>
+                  <a:schemeClr val="bg1"/>
+                </a:solidFill>
+              </a:rPr>
+              <a:t>Venue:</a:t>
+            </a:r>
+            <a:r>
+              <a:rPr lang="en-GB" sz="1600" dirty="0">
+                <a:solidFill>
+                  <a:schemeClr val="bg1"/>
+                </a:solidFill>
+              </a:rPr>
+              <a:t> Virtual: </a:t>
+            </a:r>
+            <a:r>
+              <a:rPr lang="en-GB" sz="1600" dirty="0">
+                <a:solidFill>
+                  <a:schemeClr val="bg1"/>
+                </a:solidFill>
+                <a:latin typeface="Aptos" panose="020B0004020202020204" pitchFamily="34" charset="0"/>
+              </a:rPr>
+              <a:t>Teams Meeting Link available on CMP7005 Teams Channel</a:t>
+            </a:r>
+            <a:endParaRPr lang="en-GB" sz="1600" dirty="0">
+              <a:solidFill>
+                <a:schemeClr val="bg1"/>
+              </a:solidFill>
+            </a:endParaRPr>
+          </a:p>
+          <a:p>
+            <a:endParaRPr lang="en-GB" sz="1400" b="1" dirty="0">
+              <a:solidFill>
+                <a:srgbClr val="FFC000"/>
+              </a:solidFill>
+            </a:endParaRPr>
+          </a:p>
+          <a:p>
+            <a:r>
+              <a:rPr lang="en-GB" sz="1400" b="1" dirty="0">
+                <a:solidFill>
+                  <a:srgbClr val="FFC000"/>
+                </a:solidFill>
+              </a:rPr>
+              <a:t>Don’t miss this opportunity to learn from an expert at the forefront of AI innovation! 🚀</a:t>
+            </a:r>
+          </a:p>
+          <a:p>
+            <a:pPr>
+              <a:spcAft>
+                <a:spcPts val="600"/>
+              </a:spcAft>
+            </a:pPr>
+            <a:endParaRPr lang="en-GB" sz="1400" dirty="0">
+              <a:solidFill>
+                <a:schemeClr val="bg1"/>
+              </a:solidFill>
+            </a:endParaRPr>
+          </a:p>
+        </p:txBody>
+      </p:sp>
+      <p:sp>
+        <p:nvSpPr>
+          <p:cNvPr id="16" name="TextBox 15">
+            <a:extLst>
+              <a:ext uri="{FF2B5EF4-FFF2-40B4-BE49-F238E27FC236}">
+                <a16:creationId xmlns:a16="http://schemas.microsoft.com/office/drawing/2014/main" id="{4AB1852B-C057-165D-155B-694EB56861AA}"/>
+              </a:ext>
+            </a:extLst>
+          </p:cNvPr>
+          <p:cNvSpPr txBox="1"/>
+          <p:nvPr/>
+        </p:nvSpPr>
+        <p:spPr>
+          <a:xfrm>
+            <a:off x="4265024" y="680925"/>
+            <a:ext cx="7124698" cy="461665"/>
+          </a:xfrm>
+          <a:prstGeom prst="rect">
+            <a:avLst/>
+          </a:prstGeom>
+          <a:noFill/>
+        </p:spPr>
+        <p:txBody>
+          <a:bodyPr wrap="square" rtlCol="0">
+            <a:spAutoFit/>
+          </a:bodyPr>
+          <a:lstStyle/>
+          <a:p>
+            <a:pPr algn="ctr"/>
+            <a:r>
+              <a:rPr lang="en-GB" sz="2400" b="1" dirty="0">
+                <a:solidFill>
+                  <a:schemeClr val="bg1"/>
+                </a:solidFill>
+              </a:rPr>
+              <a:t>AI in Action: Bridging Theory and Practice</a:t>
+            </a:r>
+            <a:r>
+              <a:rPr lang="en-GB" sz="2400" dirty="0">
+                <a:solidFill>
+                  <a:schemeClr val="bg1"/>
+                </a:solidFill>
+              </a:rPr>
+              <a:t> </a:t>
+            </a:r>
+            <a:endParaRPr lang="en-GB" sz="2400" b="1" dirty="0">
+              <a:solidFill>
+                <a:schemeClr val="bg1"/>
+              </a:solidFill>
+            </a:endParaRPr>
+          </a:p>
+        </p:txBody>
+      </p:sp>
+      <p:sp>
+        <p:nvSpPr>
+          <p:cNvPr id="23" name="TextBox 22">
+            <a:extLst>
+              <a:ext uri="{FF2B5EF4-FFF2-40B4-BE49-F238E27FC236}">
+                <a16:creationId xmlns:a16="http://schemas.microsoft.com/office/drawing/2014/main" id="{0DAD8BA7-8DD5-B8BE-2182-F9975FD6DA89}"/>
+              </a:ext>
+            </a:extLst>
+          </p:cNvPr>
+          <p:cNvSpPr txBox="1"/>
+          <p:nvPr/>
+        </p:nvSpPr>
+        <p:spPr>
+          <a:xfrm>
+            <a:off x="55808" y="4334320"/>
+            <a:ext cx="3314163" cy="2200602"/>
+          </a:xfrm>
+          <a:prstGeom prst="rect">
+            <a:avLst/>
+          </a:prstGeom>
+          <a:noFill/>
+        </p:spPr>
+        <p:txBody>
+          <a:bodyPr wrap="square">
+            <a:spAutoFit/>
+          </a:bodyPr>
+          <a:lstStyle/>
+          <a:p>
+            <a:pPr>
+              <a:spcAft>
+                <a:spcPts val="600"/>
+              </a:spcAft>
+            </a:pPr>
+            <a:r>
+              <a:rPr lang="en-GB" sz="1100" b="1" u="sng" dirty="0">
+                <a:solidFill>
+                  <a:schemeClr val="bg1"/>
+                </a:solidFill>
+              </a:rPr>
+              <a:t>About the Speaker</a:t>
+            </a:r>
+            <a:endParaRPr lang="en-GB" sz="1100" u="sng" dirty="0">
+              <a:solidFill>
+                <a:schemeClr val="bg1"/>
+              </a:solidFill>
+            </a:endParaRPr>
+          </a:p>
+          <a:p>
+            <a:pPr algn="just"/>
+            <a:r>
+              <a:rPr lang="en-GB" sz="1100" dirty="0">
+                <a:solidFill>
+                  <a:srgbClr val="FFC000"/>
+                </a:solidFill>
+              </a:rPr>
+              <a:t>Mr. Rahul Vats is a technology leader with over 17 years of experience delivering AI, Cloud, and Data Science solutions for Fortune 500 clients. Currently a Lead Cloud and Data Science Manager at Ernst &amp; Young, he specializes in AI, ML, RAG, computer vision, and automation. His prior roles at Microsoft and </a:t>
+            </a:r>
+            <a:r>
+              <a:rPr lang="en-GB" sz="1100" dirty="0" err="1">
+                <a:solidFill>
+                  <a:srgbClr val="FFC000"/>
+                </a:solidFill>
+              </a:rPr>
+              <a:t>AppGate</a:t>
+            </a:r>
+            <a:r>
+              <a:rPr lang="en-GB" sz="1100" dirty="0">
+                <a:solidFill>
+                  <a:srgbClr val="FFC000"/>
+                </a:solidFill>
+              </a:rPr>
+              <a:t> involved solving critical enterprise challenges, leading global engineering teams, and driving large-scale cloud transformation. He holds a Master’s degree in Computer Science and a certificate in Big Data and Social Analytics from MIT.</a:t>
+            </a:r>
+            <a:endParaRPr lang="en-GB" sz="1200" dirty="0">
+              <a:solidFill>
+                <a:srgbClr val="FFC000"/>
+              </a:solidFill>
+            </a:endParaRPr>
+          </a:p>
+        </p:txBody>
+      </p:sp>
+      <p:pic>
+        <p:nvPicPr>
+          <p:cNvPr id="11" name="Picture 10">
+            <a:extLst>
+              <a:ext uri="{FF2B5EF4-FFF2-40B4-BE49-F238E27FC236}">
+                <a16:creationId xmlns:a16="http://schemas.microsoft.com/office/drawing/2014/main" id="{1D00FF49-3BF7-8EC6-D1FE-15E2A9D567B0}"/>
+              </a:ext>
+            </a:extLst>
+          </p:cNvPr>
+          <p:cNvPicPr>
+            <a:picLocks noChangeAspect="1"/>
+          </p:cNvPicPr>
+          <p:nvPr/>
+        </p:nvPicPr>
+        <p:blipFill>
+          <a:blip r:embed="rId9"/>
+          <a:stretch>
+            <a:fillRect/>
+          </a:stretch>
+        </p:blipFill>
+        <p:spPr>
+          <a:xfrm>
+            <a:off x="360962" y="1377092"/>
+            <a:ext cx="2861695" cy="2850938"/>
+          </a:xfrm>
+          <a:prstGeom prst="rect">
+            <a:avLst/>
+          </a:prstGeom>
+        </p:spPr>
+      </p:pic>
+    </p:spTree>
+    <p:extLst>
+      <p:ext uri="{BB962C8B-B14F-4D97-AF65-F5344CB8AC3E}">
+        <p14:creationId xmlns:p14="http://schemas.microsoft.com/office/powerpoint/2010/main" val="594177374"/>
+      </p:ext>
+    </p:extLst>
+  </p:cSld>
+  <p:clrMapOvr>
+    <a:masterClrMapping/>
+  </p:clrMapOvr>
+</p:sld>
+</file>
+
+<file path=ppt/slides/slide3.xml><?xml version="1.0" encoding="utf-8"?>
+<p:sld xmlns:a="http://schemas.openxmlformats.org/drawingml/2006/main" xmlns:r="http://schemas.openxmlformats.org/officeDocument/2006/relationships" xmlns:p="http://schemas.openxmlformats.org/presentationml/2006/main">
+  <p:cSld>
+    <p:spTree>
+      <p:nvGrpSpPr>
+        <p:cNvPr id="1" name="">
+          <a:extLst>
+            <a:ext uri="{FF2B5EF4-FFF2-40B4-BE49-F238E27FC236}">
+              <a16:creationId xmlns:a16="http://schemas.microsoft.com/office/drawing/2014/main" id="{BC571101-066F-E064-55C1-1FD0F359D855}"/>
+            </a:ext>
+          </a:extLst>
+        </p:cNvPr>
+        <p:cNvGrpSpPr/>
+        <p:nvPr/>
+      </p:nvGrpSpPr>
+      <p:grpSpPr>
+        <a:xfrm>
+          <a:off x="0" y="0"/>
+          <a:ext cx="0" cy="0"/>
+          <a:chOff x="0" y="0"/>
+          <a:chExt cx="0" cy="0"/>
+        </a:xfrm>
+      </p:grpSpPr>
+      <p:grpSp>
+        <p:nvGrpSpPr>
+          <p:cNvPr id="2" name="object 2">
+            <a:extLst>
+              <a:ext uri="{FF2B5EF4-FFF2-40B4-BE49-F238E27FC236}">
+                <a16:creationId xmlns:a16="http://schemas.microsoft.com/office/drawing/2014/main" id="{F4FFC192-2517-5487-5745-5FD9129C3AF7}"/>
+              </a:ext>
+            </a:extLst>
+          </p:cNvPr>
+          <p:cNvGrpSpPr/>
+          <p:nvPr/>
+        </p:nvGrpSpPr>
+        <p:grpSpPr>
+          <a:xfrm>
+            <a:off x="3" y="1"/>
+            <a:ext cx="12191998" cy="6857995"/>
+            <a:chOff x="0" y="0"/>
+            <a:chExt cx="12191999" cy="6857995"/>
+          </a:xfrm>
+          <a:noFill/>
+        </p:grpSpPr>
+        <p:pic>
+          <p:nvPicPr>
+            <p:cNvPr id="3" name="object 3">
+              <a:extLst>
+                <a:ext uri="{FF2B5EF4-FFF2-40B4-BE49-F238E27FC236}">
+                  <a16:creationId xmlns:a16="http://schemas.microsoft.com/office/drawing/2014/main" id="{89CD054C-819A-AB96-9246-9E9233655353}"/>
+                </a:ext>
+              </a:extLst>
+            </p:cNvPr>
+            <p:cNvPicPr/>
+            <p:nvPr/>
+          </p:nvPicPr>
+          <p:blipFill>
+            <a:blip r:embed="rId3" cstate="print"/>
+            <a:stretch>
+              <a:fillRect/>
+            </a:stretch>
+          </p:blipFill>
+          <p:spPr>
+            <a:xfrm>
+              <a:off x="0" y="12190"/>
+              <a:ext cx="12191999" cy="6845805"/>
+            </a:xfrm>
+            <a:prstGeom prst="rect">
+              <a:avLst/>
+            </a:prstGeom>
+            <a:grpFill/>
+          </p:spPr>
+        </p:pic>
+        <p:pic>
+          <p:nvPicPr>
+            <p:cNvPr id="4" name="object 4">
+              <a:extLst>
+                <a:ext uri="{FF2B5EF4-FFF2-40B4-BE49-F238E27FC236}">
+                  <a16:creationId xmlns:a16="http://schemas.microsoft.com/office/drawing/2014/main" id="{5A34C872-F65A-F6F6-A555-FB0C38BB2D08}"/>
+                </a:ext>
+              </a:extLst>
+            </p:cNvPr>
+            <p:cNvPicPr/>
+            <p:nvPr/>
+          </p:nvPicPr>
+          <p:blipFill>
+            <a:blip r:embed="rId4" cstate="print"/>
+            <a:stretch>
+              <a:fillRect/>
+            </a:stretch>
+          </p:blipFill>
+          <p:spPr>
+            <a:xfrm>
+              <a:off x="0" y="0"/>
+              <a:ext cx="12191581" cy="6687311"/>
+            </a:xfrm>
+            <a:prstGeom prst="rect">
+              <a:avLst/>
+            </a:prstGeom>
+            <a:grpFill/>
+          </p:spPr>
+        </p:pic>
+        <p:pic>
+          <p:nvPicPr>
+            <p:cNvPr id="5" name="object 5">
+              <a:extLst>
+                <a:ext uri="{FF2B5EF4-FFF2-40B4-BE49-F238E27FC236}">
+                  <a16:creationId xmlns:a16="http://schemas.microsoft.com/office/drawing/2014/main" id="{7984A48F-46B0-356D-98D0-669B6B8C607A}"/>
+                </a:ext>
+              </a:extLst>
+            </p:cNvPr>
+            <p:cNvPicPr/>
+            <p:nvPr/>
+          </p:nvPicPr>
+          <p:blipFill>
+            <a:blip r:embed="rId5" cstate="print"/>
+            <a:stretch>
+              <a:fillRect/>
+            </a:stretch>
+          </p:blipFill>
+          <p:spPr>
+            <a:xfrm>
+              <a:off x="339268" y="369635"/>
+              <a:ext cx="576098" cy="807391"/>
+            </a:xfrm>
+            <a:prstGeom prst="rect">
+              <a:avLst/>
+            </a:prstGeom>
+            <a:grpFill/>
+          </p:spPr>
+        </p:pic>
+        <p:sp>
+          <p:nvSpPr>
+            <p:cNvPr id="6" name="object 6">
+              <a:extLst>
+                <a:ext uri="{FF2B5EF4-FFF2-40B4-BE49-F238E27FC236}">
+                  <a16:creationId xmlns:a16="http://schemas.microsoft.com/office/drawing/2014/main" id="{58327896-BA3A-134B-A217-742C0A4ED417}"/>
+                </a:ext>
+              </a:extLst>
+            </p:cNvPr>
+            <p:cNvSpPr/>
+            <p:nvPr/>
+          </p:nvSpPr>
+          <p:spPr>
+            <a:xfrm>
+              <a:off x="6514915" y="638080"/>
+              <a:ext cx="7620" cy="648970"/>
+            </a:xfrm>
+            <a:custGeom>
+              <a:avLst/>
+              <a:gdLst/>
+              <a:ahLst/>
+              <a:cxnLst/>
+              <a:rect l="l" t="t" r="r" b="b"/>
+              <a:pathLst>
+                <a:path w="7620" h="648969">
+                  <a:moveTo>
+                    <a:pt x="7622" y="0"/>
+                  </a:moveTo>
+                  <a:lnTo>
+                    <a:pt x="0" y="0"/>
+                  </a:lnTo>
+                  <a:lnTo>
+                    <a:pt x="0" y="648690"/>
+                  </a:lnTo>
+                  <a:lnTo>
+                    <a:pt x="7622" y="648690"/>
+                  </a:lnTo>
+                  <a:lnTo>
+                    <a:pt x="7622" y="0"/>
+                  </a:lnTo>
+                  <a:close/>
+                </a:path>
+              </a:pathLst>
+            </a:custGeom>
+            <a:grpFill/>
+          </p:spPr>
+          <p:txBody>
+            <a:bodyPr wrap="square" lIns="0" tIns="0" rIns="0" bIns="0" rtlCol="0"/>
+            <a:lstStyle>
+              <a:defPPr>
+                <a:defRPr kern="0"/>
+              </a:defPPr>
+            </a:lstStyle>
+            <a:p>
+              <a:endParaRPr/>
+            </a:p>
+          </p:txBody>
+        </p:sp>
+        <p:pic>
+          <p:nvPicPr>
+            <p:cNvPr id="7" name="object 7">
+              <a:extLst>
+                <a:ext uri="{FF2B5EF4-FFF2-40B4-BE49-F238E27FC236}">
+                  <a16:creationId xmlns:a16="http://schemas.microsoft.com/office/drawing/2014/main" id="{56879D56-8A25-BAAE-E7DC-B488E4000DDA}"/>
+                </a:ext>
+              </a:extLst>
+            </p:cNvPr>
+            <p:cNvPicPr/>
+            <p:nvPr/>
+          </p:nvPicPr>
+          <p:blipFill>
+            <a:blip r:embed="rId6" cstate="print"/>
+            <a:stretch>
+              <a:fillRect/>
+            </a:stretch>
+          </p:blipFill>
+          <p:spPr>
+            <a:xfrm>
+              <a:off x="1049495" y="565974"/>
+              <a:ext cx="1051269" cy="579549"/>
+            </a:xfrm>
+            <a:prstGeom prst="rect">
+              <a:avLst/>
+            </a:prstGeom>
+            <a:grpFill/>
+          </p:spPr>
+        </p:pic>
+        <p:pic>
+          <p:nvPicPr>
+            <p:cNvPr id="8" name="object 8">
+              <a:extLst>
+                <a:ext uri="{FF2B5EF4-FFF2-40B4-BE49-F238E27FC236}">
+                  <a16:creationId xmlns:a16="http://schemas.microsoft.com/office/drawing/2014/main" id="{EF21065D-6669-8C95-C319-032D5034AB4A}"/>
+                </a:ext>
+              </a:extLst>
+            </p:cNvPr>
+            <p:cNvPicPr/>
+            <p:nvPr/>
+          </p:nvPicPr>
+          <p:blipFill>
+            <a:blip r:embed="rId7" cstate="print"/>
+            <a:stretch>
+              <a:fillRect/>
+            </a:stretch>
+          </p:blipFill>
+          <p:spPr>
+            <a:xfrm>
+              <a:off x="2224840" y="566670"/>
+              <a:ext cx="1069790" cy="579550"/>
+            </a:xfrm>
+            <a:prstGeom prst="rect">
+              <a:avLst/>
+            </a:prstGeom>
+            <a:grpFill/>
+          </p:spPr>
+        </p:pic>
+      </p:grpSp>
+      <p:cxnSp>
+        <p:nvCxnSpPr>
+          <p:cNvPr id="17" name="Straight Connector 16">
+            <a:extLst>
+              <a:ext uri="{FF2B5EF4-FFF2-40B4-BE49-F238E27FC236}">
+                <a16:creationId xmlns:a16="http://schemas.microsoft.com/office/drawing/2014/main" id="{865ACE28-22BD-99A3-F424-AD60B9BA5D7E}"/>
+              </a:ext>
+            </a:extLst>
+          </p:cNvPr>
+          <p:cNvCxnSpPr>
+            <a:cxnSpLocks/>
+          </p:cNvCxnSpPr>
+          <p:nvPr/>
+        </p:nvCxnSpPr>
+        <p:spPr>
+          <a:xfrm>
+            <a:off x="2164260" y="578820"/>
+            <a:ext cx="0" cy="614988"/>
+          </a:xfrm>
+          <a:prstGeom prst="line">
+            <a:avLst/>
+          </a:prstGeom>
+          <a:ln w="3175">
+            <a:solidFill>
+              <a:schemeClr val="bg1"/>
+            </a:solidFill>
+          </a:ln>
+        </p:spPr>
+        <p:style>
+          <a:lnRef idx="2">
+            <a:schemeClr val="accent1"/>
+          </a:lnRef>
+          <a:fillRef idx="0">
+            <a:schemeClr val="accent1"/>
+          </a:fillRef>
+          <a:effectRef idx="1">
+            <a:schemeClr val="accent1"/>
+          </a:effectRef>
+          <a:fontRef idx="minor">
+            <a:schemeClr val="tx1"/>
+          </a:fontRef>
+        </p:style>
+      </p:cxnSp>
+      <p:sp>
+        <p:nvSpPr>
+          <p:cNvPr id="10" name="TextBox 9">
+            <a:extLst>
+              <a:ext uri="{FF2B5EF4-FFF2-40B4-BE49-F238E27FC236}">
+                <a16:creationId xmlns:a16="http://schemas.microsoft.com/office/drawing/2014/main" id="{03BA51C8-B3A9-EEAE-6EFD-4AC78C48D1A2}"/>
+              </a:ext>
+            </a:extLst>
+          </p:cNvPr>
+          <p:cNvSpPr txBox="1"/>
+          <p:nvPr/>
+        </p:nvSpPr>
+        <p:spPr>
+          <a:xfrm>
+            <a:off x="3411935" y="1524372"/>
+            <a:ext cx="8292384" cy="5047536"/>
+          </a:xfrm>
+          <a:prstGeom prst="rect">
+            <a:avLst/>
+          </a:prstGeom>
+          <a:noFill/>
+        </p:spPr>
+        <p:txBody>
+          <a:bodyPr wrap="square">
+            <a:spAutoFit/>
+          </a:bodyPr>
+          <a:lstStyle/>
+          <a:p>
+            <a:pPr>
+              <a:spcAft>
+                <a:spcPts val="600"/>
+              </a:spcAft>
+            </a:pPr>
+            <a:r>
+              <a:rPr lang="en-GB" sz="1600" b="1" dirty="0">
+                <a:solidFill>
+                  <a:srgbClr val="FFC000"/>
+                </a:solidFill>
+              </a:rPr>
+              <a:t>Guest Speaker:</a:t>
+            </a:r>
+            <a:r>
+              <a:rPr lang="en-GB" sz="1600" dirty="0">
+                <a:solidFill>
+                  <a:srgbClr val="FFC000"/>
+                </a:solidFill>
+              </a:rPr>
+              <a:t> </a:t>
+            </a:r>
+            <a:r>
+              <a:rPr lang="en-GB" sz="1600" b="1" dirty="0">
+                <a:solidFill>
+                  <a:srgbClr val="FFC000"/>
+                </a:solidFill>
+              </a:rPr>
+              <a:t>Mr. Rahul Vats </a:t>
+            </a:r>
+            <a:br>
+              <a:rPr lang="en-GB" sz="1600" dirty="0">
+                <a:solidFill>
+                  <a:schemeClr val="bg1"/>
+                </a:solidFill>
+              </a:rPr>
+            </a:br>
+            <a:r>
+              <a:rPr lang="en-GB" sz="1600" b="1" dirty="0">
+                <a:solidFill>
+                  <a:srgbClr val="FFC000"/>
+                </a:solidFill>
+              </a:rPr>
+              <a:t>Designation:</a:t>
+            </a:r>
+            <a:r>
+              <a:rPr lang="en-GB" sz="1600" dirty="0">
+                <a:solidFill>
+                  <a:schemeClr val="bg1"/>
+                </a:solidFill>
+              </a:rPr>
+              <a:t> </a:t>
+            </a:r>
+            <a:r>
+              <a:rPr lang="en-GB" sz="1600" b="1" dirty="0">
+                <a:solidFill>
+                  <a:srgbClr val="FFC000"/>
+                </a:solidFill>
+              </a:rPr>
+              <a:t>Senior Lead/Manager at CapitalOne, Coppell, Texas, United States</a:t>
+            </a:r>
+          </a:p>
+          <a:p>
+            <a:pPr>
+              <a:spcAft>
+                <a:spcPts val="600"/>
+              </a:spcAft>
+            </a:pPr>
+            <a:r>
+              <a:rPr lang="en-GB" sz="1600" b="1" dirty="0">
+                <a:solidFill>
+                  <a:srgbClr val="FFC000"/>
+                </a:solidFill>
+              </a:rPr>
+              <a:t>Contact Info- </a:t>
+            </a:r>
+            <a:r>
+              <a:rPr lang="en-GB" sz="1600" b="1" dirty="0">
+                <a:solidFill>
+                  <a:srgbClr val="92D050"/>
+                </a:solidFill>
+                <a:hlinkClick r:id="rId8">
+                  <a:extLst>
+                    <a:ext uri="{A12FA001-AC4F-418D-AE19-62706E023703}">
+                      <ahyp:hlinkClr xmlns:ahyp="http://schemas.microsoft.com/office/drawing/2018/hyperlinkcolor" val="tx"/>
+                    </a:ext>
+                  </a:extLst>
+                </a:hlinkClick>
+              </a:rPr>
+              <a:t>linkedin.com/in/</a:t>
+            </a:r>
+            <a:r>
+              <a:rPr lang="en-GB" sz="1600" b="1" dirty="0" err="1">
+                <a:solidFill>
+                  <a:srgbClr val="92D050"/>
+                </a:solidFill>
+                <a:hlinkClick r:id="rId8">
+                  <a:extLst>
+                    <a:ext uri="{A12FA001-AC4F-418D-AE19-62706E023703}">
+                      <ahyp:hlinkClr xmlns:ahyp="http://schemas.microsoft.com/office/drawing/2018/hyperlinkcolor" val="tx"/>
+                    </a:ext>
+                  </a:extLst>
+                </a:hlinkClick>
+              </a:rPr>
+              <a:t>rvats</a:t>
+            </a:r>
+            <a:endParaRPr lang="en-GB" sz="1600" dirty="0">
+              <a:solidFill>
+                <a:srgbClr val="92D050"/>
+              </a:solidFill>
+            </a:endParaRPr>
+          </a:p>
+          <a:p>
+            <a:pPr algn="just">
+              <a:spcAft>
+                <a:spcPts val="600"/>
+              </a:spcAft>
+            </a:pPr>
+            <a:r>
+              <a:rPr lang="en-GB" sz="1600" dirty="0">
+                <a:solidFill>
+                  <a:schemeClr val="bg1"/>
+                </a:solidFill>
+              </a:rPr>
+              <a:t>Join us for a compelling talk by Mr. Rahul Vats, who will showcase the power of AI in tackling </a:t>
+            </a:r>
+            <a:r>
+              <a:rPr lang="en-GB" sz="1600" b="1" dirty="0">
+                <a:solidFill>
+                  <a:schemeClr val="bg1"/>
+                </a:solidFill>
+              </a:rPr>
+              <a:t>real-world industry challenges</a:t>
+            </a:r>
+            <a:r>
+              <a:rPr lang="en-GB" sz="1600" dirty="0">
+                <a:solidFill>
+                  <a:schemeClr val="bg1"/>
+                </a:solidFill>
+              </a:rPr>
+              <a:t>. Using </a:t>
+            </a:r>
+            <a:r>
+              <a:rPr lang="en-GB" sz="1600" b="1" dirty="0">
+                <a:solidFill>
+                  <a:srgbClr val="FFC000"/>
+                </a:solidFill>
+              </a:rPr>
+              <a:t>real world data</a:t>
+            </a:r>
+            <a:r>
+              <a:rPr lang="en-GB" sz="1600" dirty="0">
+                <a:solidFill>
+                  <a:schemeClr val="bg1"/>
+                </a:solidFill>
+              </a:rPr>
+              <a:t> for various key use cases like wildfires, mental health detection using mobile data, this session will illustrate how machine learning techniques are reshaping industries and tackling critical real-world challenges.</a:t>
+            </a:r>
+          </a:p>
+          <a:p>
+            <a:pPr>
+              <a:spcAft>
+                <a:spcPts val="600"/>
+              </a:spcAft>
+            </a:pPr>
+            <a:r>
+              <a:rPr lang="en-GB" sz="1600" dirty="0"/>
+              <a:t>🔍 </a:t>
+            </a:r>
+            <a:r>
+              <a:rPr lang="en-GB" sz="1600" b="1" dirty="0">
+                <a:solidFill>
+                  <a:srgbClr val="FFC000"/>
+                </a:solidFill>
+              </a:rPr>
+              <a:t>Session Focus:</a:t>
+            </a:r>
+            <a:endParaRPr lang="en-GB" sz="1600" dirty="0">
+              <a:solidFill>
+                <a:srgbClr val="FFC000"/>
+              </a:solidFill>
+            </a:endParaRPr>
+          </a:p>
+          <a:p>
+            <a:pPr marL="285750" indent="-285750">
+              <a:buFont typeface="Wingdings" panose="05000000000000000000" pitchFamily="2" charset="2"/>
+              <a:buChar char="§"/>
+            </a:pPr>
+            <a:r>
+              <a:rPr lang="en-GB" sz="1600" dirty="0">
+                <a:solidFill>
+                  <a:schemeClr val="bg1"/>
+                </a:solidFill>
+              </a:rPr>
+              <a:t>How AI is solving critical real-world challenges</a:t>
+            </a:r>
+            <a:endParaRPr lang="en-GB" sz="1600" dirty="0">
+              <a:solidFill>
+                <a:schemeClr val="bg1"/>
+              </a:solidFill>
+              <a:highlight>
+                <a:srgbClr val="FF00FF"/>
+              </a:highlight>
+            </a:endParaRPr>
+          </a:p>
+          <a:p>
+            <a:pPr marL="285750" indent="-285750">
+              <a:spcAft>
+                <a:spcPts val="600"/>
+              </a:spcAft>
+              <a:buFont typeface="Wingdings" panose="05000000000000000000" pitchFamily="2" charset="2"/>
+              <a:buChar char="§"/>
+            </a:pPr>
+            <a:r>
+              <a:rPr lang="en-GB" sz="1600" dirty="0">
+                <a:solidFill>
+                  <a:schemeClr val="bg1"/>
+                </a:solidFill>
+              </a:rPr>
+              <a:t>Practical insights for building impactful ML solutions</a:t>
+            </a:r>
+          </a:p>
+          <a:p>
+            <a:pPr marL="285750" indent="-285750">
+              <a:spcAft>
+                <a:spcPts val="600"/>
+              </a:spcAft>
+              <a:buFont typeface="Wingdings" panose="05000000000000000000" pitchFamily="2" charset="2"/>
+              <a:buChar char="§"/>
+            </a:pPr>
+            <a:r>
+              <a:rPr lang="en-GB" sz="1600" dirty="0">
+                <a:solidFill>
+                  <a:schemeClr val="bg1"/>
+                </a:solidFill>
+              </a:rPr>
+              <a:t>Wildfires use cases</a:t>
+            </a:r>
+          </a:p>
+          <a:p>
+            <a:pPr marL="285750" indent="-285750">
+              <a:spcAft>
+                <a:spcPts val="600"/>
+              </a:spcAft>
+              <a:buFont typeface="Wingdings" panose="05000000000000000000" pitchFamily="2" charset="2"/>
+              <a:buChar char="§"/>
+            </a:pPr>
+            <a:r>
+              <a:rPr lang="en-GB" sz="1600" dirty="0">
+                <a:solidFill>
+                  <a:schemeClr val="bg1"/>
+                </a:solidFill>
+              </a:rPr>
+              <a:t>Detecting Depression by tracking location data in mobile. </a:t>
+            </a:r>
+          </a:p>
+          <a:p>
+            <a:pPr>
+              <a:spcAft>
+                <a:spcPts val="600"/>
+              </a:spcAft>
+            </a:pPr>
+            <a:r>
+              <a:rPr lang="en-GB" sz="1600" dirty="0">
+                <a:solidFill>
+                  <a:schemeClr val="bg1"/>
+                </a:solidFill>
+              </a:rPr>
+              <a:t>📅 </a:t>
+            </a:r>
+            <a:r>
+              <a:rPr lang="en-GB" sz="1600" b="1" dirty="0">
+                <a:solidFill>
+                  <a:schemeClr val="bg1"/>
+                </a:solidFill>
+              </a:rPr>
+              <a:t>Date: 5</a:t>
+            </a:r>
+            <a:r>
+              <a:rPr lang="en-GB" sz="1600" b="1" baseline="30000" dirty="0">
+                <a:solidFill>
+                  <a:schemeClr val="bg1"/>
+                </a:solidFill>
+              </a:rPr>
+              <a:t>th</a:t>
+            </a:r>
+            <a:r>
+              <a:rPr lang="en-GB" sz="1600" b="1" dirty="0">
+                <a:solidFill>
+                  <a:schemeClr val="bg1"/>
+                </a:solidFill>
+              </a:rPr>
+              <a:t> December </a:t>
+            </a:r>
+            <a:r>
+              <a:rPr lang="en-GB" sz="1600" dirty="0">
+                <a:solidFill>
+                  <a:schemeClr val="bg1"/>
+                </a:solidFill>
+              </a:rPr>
+              <a:t>2025</a:t>
+            </a:r>
+            <a:br>
+              <a:rPr lang="en-GB" sz="1600" dirty="0">
+                <a:solidFill>
+                  <a:schemeClr val="bg1"/>
+                </a:solidFill>
+              </a:rPr>
+            </a:br>
+            <a:r>
+              <a:rPr lang="en-GB" sz="1600" dirty="0">
+                <a:solidFill>
+                  <a:schemeClr val="bg1"/>
+                </a:solidFill>
+              </a:rPr>
+              <a:t>⏰ </a:t>
+            </a:r>
+            <a:r>
+              <a:rPr lang="en-GB" sz="1600" b="1" dirty="0">
+                <a:solidFill>
+                  <a:schemeClr val="bg1"/>
+                </a:solidFill>
+              </a:rPr>
+              <a:t>Time:</a:t>
+            </a:r>
+            <a:r>
+              <a:rPr lang="en-GB" sz="1600" dirty="0">
+                <a:solidFill>
+                  <a:schemeClr val="bg1"/>
+                </a:solidFill>
+              </a:rPr>
+              <a:t> 2.00 p.m.- 3.00 p.m.</a:t>
+            </a:r>
+            <a:br>
+              <a:rPr lang="en-GB" sz="1600" dirty="0">
+                <a:solidFill>
+                  <a:schemeClr val="bg1"/>
+                </a:solidFill>
+              </a:rPr>
+            </a:br>
+            <a:r>
+              <a:rPr lang="en-GB" sz="1600" dirty="0">
+                <a:solidFill>
+                  <a:schemeClr val="bg1"/>
+                </a:solidFill>
+              </a:rPr>
+              <a:t>📍 </a:t>
+            </a:r>
+            <a:r>
+              <a:rPr lang="en-GB" sz="1600" b="1" dirty="0">
+                <a:solidFill>
+                  <a:schemeClr val="bg1"/>
+                </a:solidFill>
+              </a:rPr>
+              <a:t>Venue:</a:t>
+            </a:r>
+            <a:r>
+              <a:rPr lang="en-GB" sz="1600" dirty="0">
+                <a:solidFill>
+                  <a:schemeClr val="bg1"/>
+                </a:solidFill>
+              </a:rPr>
+              <a:t> Virtual: </a:t>
+            </a:r>
+            <a:r>
+              <a:rPr lang="en-GB" sz="1600" dirty="0">
+                <a:solidFill>
+                  <a:schemeClr val="bg1"/>
+                </a:solidFill>
+                <a:latin typeface="Aptos" panose="020B0004020202020204" pitchFamily="34" charset="0"/>
+              </a:rPr>
+              <a:t>Teams Meeting Link available on CMP7005 Teams Channel</a:t>
+            </a:r>
+            <a:endParaRPr lang="en-GB" sz="1600" dirty="0">
+              <a:solidFill>
+                <a:schemeClr val="bg1"/>
+              </a:solidFill>
+            </a:endParaRPr>
+          </a:p>
+          <a:p>
+            <a:endParaRPr lang="en-GB" sz="1400" b="1" dirty="0">
+              <a:solidFill>
+                <a:srgbClr val="FFC000"/>
+              </a:solidFill>
+            </a:endParaRPr>
+          </a:p>
+          <a:p>
+            <a:r>
+              <a:rPr lang="en-GB" sz="1400" b="1" dirty="0">
+                <a:solidFill>
+                  <a:srgbClr val="FFC000"/>
+                </a:solidFill>
+              </a:rPr>
+              <a:t>Don’t miss this opportunity to learn from an expert at the forefront of AI innovation! 🚀</a:t>
+            </a:r>
+          </a:p>
+          <a:p>
+            <a:pPr>
+              <a:spcAft>
+                <a:spcPts val="600"/>
+              </a:spcAft>
+            </a:pPr>
+            <a:endParaRPr lang="en-GB" sz="1400" dirty="0">
+              <a:solidFill>
+                <a:schemeClr val="bg1"/>
+              </a:solidFill>
+            </a:endParaRPr>
+          </a:p>
+        </p:txBody>
+      </p:sp>
+      <p:sp>
+        <p:nvSpPr>
+          <p:cNvPr id="16" name="TextBox 15">
+            <a:extLst>
+              <a:ext uri="{FF2B5EF4-FFF2-40B4-BE49-F238E27FC236}">
+                <a16:creationId xmlns:a16="http://schemas.microsoft.com/office/drawing/2014/main" id="{70828EA9-3D44-1271-9076-E471A5111654}"/>
+              </a:ext>
+            </a:extLst>
+          </p:cNvPr>
+          <p:cNvSpPr txBox="1"/>
+          <p:nvPr/>
+        </p:nvSpPr>
+        <p:spPr>
+          <a:xfrm>
+            <a:off x="4265024" y="680925"/>
+            <a:ext cx="7124698" cy="461665"/>
+          </a:xfrm>
+          <a:prstGeom prst="rect">
+            <a:avLst/>
+          </a:prstGeom>
+          <a:noFill/>
+        </p:spPr>
+        <p:txBody>
+          <a:bodyPr wrap="square" rtlCol="0">
+            <a:spAutoFit/>
+          </a:bodyPr>
+          <a:lstStyle/>
+          <a:p>
+            <a:pPr algn="ctr"/>
+            <a:r>
+              <a:rPr lang="en-GB" sz="2400" b="1" dirty="0">
+                <a:solidFill>
+                  <a:schemeClr val="bg1"/>
+                </a:solidFill>
+              </a:rPr>
+              <a:t>AI in Action: Bridging Theory and Practice</a:t>
+            </a:r>
+            <a:r>
+              <a:rPr lang="en-GB" sz="2400" dirty="0">
+                <a:solidFill>
+                  <a:schemeClr val="bg1"/>
+                </a:solidFill>
+              </a:rPr>
+              <a:t> </a:t>
+            </a:r>
+            <a:endParaRPr lang="en-GB" sz="2400" b="1" dirty="0">
+              <a:solidFill>
+                <a:schemeClr val="bg1"/>
+              </a:solidFill>
+            </a:endParaRPr>
+          </a:p>
+        </p:txBody>
+      </p:sp>
+      <p:sp>
+        <p:nvSpPr>
+          <p:cNvPr id="23" name="TextBox 22">
+            <a:extLst>
+              <a:ext uri="{FF2B5EF4-FFF2-40B4-BE49-F238E27FC236}">
+                <a16:creationId xmlns:a16="http://schemas.microsoft.com/office/drawing/2014/main" id="{777B9232-C208-FAA1-1F65-CB5CB15F874D}"/>
+              </a:ext>
+            </a:extLst>
+          </p:cNvPr>
+          <p:cNvSpPr txBox="1"/>
+          <p:nvPr/>
+        </p:nvSpPr>
+        <p:spPr>
+          <a:xfrm>
+            <a:off x="55808" y="4334320"/>
+            <a:ext cx="3314163" cy="2200602"/>
+          </a:xfrm>
+          <a:prstGeom prst="rect">
+            <a:avLst/>
+          </a:prstGeom>
+          <a:noFill/>
+        </p:spPr>
+        <p:txBody>
+          <a:bodyPr wrap="square">
+            <a:spAutoFit/>
+          </a:bodyPr>
+          <a:lstStyle/>
+          <a:p>
+            <a:pPr>
+              <a:spcAft>
+                <a:spcPts val="600"/>
+              </a:spcAft>
+            </a:pPr>
+            <a:r>
+              <a:rPr lang="en-GB" sz="1100" b="1" u="sng" dirty="0">
+                <a:solidFill>
+                  <a:schemeClr val="bg1"/>
+                </a:solidFill>
+              </a:rPr>
+              <a:t>About the Speaker</a:t>
+            </a:r>
+            <a:endParaRPr lang="en-GB" sz="1100" u="sng" dirty="0">
+              <a:solidFill>
+                <a:schemeClr val="bg1"/>
+              </a:solidFill>
+            </a:endParaRPr>
+          </a:p>
+          <a:p>
+            <a:pPr algn="just"/>
+            <a:r>
+              <a:rPr lang="en-GB" sz="1100" dirty="0">
+                <a:solidFill>
+                  <a:srgbClr val="FFC000"/>
+                </a:solidFill>
+              </a:rPr>
+              <a:t>Mr. Rahul Vats is a technology leader with over 17 years of experience delivering AI, Cloud, and Data Science solutions for Fortune 500 clients. Currently a Lead Cloud and Data Science Manager at Ernst &amp; Young, he specializes in AI, ML, RAG, computer vision, and automation. His prior roles at Microsoft and </a:t>
+            </a:r>
+            <a:r>
+              <a:rPr lang="en-GB" sz="1100" dirty="0" err="1">
+                <a:solidFill>
+                  <a:srgbClr val="FFC000"/>
+                </a:solidFill>
+              </a:rPr>
+              <a:t>AppGate</a:t>
+            </a:r>
+            <a:r>
+              <a:rPr lang="en-GB" sz="1100" dirty="0">
+                <a:solidFill>
+                  <a:srgbClr val="FFC000"/>
+                </a:solidFill>
+              </a:rPr>
+              <a:t> involved solving critical enterprise challenges, leading global engineering teams, and driving large-scale cloud transformation. He holds a Master’s degree in Computer Science and a certificate in Big Data and Social Analytics from MIT.</a:t>
+            </a:r>
+            <a:endParaRPr lang="en-GB" sz="1200" dirty="0">
+              <a:solidFill>
+                <a:srgbClr val="FFC000"/>
+              </a:solidFill>
+            </a:endParaRPr>
+          </a:p>
+        </p:txBody>
+      </p:sp>
+      <p:pic>
+        <p:nvPicPr>
+          <p:cNvPr id="11" name="Picture 10">
+            <a:extLst>
+              <a:ext uri="{FF2B5EF4-FFF2-40B4-BE49-F238E27FC236}">
+                <a16:creationId xmlns:a16="http://schemas.microsoft.com/office/drawing/2014/main" id="{5FFF9003-DB2A-3FD1-DA22-14302FD44868}"/>
+              </a:ext>
+            </a:extLst>
+          </p:cNvPr>
+          <p:cNvPicPr>
+            <a:picLocks noChangeAspect="1"/>
+          </p:cNvPicPr>
+          <p:nvPr/>
+        </p:nvPicPr>
+        <p:blipFill>
+          <a:blip r:embed="rId9"/>
+          <a:stretch>
+            <a:fillRect/>
+          </a:stretch>
+        </p:blipFill>
+        <p:spPr>
+          <a:xfrm>
+            <a:off x="360962" y="1377092"/>
+            <a:ext cx="2861695" cy="2850938"/>
+          </a:xfrm>
+          <a:prstGeom prst="rect">
+            <a:avLst/>
+          </a:prstGeom>
+        </p:spPr>
+      </p:pic>
+    </p:spTree>
+    <p:extLst>
+      <p:ext uri="{BB962C8B-B14F-4D97-AF65-F5344CB8AC3E}">
+        <p14:creationId xmlns:p14="http://schemas.microsoft.com/office/powerpoint/2010/main" val="4188341607"/>
+      </p:ext>
+    </p:extLst>
+  </p:cSld>
+  <p:clrMapOvr>
+    <a:masterClrMapping/>
+  </p:clrMapOvr>
+</p:sld>
+</file>
+
+<file path=ppt/slides/slide4.xml><?xml version="1.0" encoding="utf-8"?>
+<p:sld xmlns:a="http://schemas.openxmlformats.org/drawingml/2006/main" xmlns:r="http://schemas.openxmlformats.org/officeDocument/2006/relationships" xmlns:p="http://schemas.openxmlformats.org/presentationml/2006/main">
+  <p:cSld>
+    <p:spTree>
+      <p:nvGrpSpPr>
+        <p:cNvPr id="1" name="">
+          <a:extLst>
+            <a:ext uri="{FF2B5EF4-FFF2-40B4-BE49-F238E27FC236}">
+              <a16:creationId xmlns:a16="http://schemas.microsoft.com/office/drawing/2014/main" id="{ABCB527C-75EE-C67D-62D9-ECFB5E3540DA}"/>
+            </a:ext>
+          </a:extLst>
+        </p:cNvPr>
+        <p:cNvGrpSpPr/>
+        <p:nvPr/>
+      </p:nvGrpSpPr>
+      <p:grpSpPr>
+        <a:xfrm>
+          <a:off x="0" y="0"/>
+          <a:ext cx="0" cy="0"/>
+          <a:chOff x="0" y="0"/>
+          <a:chExt cx="0" cy="0"/>
+        </a:xfrm>
+      </p:grpSpPr>
+      <p:grpSp>
+        <p:nvGrpSpPr>
+          <p:cNvPr id="2" name="object 2">
+            <a:extLst>
+              <a:ext uri="{FF2B5EF4-FFF2-40B4-BE49-F238E27FC236}">
+                <a16:creationId xmlns:a16="http://schemas.microsoft.com/office/drawing/2014/main" id="{3730A17A-37F6-0398-BB4C-5AC46D42E952}"/>
+              </a:ext>
+            </a:extLst>
+          </p:cNvPr>
+          <p:cNvGrpSpPr/>
+          <p:nvPr/>
+        </p:nvGrpSpPr>
+        <p:grpSpPr>
+          <a:xfrm>
+            <a:off x="3" y="1"/>
+            <a:ext cx="12191998" cy="6857995"/>
+            <a:chOff x="0" y="0"/>
+            <a:chExt cx="12191999" cy="6857995"/>
+          </a:xfrm>
+          <a:noFill/>
+        </p:grpSpPr>
+        <p:pic>
+          <p:nvPicPr>
+            <p:cNvPr id="3" name="object 3">
+              <a:extLst>
+                <a:ext uri="{FF2B5EF4-FFF2-40B4-BE49-F238E27FC236}">
+                  <a16:creationId xmlns:a16="http://schemas.microsoft.com/office/drawing/2014/main" id="{928E5267-8D19-9052-F623-40398BE94649}"/>
+                </a:ext>
+              </a:extLst>
+            </p:cNvPr>
+            <p:cNvPicPr/>
+            <p:nvPr/>
+          </p:nvPicPr>
+          <p:blipFill>
+            <a:blip r:embed="rId3" cstate="print"/>
+            <a:stretch>
+              <a:fillRect/>
+            </a:stretch>
+          </p:blipFill>
+          <p:spPr>
+            <a:xfrm>
+              <a:off x="0" y="12190"/>
+              <a:ext cx="12191999" cy="6845805"/>
+            </a:xfrm>
+            <a:prstGeom prst="rect">
+              <a:avLst/>
+            </a:prstGeom>
+            <a:grpFill/>
+          </p:spPr>
+        </p:pic>
+        <p:pic>
+          <p:nvPicPr>
+            <p:cNvPr id="4" name="object 4">
+              <a:extLst>
+                <a:ext uri="{FF2B5EF4-FFF2-40B4-BE49-F238E27FC236}">
+                  <a16:creationId xmlns:a16="http://schemas.microsoft.com/office/drawing/2014/main" id="{5123AB5F-6A6D-389B-0573-FC5CC19CB024}"/>
+                </a:ext>
+              </a:extLst>
+            </p:cNvPr>
+            <p:cNvPicPr/>
+            <p:nvPr/>
+          </p:nvPicPr>
+          <p:blipFill>
+            <a:blip r:embed="rId4" cstate="print"/>
+            <a:stretch>
+              <a:fillRect/>
+            </a:stretch>
+          </p:blipFill>
+          <p:spPr>
+            <a:xfrm>
+              <a:off x="0" y="0"/>
+              <a:ext cx="12191581" cy="6687311"/>
+            </a:xfrm>
+            <a:prstGeom prst="rect">
+              <a:avLst/>
+            </a:prstGeom>
+            <a:grpFill/>
+          </p:spPr>
+        </p:pic>
+        <p:pic>
+          <p:nvPicPr>
+            <p:cNvPr id="5" name="object 5">
+              <a:extLst>
+                <a:ext uri="{FF2B5EF4-FFF2-40B4-BE49-F238E27FC236}">
+                  <a16:creationId xmlns:a16="http://schemas.microsoft.com/office/drawing/2014/main" id="{EEE7AA8F-A085-BEA0-422B-F987D3EC6A22}"/>
+                </a:ext>
+              </a:extLst>
+            </p:cNvPr>
+            <p:cNvPicPr/>
+            <p:nvPr/>
+          </p:nvPicPr>
+          <p:blipFill>
+            <a:blip r:embed="rId5" cstate="print"/>
+            <a:stretch>
+              <a:fillRect/>
+            </a:stretch>
+          </p:blipFill>
+          <p:spPr>
+            <a:xfrm>
+              <a:off x="339268" y="369635"/>
+              <a:ext cx="576098" cy="807391"/>
+            </a:xfrm>
+            <a:prstGeom prst="rect">
+              <a:avLst/>
+            </a:prstGeom>
+            <a:grpFill/>
+          </p:spPr>
+        </p:pic>
+        <p:sp>
+          <p:nvSpPr>
+            <p:cNvPr id="6" name="object 6">
+              <a:extLst>
+                <a:ext uri="{FF2B5EF4-FFF2-40B4-BE49-F238E27FC236}">
+                  <a16:creationId xmlns:a16="http://schemas.microsoft.com/office/drawing/2014/main" id="{C689E3E4-A855-2F0B-C86D-A1CEFC1E0B52}"/>
+                </a:ext>
+              </a:extLst>
+            </p:cNvPr>
+            <p:cNvSpPr/>
+            <p:nvPr/>
+          </p:nvSpPr>
+          <p:spPr>
+            <a:xfrm>
+              <a:off x="6514915" y="638080"/>
+              <a:ext cx="7620" cy="648970"/>
+            </a:xfrm>
+            <a:custGeom>
+              <a:avLst/>
+              <a:gdLst/>
+              <a:ahLst/>
+              <a:cxnLst/>
+              <a:rect l="l" t="t" r="r" b="b"/>
+              <a:pathLst>
+                <a:path w="7620" h="648969">
+                  <a:moveTo>
+                    <a:pt x="7622" y="0"/>
+                  </a:moveTo>
+                  <a:lnTo>
+                    <a:pt x="0" y="0"/>
+                  </a:lnTo>
+                  <a:lnTo>
+                    <a:pt x="0" y="648690"/>
+                  </a:lnTo>
+                  <a:lnTo>
+                    <a:pt x="7622" y="648690"/>
+                  </a:lnTo>
+                  <a:lnTo>
+                    <a:pt x="7622" y="0"/>
+                  </a:lnTo>
+                  <a:close/>
+                </a:path>
+              </a:pathLst>
+            </a:custGeom>
+            <a:grpFill/>
+          </p:spPr>
+          <p:txBody>
+            <a:bodyPr wrap="square" lIns="0" tIns="0" rIns="0" bIns="0" rtlCol="0"/>
+            <a:lstStyle>
+              <a:defPPr>
+                <a:defRPr kern="0"/>
+              </a:defPPr>
+            </a:lstStyle>
+            <a:p>
+              <a:endParaRPr/>
+            </a:p>
+          </p:txBody>
+        </p:sp>
+        <p:pic>
+          <p:nvPicPr>
+            <p:cNvPr id="7" name="object 7">
+              <a:extLst>
+                <a:ext uri="{FF2B5EF4-FFF2-40B4-BE49-F238E27FC236}">
+                  <a16:creationId xmlns:a16="http://schemas.microsoft.com/office/drawing/2014/main" id="{1D75CC49-434E-915D-6037-D6F50AFDBF57}"/>
+                </a:ext>
+              </a:extLst>
+            </p:cNvPr>
+            <p:cNvPicPr/>
+            <p:nvPr/>
+          </p:nvPicPr>
+          <p:blipFill>
+            <a:blip r:embed="rId6" cstate="print"/>
+            <a:stretch>
+              <a:fillRect/>
+            </a:stretch>
+          </p:blipFill>
+          <p:spPr>
+            <a:xfrm>
+              <a:off x="1049495" y="565974"/>
+              <a:ext cx="1051269" cy="579549"/>
+            </a:xfrm>
+            <a:prstGeom prst="rect">
+              <a:avLst/>
+            </a:prstGeom>
+            <a:grpFill/>
+          </p:spPr>
+        </p:pic>
+        <p:pic>
+          <p:nvPicPr>
+            <p:cNvPr id="8" name="object 8">
+              <a:extLst>
+                <a:ext uri="{FF2B5EF4-FFF2-40B4-BE49-F238E27FC236}">
+                  <a16:creationId xmlns:a16="http://schemas.microsoft.com/office/drawing/2014/main" id="{F7C43D4C-0FFF-C1AE-018E-416D1912C0A2}"/>
+                </a:ext>
+              </a:extLst>
+            </p:cNvPr>
+            <p:cNvPicPr/>
+            <p:nvPr/>
+          </p:nvPicPr>
+          <p:blipFill>
+            <a:blip r:embed="rId7" cstate="print"/>
+            <a:stretch>
+              <a:fillRect/>
+            </a:stretch>
+          </p:blipFill>
+          <p:spPr>
+            <a:xfrm>
+              <a:off x="2224840" y="566670"/>
+              <a:ext cx="1069790" cy="579550"/>
+            </a:xfrm>
+            <a:prstGeom prst="rect">
+              <a:avLst/>
+            </a:prstGeom>
+            <a:grpFill/>
+          </p:spPr>
+        </p:pic>
+      </p:grpSp>
+      <p:cxnSp>
+        <p:nvCxnSpPr>
+          <p:cNvPr id="17" name="Straight Connector 16">
+            <a:extLst>
+              <a:ext uri="{FF2B5EF4-FFF2-40B4-BE49-F238E27FC236}">
+                <a16:creationId xmlns:a16="http://schemas.microsoft.com/office/drawing/2014/main" id="{28608EA0-CB0D-34BD-6499-7BF0C02B1837}"/>
+              </a:ext>
+            </a:extLst>
+          </p:cNvPr>
+          <p:cNvCxnSpPr>
+            <a:cxnSpLocks/>
+          </p:cNvCxnSpPr>
+          <p:nvPr/>
+        </p:nvCxnSpPr>
+        <p:spPr>
+          <a:xfrm>
+            <a:off x="2164260" y="578820"/>
+            <a:ext cx="0" cy="614988"/>
+          </a:xfrm>
+          <a:prstGeom prst="line">
+            <a:avLst/>
+          </a:prstGeom>
+          <a:ln w="3175">
+            <a:solidFill>
+              <a:schemeClr val="bg1"/>
+            </a:solidFill>
+          </a:ln>
+        </p:spPr>
+        <p:style>
+          <a:lnRef idx="2">
+            <a:schemeClr val="accent1"/>
+          </a:lnRef>
+          <a:fillRef idx="0">
+            <a:schemeClr val="accent1"/>
+          </a:fillRef>
+          <a:effectRef idx="1">
+            <a:schemeClr val="accent1"/>
+          </a:effectRef>
+          <a:fontRef idx="minor">
+            <a:schemeClr val="tx1"/>
+          </a:fontRef>
+        </p:style>
+      </p:cxnSp>
+      <p:sp>
+        <p:nvSpPr>
+          <p:cNvPr id="10" name="TextBox 9">
+            <a:extLst>
+              <a:ext uri="{FF2B5EF4-FFF2-40B4-BE49-F238E27FC236}">
+                <a16:creationId xmlns:a16="http://schemas.microsoft.com/office/drawing/2014/main" id="{A5825168-EE69-9A37-A8DD-CE65FC8DAFF8}"/>
+              </a:ext>
+            </a:extLst>
+          </p:cNvPr>
+          <p:cNvSpPr txBox="1"/>
+          <p:nvPr/>
+        </p:nvSpPr>
+        <p:spPr>
+          <a:xfrm>
+            <a:off x="3411935" y="1524372"/>
+            <a:ext cx="8292384" cy="5047536"/>
+          </a:xfrm>
+          <a:prstGeom prst="rect">
+            <a:avLst/>
+          </a:prstGeom>
+          <a:noFill/>
+        </p:spPr>
+        <p:txBody>
+          <a:bodyPr wrap="square">
+            <a:spAutoFit/>
+          </a:bodyPr>
+          <a:lstStyle/>
+          <a:p>
+            <a:pPr>
+              <a:spcAft>
+                <a:spcPts val="600"/>
+              </a:spcAft>
+            </a:pPr>
+            <a:r>
+              <a:rPr lang="en-GB" sz="1600" b="1" dirty="0">
+                <a:solidFill>
+                  <a:srgbClr val="FFC000"/>
+                </a:solidFill>
+              </a:rPr>
+              <a:t>Guest Speaker:</a:t>
+            </a:r>
+            <a:r>
+              <a:rPr lang="en-GB" sz="1600" dirty="0">
+                <a:solidFill>
+                  <a:srgbClr val="FFC000"/>
+                </a:solidFill>
+              </a:rPr>
+              <a:t> </a:t>
+            </a:r>
+            <a:r>
+              <a:rPr lang="en-GB" sz="1600" b="1" dirty="0">
+                <a:solidFill>
+                  <a:srgbClr val="FFC000"/>
+                </a:solidFill>
+              </a:rPr>
+              <a:t>Mr. Rahul Vats </a:t>
+            </a:r>
+            <a:br>
+              <a:rPr lang="en-GB" sz="1600" dirty="0">
+                <a:solidFill>
+                  <a:schemeClr val="bg1"/>
+                </a:solidFill>
+              </a:rPr>
+            </a:br>
+            <a:r>
+              <a:rPr lang="en-GB" sz="1600" b="1" dirty="0">
+                <a:solidFill>
+                  <a:srgbClr val="FFC000"/>
+                </a:solidFill>
+              </a:rPr>
+              <a:t>Designation:</a:t>
+            </a:r>
+            <a:r>
+              <a:rPr lang="en-GB" sz="1600" dirty="0">
+                <a:solidFill>
+                  <a:schemeClr val="bg1"/>
+                </a:solidFill>
+              </a:rPr>
+              <a:t> </a:t>
+            </a:r>
+            <a:r>
+              <a:rPr lang="en-GB" sz="1600" b="1" dirty="0">
+                <a:solidFill>
+                  <a:srgbClr val="FFC000"/>
+                </a:solidFill>
+              </a:rPr>
+              <a:t>Senior Lead/Manager at CapitalOne, Coppell, Texas, United States</a:t>
+            </a:r>
+          </a:p>
+          <a:p>
+            <a:pPr>
+              <a:spcAft>
+                <a:spcPts val="600"/>
+              </a:spcAft>
+            </a:pPr>
+            <a:r>
+              <a:rPr lang="en-GB" sz="1600" b="1" dirty="0">
+                <a:solidFill>
+                  <a:srgbClr val="FFC000"/>
+                </a:solidFill>
+              </a:rPr>
+              <a:t>Contact Info- </a:t>
+            </a:r>
+            <a:r>
+              <a:rPr lang="en-GB" sz="1600" b="1" dirty="0">
+                <a:solidFill>
+                  <a:srgbClr val="92D050"/>
+                </a:solidFill>
+                <a:hlinkClick r:id="rId8">
+                  <a:extLst>
+                    <a:ext uri="{A12FA001-AC4F-418D-AE19-62706E023703}">
+                      <ahyp:hlinkClr xmlns:ahyp="http://schemas.microsoft.com/office/drawing/2018/hyperlinkcolor" val="tx"/>
+                    </a:ext>
+                  </a:extLst>
+                </a:hlinkClick>
+              </a:rPr>
+              <a:t>linkedin.com/in/</a:t>
+            </a:r>
+            <a:r>
+              <a:rPr lang="en-GB" sz="1600" b="1" dirty="0" err="1">
+                <a:solidFill>
+                  <a:srgbClr val="92D050"/>
+                </a:solidFill>
+                <a:hlinkClick r:id="rId8">
+                  <a:extLst>
+                    <a:ext uri="{A12FA001-AC4F-418D-AE19-62706E023703}">
+                      <ahyp:hlinkClr xmlns:ahyp="http://schemas.microsoft.com/office/drawing/2018/hyperlinkcolor" val="tx"/>
+                    </a:ext>
+                  </a:extLst>
+                </a:hlinkClick>
+              </a:rPr>
+              <a:t>rvats</a:t>
+            </a:r>
+            <a:endParaRPr lang="en-GB" sz="1600" dirty="0">
+              <a:solidFill>
+                <a:srgbClr val="92D050"/>
+              </a:solidFill>
+            </a:endParaRPr>
+          </a:p>
+          <a:p>
+            <a:pPr algn="just">
+              <a:spcAft>
+                <a:spcPts val="600"/>
+              </a:spcAft>
+            </a:pPr>
+            <a:r>
+              <a:rPr lang="en-GB" sz="1600" dirty="0">
+                <a:solidFill>
+                  <a:schemeClr val="bg1"/>
+                </a:solidFill>
+              </a:rPr>
+              <a:t>Join us for a compelling talk by Mr. Rahul Vats, who will showcase the power of AI in tackling </a:t>
+            </a:r>
+            <a:r>
+              <a:rPr lang="en-GB" sz="1600" b="1" dirty="0">
+                <a:solidFill>
+                  <a:schemeClr val="bg1"/>
+                </a:solidFill>
+              </a:rPr>
+              <a:t>real-world industry challenges</a:t>
+            </a:r>
+            <a:r>
+              <a:rPr lang="en-GB" sz="1600" dirty="0">
+                <a:solidFill>
+                  <a:schemeClr val="bg1"/>
+                </a:solidFill>
+              </a:rPr>
+              <a:t>. Using </a:t>
+            </a:r>
+            <a:r>
+              <a:rPr lang="en-GB" sz="1600" b="1" dirty="0">
+                <a:solidFill>
+                  <a:srgbClr val="FFC000"/>
+                </a:solidFill>
+              </a:rPr>
+              <a:t>real world data</a:t>
+            </a:r>
+            <a:r>
+              <a:rPr lang="en-GB" sz="1600" dirty="0">
+                <a:solidFill>
+                  <a:schemeClr val="bg1"/>
+                </a:solidFill>
+              </a:rPr>
+              <a:t> for various key use cases like wildfires, mental health detection using mobile data, this session will illustrate how machine learning techniques are reshaping industries and tackling critical real-world challenges.</a:t>
+            </a:r>
+          </a:p>
+          <a:p>
+            <a:pPr>
+              <a:spcAft>
+                <a:spcPts val="600"/>
+              </a:spcAft>
+            </a:pPr>
+            <a:r>
+              <a:rPr lang="en-GB" sz="1600" dirty="0"/>
+              <a:t>🔍 </a:t>
+            </a:r>
+            <a:r>
+              <a:rPr lang="en-GB" sz="1600" b="1" dirty="0">
+                <a:solidFill>
+                  <a:srgbClr val="FFC000"/>
+                </a:solidFill>
+              </a:rPr>
+              <a:t>Session Focus:</a:t>
+            </a:r>
+            <a:endParaRPr lang="en-GB" sz="1600" dirty="0">
+              <a:solidFill>
+                <a:srgbClr val="FFC000"/>
+              </a:solidFill>
+            </a:endParaRPr>
+          </a:p>
+          <a:p>
+            <a:pPr marL="285750" indent="-285750">
+              <a:buFont typeface="Wingdings" panose="05000000000000000000" pitchFamily="2" charset="2"/>
+              <a:buChar char="§"/>
+            </a:pPr>
+            <a:r>
+              <a:rPr lang="en-GB" sz="1600" dirty="0">
+                <a:solidFill>
+                  <a:schemeClr val="bg1"/>
+                </a:solidFill>
+              </a:rPr>
+              <a:t>How AI is solving critical real-world challenges</a:t>
+            </a:r>
+            <a:endParaRPr lang="en-GB" sz="1600" dirty="0">
+              <a:solidFill>
+                <a:schemeClr val="bg1"/>
+              </a:solidFill>
+              <a:highlight>
+                <a:srgbClr val="FF00FF"/>
+              </a:highlight>
+            </a:endParaRPr>
+          </a:p>
+          <a:p>
+            <a:pPr marL="285750" indent="-285750">
+              <a:spcAft>
+                <a:spcPts val="600"/>
+              </a:spcAft>
+              <a:buFont typeface="Wingdings" panose="05000000000000000000" pitchFamily="2" charset="2"/>
+              <a:buChar char="§"/>
+            </a:pPr>
+            <a:r>
+              <a:rPr lang="en-GB" sz="1600" dirty="0">
+                <a:solidFill>
+                  <a:schemeClr val="bg1"/>
+                </a:solidFill>
+              </a:rPr>
+              <a:t>Practical insights for building impactful ML solutions</a:t>
+            </a:r>
+          </a:p>
+          <a:p>
+            <a:pPr marL="285750" indent="-285750">
+              <a:spcAft>
+                <a:spcPts val="600"/>
+              </a:spcAft>
+              <a:buFont typeface="Wingdings" panose="05000000000000000000" pitchFamily="2" charset="2"/>
+              <a:buChar char="§"/>
+            </a:pPr>
+            <a:r>
+              <a:rPr lang="en-GB" sz="1600" dirty="0">
+                <a:solidFill>
+                  <a:schemeClr val="bg1"/>
+                </a:solidFill>
+              </a:rPr>
+              <a:t>Wildfires use cases</a:t>
+            </a:r>
+          </a:p>
+          <a:p>
+            <a:pPr marL="285750" indent="-285750">
+              <a:spcAft>
+                <a:spcPts val="600"/>
+              </a:spcAft>
+              <a:buFont typeface="Wingdings" panose="05000000000000000000" pitchFamily="2" charset="2"/>
+              <a:buChar char="§"/>
+            </a:pPr>
+            <a:r>
+              <a:rPr lang="en-GB" sz="1600" dirty="0">
+                <a:solidFill>
+                  <a:schemeClr val="bg1"/>
+                </a:solidFill>
+              </a:rPr>
+              <a:t>Detecting Depression by tracking location data in mobile. </a:t>
+            </a:r>
+          </a:p>
+          <a:p>
+            <a:pPr>
+              <a:spcAft>
+                <a:spcPts val="600"/>
+              </a:spcAft>
+            </a:pPr>
+            <a:r>
+              <a:rPr lang="en-GB" sz="1600" dirty="0">
+                <a:solidFill>
+                  <a:schemeClr val="bg1"/>
+                </a:solidFill>
+              </a:rPr>
+              <a:t>📅 </a:t>
+            </a:r>
+            <a:r>
+              <a:rPr lang="en-GB" sz="1600" b="1" dirty="0">
+                <a:solidFill>
+                  <a:schemeClr val="bg1"/>
+                </a:solidFill>
+              </a:rPr>
+              <a:t>Date: 5</a:t>
+            </a:r>
+            <a:r>
+              <a:rPr lang="en-GB" sz="1600" b="1" baseline="30000" dirty="0">
+                <a:solidFill>
+                  <a:schemeClr val="bg1"/>
+                </a:solidFill>
+              </a:rPr>
+              <a:t>th</a:t>
+            </a:r>
+            <a:r>
+              <a:rPr lang="en-GB" sz="1600" b="1" dirty="0">
+                <a:solidFill>
+                  <a:schemeClr val="bg1"/>
+                </a:solidFill>
+              </a:rPr>
+              <a:t> December </a:t>
+            </a:r>
+            <a:r>
+              <a:rPr lang="en-GB" sz="1600" dirty="0">
+                <a:solidFill>
+                  <a:schemeClr val="bg1"/>
+                </a:solidFill>
+              </a:rPr>
+              <a:t>2025</a:t>
+            </a:r>
+            <a:br>
+              <a:rPr lang="en-GB" sz="1600" dirty="0">
+                <a:solidFill>
+                  <a:schemeClr val="bg1"/>
+                </a:solidFill>
+              </a:rPr>
+            </a:br>
+            <a:r>
+              <a:rPr lang="en-GB" sz="1600" dirty="0">
+                <a:solidFill>
+                  <a:schemeClr val="bg1"/>
+                </a:solidFill>
+              </a:rPr>
+              <a:t>⏰ </a:t>
+            </a:r>
+            <a:r>
+              <a:rPr lang="en-GB" sz="1600" b="1" dirty="0">
+                <a:solidFill>
+                  <a:schemeClr val="bg1"/>
+                </a:solidFill>
+              </a:rPr>
+              <a:t>Time:</a:t>
+            </a:r>
+            <a:r>
+              <a:rPr lang="en-GB" sz="1600" dirty="0">
+                <a:solidFill>
+                  <a:schemeClr val="bg1"/>
+                </a:solidFill>
+              </a:rPr>
+              <a:t> 2.00 p.m.- 3.00 p.m.</a:t>
+            </a:r>
+            <a:br>
+              <a:rPr lang="en-GB" sz="1600" dirty="0">
+                <a:solidFill>
+                  <a:schemeClr val="bg1"/>
+                </a:solidFill>
+              </a:rPr>
+            </a:br>
+            <a:r>
+              <a:rPr lang="en-GB" sz="1600" dirty="0">
+                <a:solidFill>
+                  <a:schemeClr val="bg1"/>
+                </a:solidFill>
+              </a:rPr>
+              <a:t>📍 </a:t>
+            </a:r>
+            <a:r>
+              <a:rPr lang="en-GB" sz="1600" b="1" dirty="0">
+                <a:solidFill>
+                  <a:schemeClr val="bg1"/>
+                </a:solidFill>
+              </a:rPr>
+              <a:t>Venue:</a:t>
+            </a:r>
+            <a:r>
+              <a:rPr lang="en-GB" sz="1600" dirty="0">
+                <a:solidFill>
+                  <a:schemeClr val="bg1"/>
+                </a:solidFill>
+              </a:rPr>
+              <a:t> Virtual: </a:t>
+            </a:r>
+            <a:r>
+              <a:rPr lang="en-GB" sz="1600" dirty="0">
+                <a:solidFill>
+                  <a:schemeClr val="bg1"/>
+                </a:solidFill>
+                <a:latin typeface="Aptos" panose="020B0004020202020204" pitchFamily="34" charset="0"/>
+              </a:rPr>
+              <a:t>Teams Meeting Link available on CMP7005 Teams Channel</a:t>
+            </a:r>
+            <a:endParaRPr lang="en-GB" sz="1600" dirty="0">
+              <a:solidFill>
+                <a:schemeClr val="bg1"/>
+              </a:solidFill>
+            </a:endParaRPr>
+          </a:p>
+          <a:p>
+            <a:endParaRPr lang="en-GB" sz="1400" b="1" dirty="0">
+              <a:solidFill>
+                <a:srgbClr val="FFC000"/>
+              </a:solidFill>
+            </a:endParaRPr>
+          </a:p>
+          <a:p>
+            <a:r>
+              <a:rPr lang="en-GB" sz="1400" b="1" dirty="0">
+                <a:solidFill>
+                  <a:srgbClr val="FFC000"/>
+                </a:solidFill>
+              </a:rPr>
+              <a:t>Don’t miss this opportunity to learn from an expert at the forefront of AI innovation! 🚀</a:t>
+            </a:r>
+          </a:p>
+          <a:p>
+            <a:pPr>
+              <a:spcAft>
+                <a:spcPts val="600"/>
+              </a:spcAft>
+            </a:pPr>
+            <a:endParaRPr lang="en-GB" sz="1400" dirty="0">
+              <a:solidFill>
+                <a:schemeClr val="bg1"/>
+              </a:solidFill>
+            </a:endParaRPr>
+          </a:p>
+        </p:txBody>
+      </p:sp>
+      <p:sp>
+        <p:nvSpPr>
+          <p:cNvPr id="16" name="TextBox 15">
+            <a:extLst>
+              <a:ext uri="{FF2B5EF4-FFF2-40B4-BE49-F238E27FC236}">
+                <a16:creationId xmlns:a16="http://schemas.microsoft.com/office/drawing/2014/main" id="{795AF667-E8DB-4070-1BC3-CFCFA02F249C}"/>
+              </a:ext>
+            </a:extLst>
+          </p:cNvPr>
+          <p:cNvSpPr txBox="1"/>
+          <p:nvPr/>
+        </p:nvSpPr>
+        <p:spPr>
+          <a:xfrm>
+            <a:off x="4265024" y="680925"/>
+            <a:ext cx="7124698" cy="461665"/>
+          </a:xfrm>
+          <a:prstGeom prst="rect">
+            <a:avLst/>
+          </a:prstGeom>
+          <a:noFill/>
+        </p:spPr>
+        <p:txBody>
+          <a:bodyPr wrap="square" rtlCol="0">
+            <a:spAutoFit/>
+          </a:bodyPr>
+          <a:lstStyle/>
+          <a:p>
+            <a:pPr algn="ctr"/>
+            <a:r>
+              <a:rPr lang="en-GB" sz="2400" b="1" dirty="0">
+                <a:solidFill>
+                  <a:schemeClr val="bg1"/>
+                </a:solidFill>
+              </a:rPr>
+              <a:t>AI in Action: Bridging Theory and Practice</a:t>
+            </a:r>
+            <a:r>
+              <a:rPr lang="en-GB" sz="2400" dirty="0">
+                <a:solidFill>
+                  <a:schemeClr val="bg1"/>
+                </a:solidFill>
+              </a:rPr>
+              <a:t> </a:t>
+            </a:r>
+            <a:endParaRPr lang="en-GB" sz="2400" b="1" dirty="0">
+              <a:solidFill>
+                <a:schemeClr val="bg1"/>
+              </a:solidFill>
+            </a:endParaRPr>
+          </a:p>
+        </p:txBody>
+      </p:sp>
+      <p:sp>
+        <p:nvSpPr>
+          <p:cNvPr id="23" name="TextBox 22">
+            <a:extLst>
+              <a:ext uri="{FF2B5EF4-FFF2-40B4-BE49-F238E27FC236}">
+                <a16:creationId xmlns:a16="http://schemas.microsoft.com/office/drawing/2014/main" id="{F6A1F5FF-0182-8045-4A4B-C859E9C30190}"/>
+              </a:ext>
+            </a:extLst>
+          </p:cNvPr>
+          <p:cNvSpPr txBox="1"/>
+          <p:nvPr/>
+        </p:nvSpPr>
+        <p:spPr>
+          <a:xfrm>
+            <a:off x="55808" y="4334320"/>
+            <a:ext cx="3314163" cy="2200602"/>
+          </a:xfrm>
+          <a:prstGeom prst="rect">
+            <a:avLst/>
+          </a:prstGeom>
+          <a:noFill/>
+        </p:spPr>
+        <p:txBody>
+          <a:bodyPr wrap="square">
+            <a:spAutoFit/>
+          </a:bodyPr>
+          <a:lstStyle/>
+          <a:p>
+            <a:pPr>
+              <a:spcAft>
+                <a:spcPts val="600"/>
+              </a:spcAft>
+            </a:pPr>
+            <a:r>
+              <a:rPr lang="en-GB" sz="1100" b="1" u="sng" dirty="0">
+                <a:solidFill>
+                  <a:schemeClr val="bg1"/>
+                </a:solidFill>
+              </a:rPr>
+              <a:t>About the Speaker</a:t>
+            </a:r>
+            <a:endParaRPr lang="en-GB" sz="1100" u="sng" dirty="0">
+              <a:solidFill>
+                <a:schemeClr val="bg1"/>
+              </a:solidFill>
+            </a:endParaRPr>
+          </a:p>
+          <a:p>
+            <a:pPr algn="just"/>
+            <a:r>
+              <a:rPr lang="en-GB" sz="1100" dirty="0">
+                <a:solidFill>
+                  <a:srgbClr val="FFC000"/>
+                </a:solidFill>
+              </a:rPr>
+              <a:t>Mr. Rahul Vats is a technology leader with over 17 years of experience delivering AI, Cloud, and Data Science solutions for Fortune 500 clients. Currently a Lead Cloud and Data Science Manager at Ernst &amp; Young, he specializes in AI, ML, RAG, computer vision, and automation. His prior roles at Microsoft and </a:t>
+            </a:r>
+            <a:r>
+              <a:rPr lang="en-GB" sz="1100" dirty="0" err="1">
+                <a:solidFill>
+                  <a:srgbClr val="FFC000"/>
+                </a:solidFill>
+              </a:rPr>
+              <a:t>AppGate</a:t>
+            </a:r>
+            <a:r>
+              <a:rPr lang="en-GB" sz="1100" dirty="0">
+                <a:solidFill>
+                  <a:srgbClr val="FFC000"/>
+                </a:solidFill>
+              </a:rPr>
+              <a:t> involved solving critical enterprise challenges, leading global engineering teams, and driving large-scale cloud transformation. He holds a Master’s degree in Computer Science and a certificate in Big Data and Social Analytics from MIT.</a:t>
+            </a:r>
+            <a:endParaRPr lang="en-GB" sz="1200" dirty="0">
+              <a:solidFill>
+                <a:srgbClr val="FFC000"/>
+              </a:solidFill>
+            </a:endParaRPr>
+          </a:p>
+        </p:txBody>
+      </p:sp>
+      <p:pic>
+        <p:nvPicPr>
+          <p:cNvPr id="11" name="Picture 10">
+            <a:extLst>
+              <a:ext uri="{FF2B5EF4-FFF2-40B4-BE49-F238E27FC236}">
+                <a16:creationId xmlns:a16="http://schemas.microsoft.com/office/drawing/2014/main" id="{380697FC-8CFC-BC93-2DFA-5088D194F4C7}"/>
+              </a:ext>
+            </a:extLst>
+          </p:cNvPr>
+          <p:cNvPicPr>
+            <a:picLocks noChangeAspect="1"/>
+          </p:cNvPicPr>
+          <p:nvPr/>
+        </p:nvPicPr>
+        <p:blipFill>
+          <a:blip r:embed="rId9"/>
+          <a:stretch>
+            <a:fillRect/>
+          </a:stretch>
+        </p:blipFill>
+        <p:spPr>
+          <a:xfrm>
+            <a:off x="360962" y="1377092"/>
+            <a:ext cx="2861695" cy="2850938"/>
+          </a:xfrm>
+          <a:prstGeom prst="rect">
+            <a:avLst/>
+          </a:prstGeom>
+        </p:spPr>
+      </p:pic>
+    </p:spTree>
+    <p:extLst>
+      <p:ext uri="{BB962C8B-B14F-4D97-AF65-F5344CB8AC3E}">
+        <p14:creationId xmlns:p14="http://schemas.microsoft.com/office/powerpoint/2010/main" val="2225501248"/>
       </p:ext>
     </p:extLst>
   </p:cSld>
@@ -4737,4 +8215,319 @@
     </a:ext>
   </a:extLst>
 </a:theme>
+</file>
+
+<file path=ppt/theme/theme2.xml><?xml version="1.0" encoding="utf-8"?>
+<a:theme xmlns:a="http://schemas.openxmlformats.org/drawingml/2006/main" name="Office Theme">
+  <a:themeElements>
+    <a:clrScheme name="Office">
+      <a:dk1>
+        <a:sysClr val="windowText" lastClr="000000"/>
+      </a:dk1>
+      <a:lt1>
+        <a:sysClr val="window" lastClr="FFFFFF"/>
+      </a:lt1>
+      <a:dk2>
+        <a:srgbClr val="0E2841"/>
+      </a:dk2>
+      <a:lt2>
+        <a:srgbClr val="E8E8E8"/>
+      </a:lt2>
+      <a:accent1>
+        <a:srgbClr val="156082"/>
+      </a:accent1>
+      <a:accent2>
+        <a:srgbClr val="E97132"/>
+      </a:accent2>
+      <a:accent3>
+        <a:srgbClr val="196B24"/>
+      </a:accent3>
+      <a:accent4>
+        <a:srgbClr val="0F9ED5"/>
+      </a:accent4>
+      <a:accent5>
+        <a:srgbClr val="A02B93"/>
+      </a:accent5>
+      <a:accent6>
+        <a:srgbClr val="4EA72E"/>
+      </a:accent6>
+      <a:hlink>
+        <a:srgbClr val="467886"/>
+      </a:hlink>
+      <a:folHlink>
+        <a:srgbClr val="96607D"/>
+      </a:folHlink>
+    </a:clrScheme>
+    <a:fontScheme name="Office">
+      <a:majorFont>
+        <a:latin typeface="Aptos Display" panose="02110004020202020204"/>
+        <a:ea typeface=""/>
+        <a:cs typeface=""/>
+        <a:font script="Jpan" typeface="游ゴシック Light"/>
+        <a:font script="Hang" typeface="맑은 고딕"/>
+        <a:font script="Hans" typeface="等线 Light"/>
+        <a:font script="Hant" typeface="新細明體"/>
+        <a:font script="Arab" typeface="Times New Roman"/>
+        <a:font script="Hebr" typeface="Times New Roman"/>
+        <a:font script="Thai" typeface="Angsana New"/>
+        <a:font script="Ethi" typeface="Nyala"/>
+        <a:font script="Beng" typeface="Vrinda"/>
+        <a:font script="Gujr" typeface="Shruti"/>
+        <a:font script="Khmr" typeface="MoolBoran"/>
+        <a:font script="Knda" typeface="Tunga"/>
+        <a:font script="Guru" typeface="Raavi"/>
+        <a:font script="Cans" typeface="Euphemia"/>
+        <a:font script="Cher" typeface="Plantagenet Cherokee"/>
+        <a:font script="Yiii" typeface="Microsoft Yi Baiti"/>
+        <a:font script="Tibt" typeface="Microsoft Himalaya"/>
+        <a:font script="Thaa" typeface="MV Boli"/>
+        <a:font script="Deva" typeface="Mangal"/>
+        <a:font script="Telu" typeface="Gautami"/>
+        <a:font script="Taml" typeface="Latha"/>
+        <a:font script="Syrc" typeface="Estrangelo Edessa"/>
+        <a:font script="Orya" typeface="Kalinga"/>
+        <a:font script="Mlym" typeface="Kartika"/>
+        <a:font script="Laoo" typeface="DokChampa"/>
+        <a:font script="Sinh" typeface="Iskoola Pota"/>
+        <a:font script="Mong" typeface="Mongolian Baiti"/>
+        <a:font script="Viet" typeface="Times New Roman"/>
+        <a:font script="Uigh" typeface="Microsoft Uighur"/>
+        <a:font script="Geor" typeface="Sylfaen"/>
+        <a:font script="Armn" typeface="Arial"/>
+        <a:font script="Bugi" typeface="Leelawadee UI"/>
+        <a:font script="Bopo" typeface="Microsoft JhengHei"/>
+        <a:font script="Java" typeface="Javanese Text"/>
+        <a:font script="Lisu" typeface="Segoe UI"/>
+        <a:font script="Mymr" typeface="Myanmar Text"/>
+        <a:font script="Nkoo" typeface="Ebrima"/>
+        <a:font script="Olck" typeface="Nirmala UI"/>
+        <a:font script="Osma" typeface="Ebrima"/>
+        <a:font script="Phag" typeface="Phagspa"/>
+        <a:font script="Syrn" typeface="Estrangelo Edessa"/>
+        <a:font script="Syrj" typeface="Estrangelo Edessa"/>
+        <a:font script="Syre" typeface="Estrangelo Edessa"/>
+        <a:font script="Sora" typeface="Nirmala UI"/>
+        <a:font script="Tale" typeface="Microsoft Tai Le"/>
+        <a:font script="Talu" typeface="Microsoft New Tai Lue"/>
+        <a:font script="Tfng" typeface="Ebrima"/>
+      </a:majorFont>
+      <a:minorFont>
+        <a:latin typeface="Aptos" panose="02110004020202020204"/>
+        <a:ea typeface=""/>
+        <a:cs typeface=""/>
+        <a:font script="Jpan" typeface="游ゴシック"/>
+        <a:font script="Hang" typeface="맑은 고딕"/>
+        <a:font script="Hans" typeface="等线"/>
+        <a:font script="Hant" typeface="新細明體"/>
+        <a:font script="Arab" typeface="Arial"/>
+        <a:font script="Hebr" typeface="Arial"/>
+        <a:font script="Thai" typeface="Cordia New"/>
+        <a:font script="Ethi" typeface="Nyala"/>
+        <a:font script="Beng" typeface="Vrinda"/>
+        <a:font script="Gujr" typeface="Shruti"/>
+        <a:font script="Khmr" typeface="DaunPenh"/>
+        <a:font script="Knda" typeface="Tunga"/>
+        <a:font script="Guru" typeface="Raavi"/>
+        <a:font script="Cans" typeface="Euphemia"/>
+        <a:font script="Cher" typeface="Plantagenet Cherokee"/>
+        <a:font script="Yiii" typeface="Microsoft Yi Baiti"/>
+        <a:font script="Tibt" typeface="Microsoft Himalaya"/>
+        <a:font script="Thaa" typeface="MV Boli"/>
+        <a:font script="Deva" typeface="Mangal"/>
+        <a:font script="Telu" typeface="Gautami"/>
+        <a:font script="Taml" typeface="Latha"/>
+        <a:font script="Syrc" typeface="Estrangelo Edessa"/>
+        <a:font script="Orya" typeface="Kalinga"/>
+        <a:font script="Mlym" typeface="Kartika"/>
+        <a:font script="Laoo" typeface="DokChampa"/>
+        <a:font script="Sinh" typeface="Iskoola Pota"/>
+        <a:font script="Mong" typeface="Mongolian Baiti"/>
+        <a:font script="Viet" typeface="Arial"/>
+        <a:font script="Uigh" typeface="Microsoft Uighur"/>
+        <a:font script="Geor" typeface="Sylfaen"/>
+        <a:font script="Armn" typeface="Arial"/>
+        <a:font script="Bugi" typeface="Leelawadee UI"/>
+        <a:font script="Bopo" typeface="Microsoft JhengHei"/>
+        <a:font script="Java" typeface="Javanese Text"/>
+        <a:font script="Lisu" typeface="Segoe UI"/>
+        <a:font script="Mymr" typeface="Myanmar Text"/>
+        <a:font script="Nkoo" typeface="Ebrima"/>
+        <a:font script="Olck" typeface="Nirmala UI"/>
+        <a:font script="Osma" typeface="Ebrima"/>
+        <a:font script="Phag" typeface="Phagspa"/>
+        <a:font script="Syrn" typeface="Estrangelo Edessa"/>
+        <a:font script="Syrj" typeface="Estrangelo Edessa"/>
+        <a:font script="Syre" typeface="Estrangelo Edessa"/>
+        <a:font script="Sora" typeface="Nirmala UI"/>
+        <a:font script="Tale" typeface="Microsoft Tai Le"/>
+        <a:font script="Talu" typeface="Microsoft New Tai Lue"/>
+        <a:font script="Tfng" typeface="Ebrima"/>
+      </a:minorFont>
+    </a:fontScheme>
+    <a:fmtScheme name="Office">
+      <a:fillStyleLst>
+        <a:solidFill>
+          <a:schemeClr val="phClr"/>
+        </a:solidFill>
+        <a:gradFill rotWithShape="1">
+          <a:gsLst>
+            <a:gs pos="0">
+              <a:schemeClr val="phClr">
+                <a:lumMod val="110000"/>
+                <a:satMod val="105000"/>
+                <a:tint val="67000"/>
+              </a:schemeClr>
+            </a:gs>
+            <a:gs pos="50000">
+              <a:schemeClr val="phClr">
+                <a:lumMod val="105000"/>
+                <a:satMod val="103000"/>
+                <a:tint val="73000"/>
+              </a:schemeClr>
+            </a:gs>
+            <a:gs pos="100000">
+              <a:schemeClr val="phClr">
+                <a:lumMod val="105000"/>
+                <a:satMod val="109000"/>
+                <a:tint val="81000"/>
+              </a:schemeClr>
+            </a:gs>
+          </a:gsLst>
+          <a:lin ang="5400000" scaled="0"/>
+        </a:gradFill>
+        <a:gradFill rotWithShape="1">
+          <a:gsLst>
+            <a:gs pos="0">
+              <a:schemeClr val="phClr">
+                <a:satMod val="103000"/>
+                <a:lumMod val="102000"/>
+                <a:tint val="94000"/>
+              </a:schemeClr>
+            </a:gs>
+            <a:gs pos="50000">
+              <a:schemeClr val="phClr">
+                <a:satMod val="110000"/>
+                <a:lumMod val="100000"/>
+                <a:shade val="100000"/>
+              </a:schemeClr>
+            </a:gs>
+            <a:gs pos="100000">
+              <a:schemeClr val="phClr">
+                <a:lumMod val="99000"/>
+                <a:satMod val="120000"/>
+                <a:shade val="78000"/>
+              </a:schemeClr>
+            </a:gs>
+          </a:gsLst>
+          <a:lin ang="5400000" scaled="0"/>
+        </a:gradFill>
+      </a:fillStyleLst>
+      <a:lnStyleLst>
+        <a:ln w="12700" cap="flat" cmpd="sng" algn="ctr">
+          <a:solidFill>
+            <a:schemeClr val="phClr"/>
+          </a:solidFill>
+          <a:prstDash val="solid"/>
+          <a:miter lim="800000"/>
+        </a:ln>
+        <a:ln w="19050" cap="flat" cmpd="sng" algn="ctr">
+          <a:solidFill>
+            <a:schemeClr val="phClr"/>
+          </a:solidFill>
+          <a:prstDash val="solid"/>
+          <a:miter lim="800000"/>
+        </a:ln>
+        <a:ln w="25400" cap="flat" cmpd="sng" algn="ctr">
+          <a:solidFill>
+            <a:schemeClr val="phClr"/>
+          </a:solidFill>
+          <a:prstDash val="solid"/>
+          <a:miter lim="800000"/>
+        </a:ln>
+      </a:lnStyleLst>
+      <a:effectStyleLst>
+        <a:effectStyle>
+          <a:effectLst/>
+        </a:effectStyle>
+        <a:effectStyle>
+          <a:effectLst/>
+        </a:effectStyle>
+        <a:effectStyle>
+          <a:effectLst>
+            <a:outerShdw blurRad="57150" dist="19050" dir="5400000" algn="ctr" rotWithShape="0">
+              <a:srgbClr val="000000">
+                <a:alpha val="63000"/>
+              </a:srgbClr>
+            </a:outerShdw>
+          </a:effectLst>
+        </a:effectStyle>
+      </a:effectStyleLst>
+      <a:bgFillStyleLst>
+        <a:solidFill>
+          <a:schemeClr val="phClr"/>
+        </a:solidFill>
+        <a:solidFill>
+          <a:schemeClr val="phClr">
+            <a:tint val="95000"/>
+            <a:satMod val="170000"/>
+          </a:schemeClr>
+        </a:solidFill>
+        <a:gradFill rotWithShape="1">
+          <a:gsLst>
+            <a:gs pos="0">
+              <a:schemeClr val="phClr">
+                <a:tint val="93000"/>
+                <a:satMod val="150000"/>
+                <a:shade val="98000"/>
+                <a:lumMod val="102000"/>
+              </a:schemeClr>
+            </a:gs>
+            <a:gs pos="50000">
+              <a:schemeClr val="phClr">
+                <a:tint val="98000"/>
+                <a:satMod val="130000"/>
+                <a:shade val="90000"/>
+                <a:lumMod val="103000"/>
+              </a:schemeClr>
+            </a:gs>
+            <a:gs pos="100000">
+              <a:schemeClr val="phClr">
+                <a:shade val="63000"/>
+                <a:satMod val="120000"/>
+              </a:schemeClr>
+            </a:gs>
+          </a:gsLst>
+          <a:lin ang="5400000" scaled="0"/>
+        </a:gradFill>
+      </a:bgFillStyleLst>
+    </a:fmtScheme>
+  </a:themeElements>
+  <a:objectDefaults>
+    <a:lnDef>
+      <a:spPr/>
+      <a:bodyPr/>
+      <a:lstStyle/>
+      <a:style>
+        <a:lnRef idx="2">
+          <a:schemeClr val="accent1"/>
+        </a:lnRef>
+        <a:fillRef idx="0">
+          <a:schemeClr val="accent1"/>
+        </a:fillRef>
+        <a:effectRef idx="1">
+          <a:schemeClr val="accent1"/>
+        </a:effectRef>
+        <a:fontRef idx="minor">
+          <a:schemeClr val="tx1"/>
+        </a:fontRef>
+      </a:style>
+    </a:lnDef>
+  </a:objectDefaults>
+  <a:extraClrSchemeLst/>
+  <a:extLst>
+    <a:ext uri="{05A4C25C-085E-4340-85A3-A5531E510DB2}">
+      <thm15:themeFamily xmlns:thm15="http://schemas.microsoft.com/office/thememl/2012/main" name="Office Theme" id="{2E142A2C-CD16-42D6-873A-C26D2A0506FA}" vid="{1BDDFF52-6CD6-40A5-AB3C-68EB2F1E4D0A}"/>
+    </a:ext>
+  </a:extLst>
+</a:theme>
 </file>
--- a/AITalk_at_Cardiff_By_RahulVats.pptx
+++ b/AITalk_at_Cardiff_By_RahulVats.pptx
@@ -5,7 +5,7 @@
     <p:sldMasterId id="2147483648" r:id="rId1"/>
   </p:sldMasterIdLst>
   <p:notesMasterIdLst>
-    <p:notesMasterId r:id="rId25"/>
+    <p:notesMasterId r:id="rId26"/>
   </p:notesMasterIdLst>
   <p:sldIdLst>
     <p:sldId id="257" r:id="rId2"/>
@@ -31,6 +31,7 @@
     <p:sldId id="276" r:id="rId22"/>
     <p:sldId id="277" r:id="rId23"/>
     <p:sldId id="278" r:id="rId24"/>
+    <p:sldId id="280" r:id="rId25"/>
   </p:sldIdLst>
   <p:sldSz cx="12192000" cy="6858000"/>
   <p:notesSz cx="6858000" cy="9144000"/>
@@ -164,22 +165,6 @@
     </pc:docChg>
   </pc:docChgLst>
   <pc:docChgLst>
-    <pc:chgData name="Prasad, Amrita" userId="3e44ea28-c1bf-4e05-9792-b9013f630cc0" providerId="ADAL" clId="{1E4C6211-D813-4132-9FEB-2D33798058B7}"/>
-    <pc:docChg chg="undo redo custSel modSld">
-      <pc:chgData name="Prasad, Amrita" userId="3e44ea28-c1bf-4e05-9792-b9013f630cc0" providerId="ADAL" clId="{1E4C6211-D813-4132-9FEB-2D33798058B7}" dt="2025-03-30T21:49:41.221" v="44" actId="113"/>
-      <pc:docMkLst>
-        <pc:docMk/>
-      </pc:docMkLst>
-      <pc:sldChg chg="modSp mod">
-        <pc:chgData name="Prasad, Amrita" userId="3e44ea28-c1bf-4e05-9792-b9013f630cc0" providerId="ADAL" clId="{1E4C6211-D813-4132-9FEB-2D33798058B7}" dt="2025-03-30T21:49:41.221" v="44" actId="113"/>
-        <pc:sldMkLst>
-          <pc:docMk/>
-          <pc:sldMk cId="2199062608" sldId="257"/>
-        </pc:sldMkLst>
-      </pc:sldChg>
-    </pc:docChg>
-  </pc:docChgLst>
-  <pc:docChgLst>
     <pc:chgData name="Prasad, Amrita" userId="3e44ea28-c1bf-4e05-9792-b9013f630cc0" providerId="ADAL" clId="{D5FCD9AB-9B08-41F7-898D-21ABAB897DD1}"/>
     <pc:docChg chg="undo custSel modSld">
       <pc:chgData name="Prasad, Amrita" userId="3e44ea28-c1bf-4e05-9792-b9013f630cc0" providerId="ADAL" clId="{D5FCD9AB-9B08-41F7-898D-21ABAB897DD1}" dt="2025-12-03T10:56:20.285" v="223" actId="13926"/>
@@ -224,6 +209,22 @@
             <ac:picMk id="12" creationId="{C2E6BD7A-D3AF-201C-AF2E-CF59A75897E9}"/>
           </ac:picMkLst>
         </pc:picChg>
+      </pc:sldChg>
+    </pc:docChg>
+  </pc:docChgLst>
+  <pc:docChgLst>
+    <pc:chgData name="Prasad, Amrita" userId="3e44ea28-c1bf-4e05-9792-b9013f630cc0" providerId="ADAL" clId="{1E4C6211-D813-4132-9FEB-2D33798058B7}"/>
+    <pc:docChg chg="undo redo custSel modSld">
+      <pc:chgData name="Prasad, Amrita" userId="3e44ea28-c1bf-4e05-9792-b9013f630cc0" providerId="ADAL" clId="{1E4C6211-D813-4132-9FEB-2D33798058B7}" dt="2025-03-30T21:49:41.221" v="44" actId="113"/>
+      <pc:docMkLst>
+        <pc:docMk/>
+      </pc:docMkLst>
+      <pc:sldChg chg="modSp mod">
+        <pc:chgData name="Prasad, Amrita" userId="3e44ea28-c1bf-4e05-9792-b9013f630cc0" providerId="ADAL" clId="{1E4C6211-D813-4132-9FEB-2D33798058B7}" dt="2025-03-30T21:49:41.221" v="44" actId="113"/>
+        <pc:sldMkLst>
+          <pc:docMk/>
+          <pc:sldMk cId="2199062608" sldId="257"/>
+        </pc:sldMkLst>
       </pc:sldChg>
     </pc:docChg>
   </pc:docChgLst>
@@ -14635,6 +14636,114 @@
     <p:extLst>
       <p:ext uri="{BB962C8B-B14F-4D97-AF65-F5344CB8AC3E}">
         <p14:creationId xmlns:p14="http://schemas.microsoft.com/office/powerpoint/2010/main" val="358405039"/>
+      </p:ext>
+    </p:extLst>
+  </p:cSld>
+  <p:clrMapOvr>
+    <a:masterClrMapping/>
+  </p:clrMapOvr>
+</p:notes>
+</file>
+
+<file path=ppt/notesSlides/notesSlide24.xml><?xml version="1.0" encoding="utf-8"?>
+<p:notes xmlns:a="http://schemas.openxmlformats.org/drawingml/2006/main" xmlns:r="http://schemas.openxmlformats.org/officeDocument/2006/relationships" xmlns:p="http://schemas.openxmlformats.org/presentationml/2006/main">
+  <p:cSld>
+    <p:spTree>
+      <p:nvGrpSpPr>
+        <p:cNvPr id="1" name="">
+          <a:extLst>
+            <a:ext uri="{FF2B5EF4-FFF2-40B4-BE49-F238E27FC236}">
+              <a16:creationId xmlns:a16="http://schemas.microsoft.com/office/drawing/2014/main" id="{E615FF00-4D70-DF75-BBE4-C4362D5274E9}"/>
+            </a:ext>
+          </a:extLst>
+        </p:cNvPr>
+        <p:cNvGrpSpPr/>
+        <p:nvPr/>
+      </p:nvGrpSpPr>
+      <p:grpSpPr>
+        <a:xfrm>
+          <a:off x="0" y="0"/>
+          <a:ext cx="0" cy="0"/>
+          <a:chOff x="0" y="0"/>
+          <a:chExt cx="0" cy="0"/>
+        </a:xfrm>
+      </p:grpSpPr>
+      <p:sp>
+        <p:nvSpPr>
+          <p:cNvPr id="2" name="Slide Image Placeholder 1">
+            <a:extLst>
+              <a:ext uri="{FF2B5EF4-FFF2-40B4-BE49-F238E27FC236}">
+                <a16:creationId xmlns:a16="http://schemas.microsoft.com/office/drawing/2014/main" id="{66E83D5F-F517-B652-7C65-C5D3F318BDCB}"/>
+              </a:ext>
+            </a:extLst>
+          </p:cNvPr>
+          <p:cNvSpPr>
+            <a:spLocks noGrp="1" noRot="1" noChangeAspect="1"/>
+          </p:cNvSpPr>
+          <p:nvPr>
+            <p:ph type="sldImg"/>
+          </p:nvPr>
+        </p:nvSpPr>
+        <p:spPr/>
+      </p:sp>
+      <p:sp>
+        <p:nvSpPr>
+          <p:cNvPr id="3" name="Notes Placeholder 2">
+            <a:extLst>
+              <a:ext uri="{FF2B5EF4-FFF2-40B4-BE49-F238E27FC236}">
+                <a16:creationId xmlns:a16="http://schemas.microsoft.com/office/drawing/2014/main" id="{174C3C1B-8E96-A900-E7D8-D0FAB9CB7962}"/>
+              </a:ext>
+            </a:extLst>
+          </p:cNvPr>
+          <p:cNvSpPr>
+            <a:spLocks noGrp="1"/>
+          </p:cNvSpPr>
+          <p:nvPr>
+            <p:ph type="body" idx="1"/>
+          </p:nvPr>
+        </p:nvSpPr>
+        <p:spPr/>
+        <p:txBody>
+          <a:bodyPr/>
+          <a:lstStyle/>
+          <a:p>
+            <a:endParaRPr lang="en-US" dirty="0"/>
+          </a:p>
+        </p:txBody>
+      </p:sp>
+      <p:sp>
+        <p:nvSpPr>
+          <p:cNvPr id="4" name="Slide Number Placeholder 3">
+            <a:extLst>
+              <a:ext uri="{FF2B5EF4-FFF2-40B4-BE49-F238E27FC236}">
+                <a16:creationId xmlns:a16="http://schemas.microsoft.com/office/drawing/2014/main" id="{8F2455FE-9BE2-2858-443E-6B91C8CEBC98}"/>
+              </a:ext>
+            </a:extLst>
+          </p:cNvPr>
+          <p:cNvSpPr>
+            <a:spLocks noGrp="1"/>
+          </p:cNvSpPr>
+          <p:nvPr>
+            <p:ph type="sldNum" sz="quarter" idx="5"/>
+          </p:nvPr>
+        </p:nvSpPr>
+        <p:spPr/>
+        <p:txBody>
+          <a:bodyPr/>
+          <a:lstStyle/>
+          <a:p>
+            <a:fld id="{67C1EA71-4C59-48E2-8E91-0AC78D4B446C}" type="slidenum">
+              <a:rPr lang="en-US" smtClean="0"/>
+              <a:t>24</a:t>
+            </a:fld>
+            <a:endParaRPr lang="en-US"/>
+          </a:p>
+        </p:txBody>
+      </p:sp>
+    </p:spTree>
+    <p:extLst>
+      <p:ext uri="{BB962C8B-B14F-4D97-AF65-F5344CB8AC3E}">
+        <p14:creationId xmlns:p14="http://schemas.microsoft.com/office/powerpoint/2010/main" val="3325636636"/>
       </p:ext>
     </p:extLst>
   </p:cSld>
@@ -22439,9 +22548,9 @@
         <p:grpSpPr>
           <a:xfrm>
             <a:off x="3" y="1"/>
-            <a:ext cx="12191998" cy="6857995"/>
+            <a:ext cx="12191998" cy="6857999"/>
             <a:chOff x="0" y="0"/>
-            <a:chExt cx="12191999" cy="6857995"/>
+            <a:chExt cx="12191999" cy="6857999"/>
           </a:xfrm>
           <a:noFill/>
         </p:grpSpPr>
@@ -22495,7 +22604,7 @@
           <p:spPr>
             <a:xfrm>
               <a:off x="0" y="0"/>
-              <a:ext cx="12191581" cy="6687311"/>
+              <a:ext cx="12191581" cy="6857999"/>
             </a:xfrm>
             <a:prstGeom prst="rect">
               <a:avLst/>
@@ -23243,7 +23352,7 @@
           <p:spPr>
             <a:xfrm>
               <a:off x="0" y="0"/>
-              <a:ext cx="12191581" cy="6687311"/>
+              <a:ext cx="12191581" cy="6857995"/>
             </a:xfrm>
             <a:prstGeom prst="rect">
               <a:avLst/>
@@ -23455,7 +23564,7 @@
         <p:spPr>
           <a:xfrm>
             <a:off x="3413152" y="962566"/>
-            <a:ext cx="8292384" cy="8402300"/>
+            <a:ext cx="8292384" cy="4308872"/>
           </a:xfrm>
           <a:prstGeom prst="rect">
             <a:avLst/>
@@ -23469,24 +23578,114 @@
           <a:lstStyle/>
           <a:p>
             <a:r>
-              <a:rPr lang="en-US" b="1" dirty="0">
+              <a:rPr lang="en-US" sz="2000" b="1" dirty="0">
                 <a:solidFill>
                   <a:schemeClr val="bg1"/>
                 </a:solidFill>
               </a:rPr>
-              <a:t>Slide 7 – Wildfire Data Sources &amp; Features</a:t>
-            </a:r>
-          </a:p>
-          <a:p>
-            <a:r>
-              <a:rPr lang="en-US" b="1" dirty="0">
+              <a:t>Data Sources (examples)</a:t>
+            </a:r>
+            <a:r>
+              <a:rPr lang="en-US" sz="2000" dirty="0">
                 <a:solidFill>
                   <a:schemeClr val="bg1"/>
                 </a:solidFill>
               </a:rPr>
-              <a:t>On slide:</a:t>
-            </a:r>
-            <a:endParaRPr lang="en-US" dirty="0">
+              <a:t> </a:t>
+            </a:r>
+          </a:p>
+          <a:p>
+            <a:r>
+              <a:rPr lang="en-US" dirty="0">
+                <a:solidFill>
+                  <a:schemeClr val="bg1"/>
+                </a:solidFill>
+              </a:rPr>
+              <a:t>CAGS Combined Wildland Fire Dataset (fire perimeters)</a:t>
+            </a:r>
+          </a:p>
+          <a:p>
+            <a:r>
+              <a:rPr lang="en-US" dirty="0">
+                <a:solidFill>
+                  <a:schemeClr val="bg1"/>
+                </a:solidFill>
+              </a:rPr>
+              <a:t>NASA FIRMS (VIIRS/MODIS active fire points)</a:t>
+            </a:r>
+          </a:p>
+          <a:p>
+            <a:r>
+              <a:rPr lang="en-US" dirty="0">
+                <a:solidFill>
+                  <a:schemeClr val="bg1"/>
+                </a:solidFill>
+              </a:rPr>
+              <a:t>Weather data (temperature, wind, humidity)</a:t>
+            </a:r>
+          </a:p>
+          <a:p>
+            <a:r>
+              <a:rPr lang="en-US" dirty="0">
+                <a:solidFill>
+                  <a:schemeClr val="bg1"/>
+                </a:solidFill>
+              </a:rPr>
+              <a:t>Land cover &amp; terrain (slope, aspect, vegetation)</a:t>
+            </a:r>
+          </a:p>
+          <a:p>
+            <a:r>
+              <a:rPr lang="en-US" dirty="0">
+                <a:solidFill>
+                  <a:schemeClr val="bg1"/>
+                </a:solidFill>
+              </a:rPr>
+              <a:t>Kaggle / satellite image datasets for fire/smoke detection</a:t>
+            </a:r>
+          </a:p>
+          <a:p>
+            <a:r>
+              <a:rPr lang="en-US" sz="2000" b="1" dirty="0">
+                <a:solidFill>
+                  <a:schemeClr val="bg1"/>
+                </a:solidFill>
+              </a:rPr>
+              <a:t>Key Feature Types</a:t>
+            </a:r>
+          </a:p>
+          <a:p>
+            <a:r>
+              <a:rPr lang="en-US" dirty="0">
+                <a:solidFill>
+                  <a:schemeClr val="bg1"/>
+                </a:solidFill>
+              </a:rPr>
+              <a:t>Spatial: elevation, slope, distance to roads</a:t>
+            </a:r>
+          </a:p>
+          <a:p>
+            <a:r>
+              <a:rPr lang="en-US" dirty="0">
+                <a:solidFill>
+                  <a:schemeClr val="bg1"/>
+                </a:solidFill>
+              </a:rPr>
+              <a:t>Temporal: seasonality, drought index, recent rainfall</a:t>
+            </a:r>
+          </a:p>
+          <a:p>
+            <a:r>
+              <a:rPr lang="en-US" dirty="0">
+                <a:solidFill>
+                  <a:schemeClr val="bg1"/>
+                </a:solidFill>
+              </a:rPr>
+              <a:t>Human: population density, power lines, past fire history</a:t>
+            </a:r>
+          </a:p>
+          <a:p>
+            <a:endParaRPr lang="en-US" b="1" dirty="0">
               <a:solidFill>
                 <a:schemeClr val="bg1"/>
               </a:solidFill>
@@ -23494,12 +23693,20 @@
           </a:p>
           <a:p>
             <a:r>
+              <a:rPr lang="en-US" dirty="0">
+                <a:solidFill>
+                  <a:schemeClr val="bg1"/>
+                </a:solidFill>
+              </a:rPr>
+              <a:t>How geospatial + temporal data create a </a:t>
+            </a:r>
+            <a:r>
               <a:rPr lang="en-US" b="1" dirty="0">
                 <a:solidFill>
                   <a:schemeClr val="bg1"/>
                 </a:solidFill>
               </a:rPr>
-              <a:t>Data Sources (examples)</a:t>
+              <a:t>feature cube</a:t>
             </a:r>
             <a:r>
               <a:rPr lang="en-US" dirty="0">
@@ -23507,7 +23714,7 @@
                   <a:schemeClr val="bg1"/>
                 </a:solidFill>
               </a:rPr>
-              <a:t> </a:t>
+              <a:t> for each grid cell or image patch.</a:t>
             </a:r>
           </a:p>
           <a:p>
@@ -23517,341 +23724,7 @@
                   <a:schemeClr val="bg1"/>
                 </a:solidFill>
               </a:rPr>
-              <a:t>USGS Combined Wildland Fire Dataset (fire perimeters)</a:t>
-            </a:r>
-          </a:p>
-          <a:p>
-            <a:r>
-              <a:rPr lang="en-US" dirty="0">
-                <a:solidFill>
-                  <a:schemeClr val="bg1"/>
-                </a:solidFill>
-              </a:rPr>
-              <a:t>NASA FIRMS (VIIRS/MODIS active fire points)</a:t>
-            </a:r>
-          </a:p>
-          <a:p>
-            <a:r>
-              <a:rPr lang="en-US" dirty="0">
-                <a:solidFill>
-                  <a:schemeClr val="bg1"/>
-                </a:solidFill>
-              </a:rPr>
-              <a:t>Weather data (temperature, wind, humidity)</a:t>
-            </a:r>
-          </a:p>
-          <a:p>
-            <a:r>
-              <a:rPr lang="en-US" dirty="0">
-                <a:solidFill>
-                  <a:schemeClr val="bg1"/>
-                </a:solidFill>
-              </a:rPr>
-              <a:t>Land cover &amp; terrain (slope, aspect, vegetation)</a:t>
-            </a:r>
-          </a:p>
-          <a:p>
-            <a:r>
-              <a:rPr lang="en-US" dirty="0">
-                <a:solidFill>
-                  <a:schemeClr val="bg1"/>
-                </a:solidFill>
-              </a:rPr>
-              <a:t>Kaggle / satellite image datasets for fire/smoke detection</a:t>
-            </a:r>
-          </a:p>
-          <a:p>
-            <a:r>
-              <a:rPr lang="en-US" b="1" dirty="0">
-                <a:solidFill>
-                  <a:schemeClr val="bg1"/>
-                </a:solidFill>
-              </a:rPr>
-              <a:t>Key Feature Types</a:t>
-            </a:r>
-            <a:endParaRPr lang="en-US" dirty="0">
-              <a:solidFill>
-                <a:schemeClr val="bg1"/>
-              </a:solidFill>
-            </a:endParaRPr>
-          </a:p>
-          <a:p>
-            <a:r>
-              <a:rPr lang="en-US" dirty="0">
-                <a:solidFill>
-                  <a:schemeClr val="bg1"/>
-                </a:solidFill>
-              </a:rPr>
-              <a:t>Spatial: elevation, slope, distance to roads</a:t>
-            </a:r>
-          </a:p>
-          <a:p>
-            <a:r>
-              <a:rPr lang="en-US" dirty="0">
-                <a:solidFill>
-                  <a:schemeClr val="bg1"/>
-                </a:solidFill>
-              </a:rPr>
-              <a:t>Temporal: seasonality, drought index, recent rainfall</a:t>
-            </a:r>
-          </a:p>
-          <a:p>
-            <a:r>
-              <a:rPr lang="en-US" dirty="0">
-                <a:solidFill>
-                  <a:schemeClr val="bg1"/>
-                </a:solidFill>
-              </a:rPr>
-              <a:t>Human: population density, power lines, past fire history</a:t>
-            </a:r>
-          </a:p>
-          <a:p>
-            <a:r>
-              <a:rPr lang="en-US" b="1" dirty="0">
-                <a:solidFill>
-                  <a:schemeClr val="bg1"/>
-                </a:solidFill>
-              </a:rPr>
-              <a:t>Speaker notes:</a:t>
-            </a:r>
-            <a:endParaRPr lang="en-US" dirty="0">
-              <a:solidFill>
-                <a:schemeClr val="bg1"/>
-              </a:solidFill>
-            </a:endParaRPr>
-          </a:p>
-          <a:p>
-            <a:r>
-              <a:rPr lang="en-US" dirty="0">
-                <a:solidFill>
-                  <a:schemeClr val="bg1"/>
-                </a:solidFill>
-              </a:rPr>
-              <a:t>Explain how geospatial + temporal data create a </a:t>
-            </a:r>
-            <a:r>
-              <a:rPr lang="en-US" b="1" dirty="0">
-                <a:solidFill>
-                  <a:schemeClr val="bg1"/>
-                </a:solidFill>
-              </a:rPr>
-              <a:t>feature cube</a:t>
-            </a:r>
-            <a:r>
-              <a:rPr lang="en-US" dirty="0">
-                <a:solidFill>
-                  <a:schemeClr val="bg1"/>
-                </a:solidFill>
-              </a:rPr>
-              <a:t> for each grid cell or image patch.</a:t>
-            </a:r>
-          </a:p>
-          <a:p>
-            <a:r>
-              <a:rPr lang="en-US" dirty="0">
-                <a:solidFill>
-                  <a:schemeClr val="bg1"/>
-                </a:solidFill>
-              </a:rPr>
               <a:t>Stress data engineering complexity: reprojection, joining datasets, resampling time and space grids.</a:t>
-            </a:r>
-          </a:p>
-          <a:p>
-            <a:r>
-              <a:rPr lang="en-US" b="1" dirty="0">
-                <a:solidFill>
-                  <a:schemeClr val="bg1"/>
-                </a:solidFill>
-              </a:rPr>
-              <a:t>Runbook / code items:</a:t>
-            </a:r>
-            <a:endParaRPr lang="en-US" dirty="0">
-              <a:solidFill>
-                <a:schemeClr val="bg1"/>
-              </a:solidFill>
-            </a:endParaRPr>
-          </a:p>
-          <a:p>
-            <a:r>
-              <a:rPr lang="en-US" dirty="0">
-                <a:solidFill>
-                  <a:schemeClr val="bg1"/>
-                </a:solidFill>
-              </a:rPr>
-              <a:t>11_wildfire_data_ingestion.ipynb</a:t>
-            </a:r>
-          </a:p>
-          <a:p>
-            <a:pPr lvl="1"/>
-            <a:r>
-              <a:rPr lang="en-US" dirty="0">
-                <a:solidFill>
-                  <a:schemeClr val="bg1"/>
-                </a:solidFill>
-              </a:rPr>
-              <a:t>Download/read USGS shapefiles, NASA FIRMS CSVs/</a:t>
-            </a:r>
-            <a:r>
-              <a:rPr lang="en-US" dirty="0" err="1">
-                <a:solidFill>
-                  <a:schemeClr val="bg1"/>
-                </a:solidFill>
-              </a:rPr>
-              <a:t>GeoTIFFs</a:t>
-            </a:r>
-            <a:r>
-              <a:rPr lang="en-US" dirty="0">
-                <a:solidFill>
-                  <a:schemeClr val="bg1"/>
-                </a:solidFill>
-              </a:rPr>
-              <a:t>.</a:t>
-            </a:r>
-          </a:p>
-          <a:p>
-            <a:pPr lvl="1"/>
-            <a:r>
-              <a:rPr lang="en-US" dirty="0">
-                <a:solidFill>
-                  <a:schemeClr val="bg1"/>
-                </a:solidFill>
-              </a:rPr>
-              <a:t>Use </a:t>
-            </a:r>
-            <a:r>
-              <a:rPr lang="en-US" dirty="0" err="1">
-                <a:solidFill>
-                  <a:schemeClr val="bg1"/>
-                </a:solidFill>
-              </a:rPr>
-              <a:t>geopandas</a:t>
-            </a:r>
-            <a:r>
-              <a:rPr lang="en-US" dirty="0">
-                <a:solidFill>
-                  <a:schemeClr val="bg1"/>
-                </a:solidFill>
-              </a:rPr>
-              <a:t> and </a:t>
-            </a:r>
-            <a:r>
-              <a:rPr lang="en-US" dirty="0" err="1">
-                <a:solidFill>
-                  <a:schemeClr val="bg1"/>
-                </a:solidFill>
-              </a:rPr>
-              <a:t>rasterio</a:t>
-            </a:r>
-            <a:r>
-              <a:rPr lang="en-US" dirty="0">
-                <a:solidFill>
-                  <a:schemeClr val="bg1"/>
-                </a:solidFill>
-              </a:rPr>
-              <a:t> to:</a:t>
-            </a:r>
-          </a:p>
-          <a:p>
-            <a:pPr lvl="2"/>
-            <a:r>
-              <a:rPr lang="en-US" dirty="0">
-                <a:solidFill>
-                  <a:schemeClr val="bg1"/>
-                </a:solidFill>
-              </a:rPr>
-              <a:t>Reproject to common CRS</a:t>
-            </a:r>
-          </a:p>
-          <a:p>
-            <a:pPr lvl="2"/>
-            <a:r>
-              <a:rPr lang="en-US" dirty="0">
-                <a:solidFill>
-                  <a:schemeClr val="bg1"/>
-                </a:solidFill>
-              </a:rPr>
-              <a:t>Clip to region of interest</a:t>
-            </a:r>
-          </a:p>
-          <a:p>
-            <a:pPr lvl="2"/>
-            <a:r>
-              <a:rPr lang="en-US" dirty="0">
-                <a:solidFill>
-                  <a:schemeClr val="bg1"/>
-                </a:solidFill>
-              </a:rPr>
-              <a:t>Rasterize fire perimeters to a grid</a:t>
-            </a:r>
-          </a:p>
-          <a:p>
-            <a:r>
-              <a:rPr lang="en-US" dirty="0">
-                <a:solidFill>
-                  <a:schemeClr val="bg1"/>
-                </a:solidFill>
-              </a:rPr>
-              <a:t>12_wildfire_feature_engineering.ipynb</a:t>
-            </a:r>
-          </a:p>
-          <a:p>
-            <a:pPr lvl="1"/>
-            <a:r>
-              <a:rPr lang="en-US" dirty="0">
-                <a:solidFill>
-                  <a:schemeClr val="bg1"/>
-                </a:solidFill>
-              </a:rPr>
-              <a:t>Compute:</a:t>
-            </a:r>
-          </a:p>
-          <a:p>
-            <a:pPr lvl="2"/>
-            <a:r>
-              <a:rPr lang="en-US" dirty="0" err="1">
-                <a:solidFill>
-                  <a:schemeClr val="bg1"/>
-                </a:solidFill>
-              </a:rPr>
-              <a:t>days_since_last_fire</a:t>
-            </a:r>
-            <a:endParaRPr lang="en-US" dirty="0">
-              <a:solidFill>
-                <a:schemeClr val="bg1"/>
-              </a:solidFill>
-            </a:endParaRPr>
-          </a:p>
-          <a:p>
-            <a:pPr lvl="2"/>
-            <a:r>
-              <a:rPr lang="en-US" dirty="0">
-                <a:solidFill>
-                  <a:schemeClr val="bg1"/>
-                </a:solidFill>
-              </a:rPr>
-              <a:t>Rolling mean of temperature/humidity</a:t>
-            </a:r>
-          </a:p>
-          <a:p>
-            <a:pPr lvl="2"/>
-            <a:r>
-              <a:rPr lang="en-US" dirty="0">
-                <a:solidFill>
-                  <a:schemeClr val="bg1"/>
-                </a:solidFill>
-              </a:rPr>
-              <a:t>Vegetation indices (if using multispectral imagery)</a:t>
-            </a:r>
-          </a:p>
-          <a:p>
-            <a:pPr lvl="1"/>
-            <a:r>
-              <a:rPr lang="en-US" dirty="0">
-                <a:solidFill>
-                  <a:schemeClr val="bg1"/>
-                </a:solidFill>
-              </a:rPr>
-              <a:t>Join all features into a single tabular dataset (X) with labels (y).</a:t>
             </a:r>
           </a:p>
         </p:txBody>
@@ -24071,9 +23944,9 @@
         <p:grpSpPr>
           <a:xfrm>
             <a:off x="3" y="1"/>
-            <a:ext cx="12191998" cy="6857995"/>
+            <a:ext cx="12191998" cy="6857999"/>
             <a:chOff x="0" y="0"/>
-            <a:chExt cx="12191999" cy="6857995"/>
+            <a:chExt cx="12191999" cy="6857999"/>
           </a:xfrm>
           <a:noFill/>
         </p:grpSpPr>
@@ -24127,7 +24000,7 @@
           <p:spPr>
             <a:xfrm>
               <a:off x="0" y="0"/>
-              <a:ext cx="12191581" cy="6687311"/>
+              <a:ext cx="12191581" cy="6857999"/>
             </a:xfrm>
             <a:prstGeom prst="rect">
               <a:avLst/>
@@ -24339,7 +24212,7 @@
         <p:spPr>
           <a:xfrm>
             <a:off x="3413152" y="962566"/>
-            <a:ext cx="8292384" cy="8402300"/>
+            <a:ext cx="8292384" cy="4339650"/>
           </a:xfrm>
           <a:prstGeom prst="rect">
             <a:avLst/>
@@ -24353,236 +24226,206 @@
           <a:lstStyle/>
           <a:p>
             <a:r>
-              <a:rPr lang="en-US" b="1" dirty="0"/>
-              <a:t>Slide 8 – Wildfire Models &amp; Techniques</a:t>
-            </a:r>
-          </a:p>
-          <a:p>
-            <a:r>
-              <a:rPr lang="en-US" b="1" dirty="0"/>
-              <a:t>On slide:</a:t>
-            </a:r>
-            <a:endParaRPr lang="en-US" dirty="0"/>
-          </a:p>
-          <a:p>
-            <a:r>
-              <a:rPr lang="en-US" b="1" dirty="0"/>
+              <a:rPr lang="en-US" sz="2000" b="1" dirty="0">
+                <a:solidFill>
+                  <a:schemeClr val="bg1"/>
+                </a:solidFill>
+              </a:rPr>
               <a:t>Tabular Risk Models</a:t>
             </a:r>
-            <a:endParaRPr lang="en-US" dirty="0"/>
-          </a:p>
-          <a:p>
-            <a:r>
-              <a:rPr lang="en-US" dirty="0"/>
+            <a:endParaRPr lang="en-US" sz="2000" dirty="0">
+              <a:solidFill>
+                <a:schemeClr val="bg1"/>
+              </a:solidFill>
+            </a:endParaRPr>
+          </a:p>
+          <a:p>
+            <a:r>
+              <a:rPr lang="en-US" dirty="0">
+                <a:solidFill>
+                  <a:schemeClr val="bg1"/>
+                </a:solidFill>
+              </a:rPr>
               <a:t>Algorithms: Logistic Regression, Random Forest, </a:t>
             </a:r>
             <a:r>
-              <a:rPr lang="en-US" dirty="0" err="1"/>
+              <a:rPr lang="en-US" dirty="0" err="1">
+                <a:solidFill>
+                  <a:schemeClr val="bg1"/>
+                </a:solidFill>
+              </a:rPr>
               <a:t>XGBoost</a:t>
             </a:r>
             <a:r>
-              <a:rPr lang="en-US" dirty="0"/>
+              <a:rPr lang="en-US" dirty="0">
+                <a:solidFill>
+                  <a:schemeClr val="bg1"/>
+                </a:solidFill>
+              </a:rPr>
               <a:t> </a:t>
             </a:r>
           </a:p>
           <a:p>
             <a:r>
-              <a:rPr lang="en-US" dirty="0"/>
+              <a:rPr lang="en-US" dirty="0">
+                <a:solidFill>
+                  <a:schemeClr val="bg1"/>
+                </a:solidFill>
+              </a:rPr>
               <a:t>Task: Predict fire occurrence or risk score per grid cell</a:t>
             </a:r>
           </a:p>
           <a:p>
             <a:r>
-              <a:rPr lang="en-US" b="1" dirty="0"/>
+              <a:rPr lang="en-US" sz="2000" b="1" dirty="0">
+                <a:solidFill>
+                  <a:schemeClr val="bg1"/>
+                </a:solidFill>
+              </a:rPr>
               <a:t>Image-based Detection</a:t>
             </a:r>
-            <a:endParaRPr lang="en-US" dirty="0"/>
-          </a:p>
-          <a:p>
-            <a:r>
-              <a:rPr lang="en-US" dirty="0"/>
+            <a:endParaRPr lang="en-US" sz="2000" dirty="0">
+              <a:solidFill>
+                <a:schemeClr val="bg1"/>
+              </a:solidFill>
+            </a:endParaRPr>
+          </a:p>
+          <a:p>
+            <a:r>
+              <a:rPr lang="en-US" dirty="0">
+                <a:solidFill>
+                  <a:schemeClr val="bg1"/>
+                </a:solidFill>
+              </a:rPr>
               <a:t>CNNs, Vision Transformers, YOLOv5 for smoke/flame detection</a:t>
             </a:r>
           </a:p>
           <a:p>
             <a:r>
-              <a:rPr lang="en-US" dirty="0"/>
+              <a:rPr lang="en-US" dirty="0">
+                <a:solidFill>
+                  <a:schemeClr val="bg1"/>
+                </a:solidFill>
+              </a:rPr>
               <a:t>Task: Fire/no-fire classification on patches or frames</a:t>
             </a:r>
           </a:p>
           <a:p>
             <a:r>
-              <a:rPr lang="en-US" b="1" dirty="0"/>
+              <a:rPr lang="en-US" sz="2000" b="1" dirty="0">
+                <a:solidFill>
+                  <a:schemeClr val="bg1"/>
+                </a:solidFill>
+              </a:rPr>
               <a:t>Spread Modeling + ML</a:t>
             </a:r>
-            <a:endParaRPr lang="en-US" dirty="0"/>
-          </a:p>
-          <a:p>
-            <a:r>
-              <a:rPr lang="en-US" dirty="0"/>
+            <a:endParaRPr lang="en-US" sz="2000" dirty="0">
+              <a:solidFill>
+                <a:schemeClr val="bg1"/>
+              </a:solidFill>
+            </a:endParaRPr>
+          </a:p>
+          <a:p>
+            <a:r>
+              <a:rPr lang="en-US" dirty="0">
+                <a:solidFill>
+                  <a:schemeClr val="bg1"/>
+                </a:solidFill>
+              </a:rPr>
               <a:t>Use physics-based models; ML for post-processing (e.g., </a:t>
             </a:r>
             <a:r>
-              <a:rPr lang="en-US" dirty="0" err="1"/>
+              <a:rPr lang="en-US" dirty="0" err="1">
+                <a:solidFill>
+                  <a:schemeClr val="bg1"/>
+                </a:solidFill>
+              </a:rPr>
               <a:t>PostBP</a:t>
             </a:r>
             <a:r>
-              <a:rPr lang="en-US" dirty="0"/>
+              <a:rPr lang="en-US" dirty="0">
+                <a:solidFill>
+                  <a:schemeClr val="bg1"/>
+                </a:solidFill>
+              </a:rPr>
               <a:t>) </a:t>
             </a:r>
           </a:p>
           <a:p>
-            <a:r>
-              <a:rPr lang="en-US" b="1" dirty="0"/>
-              <a:t>Speaker notes:</a:t>
-            </a:r>
-            <a:endParaRPr lang="en-US" dirty="0"/>
-          </a:p>
-          <a:p>
-            <a:r>
-              <a:rPr lang="en-US" dirty="0"/>
-              <a:t>Explain why you start with </a:t>
-            </a:r>
-            <a:r>
-              <a:rPr lang="en-US" b="1" dirty="0"/>
-              <a:t>simple models</a:t>
-            </a:r>
-            <a:r>
-              <a:rPr lang="en-US" dirty="0"/>
-              <a:t> (logistic regression, Random Forest) and only then move to deep learning.</a:t>
-            </a:r>
-          </a:p>
-          <a:p>
-            <a:r>
-              <a:rPr lang="en-US" dirty="0"/>
-              <a:t>For detection: show how labeled image datasets (Kaggle wildfire datasets, CWGID) are used with CNN-based architectures.</a:t>
-            </a:r>
-          </a:p>
-          <a:p>
-            <a:r>
-              <a:rPr lang="en-US" dirty="0"/>
-              <a:t>Mention trade-offs: accuracy vs interpretability vs computational cost.</a:t>
-            </a:r>
-          </a:p>
-          <a:p>
-            <a:r>
-              <a:rPr lang="en-US" b="1" dirty="0"/>
-              <a:t>Runbook / code items:</a:t>
-            </a:r>
-            <a:endParaRPr lang="en-US" dirty="0"/>
-          </a:p>
-          <a:p>
-            <a:r>
-              <a:rPr lang="en-US" dirty="0"/>
-              <a:t>20_wildfire_ml_models.ipynb</a:t>
-            </a:r>
-          </a:p>
-          <a:p>
-            <a:r>
-              <a:rPr lang="en-US" b="1" dirty="0"/>
-              <a:t>Tabular part:</a:t>
-            </a:r>
-            <a:endParaRPr lang="en-US" dirty="0"/>
-          </a:p>
-          <a:p>
-            <a:pPr lvl="1"/>
-            <a:r>
-              <a:rPr lang="en-US" dirty="0"/>
-              <a:t>Train/validation split (by time &amp; space, e.g. train on 2010–2018, test on 2019–2020).</a:t>
-            </a:r>
-          </a:p>
-          <a:p>
-            <a:pPr lvl="1"/>
-            <a:r>
-              <a:rPr lang="en-US" dirty="0"/>
-              <a:t>Baseline logistic regression.</a:t>
-            </a:r>
-          </a:p>
-          <a:p>
-            <a:pPr lvl="1"/>
-            <a:r>
-              <a:rPr lang="en-US" dirty="0"/>
-              <a:t>Random Forest / </a:t>
-            </a:r>
-            <a:r>
-              <a:rPr lang="en-US" dirty="0" err="1"/>
-              <a:t>XGBoost</a:t>
-            </a:r>
-            <a:r>
-              <a:rPr lang="en-US" dirty="0"/>
-              <a:t> models with hyperparameter tuning (</a:t>
-            </a:r>
-            <a:r>
-              <a:rPr lang="en-US" dirty="0" err="1"/>
-              <a:t>RandomizedSearchCV</a:t>
-            </a:r>
-            <a:r>
-              <a:rPr lang="en-US" dirty="0"/>
-              <a:t> / </a:t>
-            </a:r>
-            <a:r>
-              <a:rPr lang="en-US" dirty="0" err="1"/>
-              <a:t>Optuna</a:t>
-            </a:r>
-            <a:r>
-              <a:rPr lang="en-US" dirty="0"/>
-              <a:t>).</a:t>
-            </a:r>
-          </a:p>
-          <a:p>
-            <a:pPr lvl="1"/>
-            <a:r>
-              <a:rPr lang="en-US" dirty="0"/>
-              <a:t>Feature importance plots.</a:t>
-            </a:r>
-          </a:p>
-          <a:p>
-            <a:r>
-              <a:rPr lang="en-US" b="1" dirty="0"/>
-              <a:t>Image-based part:</a:t>
-            </a:r>
-            <a:endParaRPr lang="en-US" dirty="0"/>
-          </a:p>
-          <a:p>
-            <a:pPr lvl="1"/>
-            <a:r>
-              <a:rPr lang="en-US" dirty="0"/>
-              <a:t>Load wildfire image dataset (train/</a:t>
-            </a:r>
-            <a:r>
-              <a:rPr lang="en-US" dirty="0" err="1"/>
-              <a:t>val</a:t>
-            </a:r>
-            <a:r>
-              <a:rPr lang="en-US" dirty="0"/>
-              <a:t>/test folders).</a:t>
-            </a:r>
-          </a:p>
-          <a:p>
-            <a:pPr lvl="1"/>
-            <a:r>
-              <a:rPr lang="en-US" dirty="0"/>
-              <a:t>Build a small CNN (or fine-tune a pretrained model).</a:t>
-            </a:r>
-          </a:p>
-          <a:p>
-            <a:pPr lvl="1"/>
-            <a:r>
-              <a:rPr lang="en-US" dirty="0"/>
-              <a:t>Data augmentation: random crops, flips, brightness jitter.</a:t>
-            </a:r>
-          </a:p>
-          <a:p>
-            <a:pPr lvl="1"/>
-            <a:r>
-              <a:rPr lang="en-US" dirty="0"/>
-              <a:t>Metrics: accuracy, ROC-AUC, confusion matrix, precision-recall.</a:t>
-            </a:r>
             <a:endParaRPr lang="en-US" dirty="0">
               <a:solidFill>
                 <a:schemeClr val="bg1"/>
               </a:solidFill>
             </a:endParaRPr>
+          </a:p>
+          <a:p>
+            <a:r>
+              <a:rPr lang="en-US" dirty="0">
+                <a:solidFill>
+                  <a:schemeClr val="bg1"/>
+                </a:solidFill>
+              </a:rPr>
+              <a:t>Start with </a:t>
+            </a:r>
+            <a:r>
+              <a:rPr lang="en-US" b="1" dirty="0">
+                <a:solidFill>
+                  <a:schemeClr val="bg1"/>
+                </a:solidFill>
+              </a:rPr>
+              <a:t>simple models</a:t>
+            </a:r>
+            <a:r>
+              <a:rPr lang="en-US" dirty="0">
+                <a:solidFill>
+                  <a:schemeClr val="bg1"/>
+                </a:solidFill>
+              </a:rPr>
+              <a:t> (logistic regression, Random Forest) and only then move to deep learning.</a:t>
+            </a:r>
+          </a:p>
+          <a:p>
+            <a:endParaRPr lang="en-US" dirty="0">
+              <a:solidFill>
+                <a:schemeClr val="bg1"/>
+              </a:solidFill>
+            </a:endParaRPr>
+          </a:p>
+          <a:p>
+            <a:r>
+              <a:rPr lang="en-US" b="1" dirty="0">
+                <a:solidFill>
+                  <a:schemeClr val="bg1"/>
+                </a:solidFill>
+              </a:rPr>
+              <a:t>For detection:</a:t>
+            </a:r>
+            <a:r>
+              <a:rPr lang="en-US" dirty="0">
+                <a:solidFill>
+                  <a:schemeClr val="bg1"/>
+                </a:solidFill>
+              </a:rPr>
+              <a:t> use labeled image datasets (Kaggle wildfire datasets, CWGID) are used with CNN-based architectures.</a:t>
+            </a:r>
+          </a:p>
+          <a:p>
+            <a:r>
+              <a:rPr lang="en-US" b="1" dirty="0">
+                <a:solidFill>
+                  <a:schemeClr val="bg1"/>
+                </a:solidFill>
+              </a:rPr>
+              <a:t>Trade-offs:</a:t>
+            </a:r>
+            <a:r>
+              <a:rPr lang="en-US" dirty="0">
+                <a:solidFill>
+                  <a:schemeClr val="bg1"/>
+                </a:solidFill>
+              </a:rPr>
+              <a:t> accuracy vs interpretability vs computational cost.</a:t>
+            </a:r>
           </a:p>
         </p:txBody>
       </p:sp>
@@ -24801,9 +24644,9 @@
         <p:grpSpPr>
           <a:xfrm>
             <a:off x="3" y="1"/>
-            <a:ext cx="12191998" cy="6857995"/>
+            <a:ext cx="12191998" cy="6857999"/>
             <a:chOff x="0" y="0"/>
-            <a:chExt cx="12191999" cy="6857995"/>
+            <a:chExt cx="12191999" cy="6857999"/>
           </a:xfrm>
           <a:noFill/>
         </p:grpSpPr>
@@ -24857,7 +24700,7 @@
           <p:spPr>
             <a:xfrm>
               <a:off x="0" y="0"/>
-              <a:ext cx="12191581" cy="6687311"/>
+              <a:ext cx="12191581" cy="6857999"/>
             </a:xfrm>
             <a:prstGeom prst="rect">
               <a:avLst/>
@@ -25069,7 +24912,7 @@
         <p:spPr>
           <a:xfrm>
             <a:off x="3413152" y="962566"/>
-            <a:ext cx="8292384" cy="7571303"/>
+            <a:ext cx="8292384" cy="4616648"/>
           </a:xfrm>
           <a:prstGeom prst="rect">
             <a:avLst/>
@@ -25083,188 +24926,157 @@
           <a:lstStyle/>
           <a:p>
             <a:r>
-              <a:rPr lang="en-US" b="1" dirty="0"/>
-              <a:t>Slide 9 – Wildfires: Evaluation, Explainability &amp; Deployment</a:t>
-            </a:r>
-          </a:p>
-          <a:p>
-            <a:r>
-              <a:rPr lang="en-US" b="1" dirty="0"/>
-              <a:t>On slide:</a:t>
-            </a:r>
-            <a:endParaRPr lang="en-US" dirty="0"/>
-          </a:p>
-          <a:p>
-            <a:r>
-              <a:rPr lang="en-US" b="1" dirty="0"/>
+              <a:rPr lang="en-US" sz="2000" b="1" dirty="0">
+                <a:solidFill>
+                  <a:schemeClr val="bg1"/>
+                </a:solidFill>
+              </a:rPr>
               <a:t>Evaluation</a:t>
             </a:r>
-            <a:endParaRPr lang="en-US" dirty="0"/>
-          </a:p>
-          <a:p>
-            <a:r>
-              <a:rPr lang="en-US" dirty="0"/>
+            <a:endParaRPr lang="en-US" sz="2000" dirty="0">
+              <a:solidFill>
+                <a:schemeClr val="bg1"/>
+              </a:solidFill>
+            </a:endParaRPr>
+          </a:p>
+          <a:p>
+            <a:r>
+              <a:rPr lang="en-US" dirty="0">
+                <a:solidFill>
+                  <a:schemeClr val="bg1"/>
+                </a:solidFill>
+              </a:rPr>
               <a:t>Metrics: ROC-AUC, Precision/Recall, F1, PR curves</a:t>
             </a:r>
           </a:p>
           <a:p>
             <a:r>
-              <a:rPr lang="en-US" dirty="0"/>
+              <a:rPr lang="en-US" dirty="0">
+                <a:solidFill>
+                  <a:schemeClr val="bg1"/>
+                </a:solidFill>
+              </a:rPr>
               <a:t>Spatial &amp; temporal generalization: new years / regions</a:t>
             </a:r>
           </a:p>
           <a:p>
             <a:r>
-              <a:rPr lang="en-US" b="1" dirty="0"/>
+              <a:rPr lang="en-US" sz="2000" b="1" dirty="0">
+                <a:solidFill>
+                  <a:schemeClr val="bg1"/>
+                </a:solidFill>
+              </a:rPr>
               <a:t>Explainability</a:t>
             </a:r>
-            <a:endParaRPr lang="en-US" dirty="0"/>
-          </a:p>
-          <a:p>
-            <a:r>
-              <a:rPr lang="en-US" dirty="0"/>
+            <a:endParaRPr lang="en-US" sz="2000" dirty="0">
+              <a:solidFill>
+                <a:schemeClr val="bg1"/>
+              </a:solidFill>
+            </a:endParaRPr>
+          </a:p>
+          <a:p>
+            <a:r>
+              <a:rPr lang="en-US" dirty="0">
+                <a:solidFill>
+                  <a:schemeClr val="bg1"/>
+                </a:solidFill>
+              </a:rPr>
               <a:t>Feature importance, permutation importance</a:t>
             </a:r>
           </a:p>
           <a:p>
             <a:r>
-              <a:rPr lang="en-US" dirty="0"/>
+              <a:rPr lang="en-US" dirty="0">
+                <a:solidFill>
+                  <a:schemeClr val="bg1"/>
+                </a:solidFill>
+              </a:rPr>
               <a:t>SHAP values (risk drivers: wind, vegetation, drought)</a:t>
             </a:r>
           </a:p>
           <a:p>
             <a:r>
-              <a:rPr lang="en-US" b="1" dirty="0"/>
+              <a:rPr lang="en-US" sz="2000" b="1" dirty="0">
+                <a:solidFill>
+                  <a:schemeClr val="bg1"/>
+                </a:solidFill>
+              </a:rPr>
               <a:t>Deployment</a:t>
             </a:r>
-            <a:endParaRPr lang="en-US" dirty="0"/>
-          </a:p>
-          <a:p>
-            <a:r>
-              <a:rPr lang="en-US" dirty="0"/>
+            <a:endParaRPr lang="en-US" sz="2000" dirty="0">
+              <a:solidFill>
+                <a:schemeClr val="bg1"/>
+              </a:solidFill>
+            </a:endParaRPr>
+          </a:p>
+          <a:p>
+            <a:r>
+              <a:rPr lang="en-US" dirty="0">
+                <a:solidFill>
+                  <a:schemeClr val="bg1"/>
+                </a:solidFill>
+              </a:rPr>
               <a:t>Batch risk maps (daily/weekly)</a:t>
             </a:r>
           </a:p>
           <a:p>
             <a:r>
-              <a:rPr lang="en-US" dirty="0"/>
+              <a:rPr lang="en-US" dirty="0">
+                <a:solidFill>
+                  <a:schemeClr val="bg1"/>
+                </a:solidFill>
+              </a:rPr>
               <a:t>API to query risk for coordinates</a:t>
             </a:r>
           </a:p>
           <a:p>
-            <a:r>
-              <a:rPr lang="en-US" b="1" dirty="0"/>
-              <a:t>Speaker notes:</a:t>
-            </a:r>
-            <a:endParaRPr lang="en-US" dirty="0"/>
-          </a:p>
-          <a:p>
-            <a:r>
-              <a:rPr lang="en-US" dirty="0"/>
-              <a:t>Highlight the gap between “good offline metrics” and “useful in the field”; e.g., false positives vs false negatives.</a:t>
-            </a:r>
-          </a:p>
-          <a:p>
-            <a:r>
-              <a:rPr lang="en-US" dirty="0"/>
-              <a:t>Explain how SHAP helps communicate to non-technical stakeholders </a:t>
-            </a:r>
-            <a:r>
-              <a:rPr lang="en-US" i="1" dirty="0"/>
-              <a:t>why</a:t>
-            </a:r>
-            <a:r>
-              <a:rPr lang="en-US" dirty="0"/>
-              <a:t> certain areas are high risk.</a:t>
-            </a:r>
-          </a:p>
-          <a:p>
-            <a:r>
-              <a:rPr lang="en-US" dirty="0"/>
-              <a:t>Briefly mention deployment pattern: scheduled pipeline generates maps → stored in object storage → consumed by dashboards/services.</a:t>
-            </a:r>
-          </a:p>
-          <a:p>
-            <a:r>
-              <a:rPr lang="en-US" b="1" dirty="0"/>
-              <a:t>Runbook / code items:</a:t>
-            </a:r>
-            <a:endParaRPr lang="en-US" dirty="0"/>
-          </a:p>
-          <a:p>
-            <a:r>
-              <a:rPr lang="en-US" dirty="0"/>
-              <a:t>21_wildfire_evaluation_explainability.ipynb</a:t>
-            </a:r>
-          </a:p>
-          <a:p>
-            <a:pPr lvl="1"/>
-            <a:r>
-              <a:rPr lang="en-US" dirty="0"/>
-              <a:t>ROC/PR curves for test set.</a:t>
-            </a:r>
-          </a:p>
-          <a:p>
-            <a:pPr lvl="1"/>
-            <a:r>
-              <a:rPr lang="en-US" dirty="0"/>
-              <a:t>SHAP for tree-based models (global + local plots).</a:t>
-            </a:r>
-          </a:p>
-          <a:p>
-            <a:pPr lvl="1"/>
-            <a:r>
-              <a:rPr lang="en-US" dirty="0"/>
-              <a:t>Map predicted risk over geography with </a:t>
-            </a:r>
-            <a:r>
-              <a:rPr lang="en-US" dirty="0" err="1"/>
-              <a:t>geopandas</a:t>
-            </a:r>
-            <a:r>
-              <a:rPr lang="en-US" dirty="0"/>
-              <a:t> and matplotlib.</a:t>
-            </a:r>
-          </a:p>
-          <a:p>
-            <a:r>
-              <a:rPr lang="en-US" dirty="0"/>
-              <a:t>22_wildfire_batch_scoring.py</a:t>
-            </a:r>
-          </a:p>
-          <a:p>
-            <a:pPr lvl="1"/>
-            <a:r>
-              <a:rPr lang="en-US" dirty="0"/>
-              <a:t>Script to read latest weather/land cover data.</a:t>
-            </a:r>
-          </a:p>
-          <a:p>
-            <a:pPr lvl="1"/>
-            <a:r>
-              <a:rPr lang="en-US" dirty="0"/>
-              <a:t>Generate risk scores for grid cells.</a:t>
-            </a:r>
-          </a:p>
-          <a:p>
-            <a:pPr lvl="1"/>
-            <a:r>
-              <a:rPr lang="en-US" dirty="0"/>
-              <a:t>Save results as </a:t>
-            </a:r>
-            <a:r>
-              <a:rPr lang="en-US" dirty="0" err="1"/>
-              <a:t>GeoJSON</a:t>
-            </a:r>
-            <a:r>
-              <a:rPr lang="en-US" dirty="0"/>
-              <a:t> / shapefiles.</a:t>
-            </a:r>
             <a:endParaRPr lang="en-US" dirty="0">
               <a:solidFill>
                 <a:schemeClr val="bg1"/>
               </a:solidFill>
             </a:endParaRPr>
+          </a:p>
+          <a:p>
+            <a:pPr marL="285750" indent="-285750">
+              <a:buFont typeface="Arial" panose="020B0604020202020204" pitchFamily="34" charset="0"/>
+              <a:buChar char="•"/>
+            </a:pPr>
+            <a:r>
+              <a:rPr lang="en-US" dirty="0">
+                <a:solidFill>
+                  <a:schemeClr val="bg1"/>
+                </a:solidFill>
+              </a:rPr>
+              <a:t>Highlight the gap between “good offline metrics” and “useful in the field”; e.g., false positives vs false negatives.</a:t>
+            </a:r>
+          </a:p>
+          <a:p>
+            <a:pPr marL="285750" indent="-285750">
+              <a:buFont typeface="Arial" panose="020B0604020202020204" pitchFamily="34" charset="0"/>
+              <a:buChar char="•"/>
+            </a:pPr>
+            <a:r>
+              <a:rPr lang="en-US" dirty="0">
+                <a:solidFill>
+                  <a:schemeClr val="bg1"/>
+                </a:solidFill>
+              </a:rPr>
+              <a:t>Explain how SHAP helps communicate to non-technical stakeholders why certain areas are high risk.</a:t>
+            </a:r>
+          </a:p>
+          <a:p>
+            <a:pPr marL="285750" indent="-285750">
+              <a:buFont typeface="Arial" panose="020B0604020202020204" pitchFamily="34" charset="0"/>
+              <a:buChar char="•"/>
+            </a:pPr>
+            <a:r>
+              <a:rPr lang="en-US" dirty="0">
+                <a:solidFill>
+                  <a:schemeClr val="bg1"/>
+                </a:solidFill>
+              </a:rPr>
+              <a:t>Briefly mention deployment pattern: scheduled pipeline generates maps → stored in object storage → consumed by dashboards/services.</a:t>
+            </a:r>
           </a:p>
         </p:txBody>
       </p:sp>
@@ -25483,9 +25295,9 @@
         <p:grpSpPr>
           <a:xfrm>
             <a:off x="3" y="1"/>
-            <a:ext cx="12191998" cy="6857995"/>
+            <a:ext cx="12191998" cy="6857999"/>
             <a:chOff x="0" y="0"/>
-            <a:chExt cx="12191999" cy="6857995"/>
+            <a:chExt cx="12191999" cy="6857999"/>
           </a:xfrm>
           <a:noFill/>
         </p:grpSpPr>
@@ -25539,7 +25351,7 @@
           <p:spPr>
             <a:xfrm>
               <a:off x="0" y="0"/>
-              <a:ext cx="12191581" cy="6687311"/>
+              <a:ext cx="12191581" cy="6857999"/>
             </a:xfrm>
             <a:prstGeom prst="rect">
               <a:avLst/>
@@ -25750,8 +25562,8 @@
         </p:nvSpPr>
         <p:spPr>
           <a:xfrm>
-            <a:off x="3413152" y="962566"/>
-            <a:ext cx="8292384" cy="4801314"/>
+            <a:off x="3425776" y="2201431"/>
+            <a:ext cx="8292384" cy="2862322"/>
           </a:xfrm>
           <a:prstGeom prst="rect">
             <a:avLst/>
@@ -25765,121 +25577,114 @@
           <a:lstStyle/>
           <a:p>
             <a:r>
-              <a:rPr lang="en-US" b="1" dirty="0"/>
-              <a:t>Mental Health via Mobile Sensing Section</a:t>
-            </a:r>
-          </a:p>
-          <a:p>
-            <a:r>
-              <a:rPr lang="en-US" b="1" dirty="0"/>
-              <a:t>Slide 10 – Mental Health: Problem Framing</a:t>
-            </a:r>
-          </a:p>
-          <a:p>
-            <a:r>
-              <a:rPr lang="en-US" b="1" dirty="0"/>
-              <a:t>On slide:</a:t>
-            </a:r>
-            <a:endParaRPr lang="en-US" dirty="0"/>
-          </a:p>
-          <a:p>
-            <a:r>
-              <a:rPr lang="en-US" dirty="0"/>
+              <a:rPr lang="en-US" dirty="0">
+                <a:solidFill>
+                  <a:schemeClr val="bg1"/>
+                </a:solidFill>
+              </a:rPr>
               <a:t>Global burden of depression, PTSD, chronic stress</a:t>
             </a:r>
           </a:p>
           <a:p>
             <a:r>
-              <a:rPr lang="en-US" dirty="0"/>
+              <a:rPr lang="en-US" dirty="0">
+                <a:solidFill>
+                  <a:schemeClr val="bg1"/>
+                </a:solidFill>
+              </a:rPr>
               <a:t>Traditional detection: surveys, clinical visits</a:t>
             </a:r>
           </a:p>
           <a:p>
             <a:r>
-              <a:rPr lang="en-US" dirty="0"/>
+              <a:rPr lang="en-US" dirty="0">
+                <a:solidFill>
+                  <a:schemeClr val="bg1"/>
+                </a:solidFill>
+              </a:rPr>
               <a:t>New opportunity:</a:t>
             </a:r>
           </a:p>
           <a:p>
             <a:pPr lvl="1"/>
             <a:r>
-              <a:rPr lang="en-US" dirty="0"/>
+              <a:rPr lang="en-US" dirty="0">
+                <a:solidFill>
+                  <a:schemeClr val="bg1"/>
+                </a:solidFill>
+              </a:rPr>
               <a:t>Use passive sensing from phones/wearables</a:t>
             </a:r>
           </a:p>
           <a:p>
             <a:pPr lvl="1"/>
             <a:r>
-              <a:rPr lang="en-US" dirty="0"/>
+              <a:rPr lang="en-US" dirty="0">
+                <a:solidFill>
+                  <a:schemeClr val="bg1"/>
+                </a:solidFill>
+              </a:rPr>
               <a:t>Predict symptom severity &amp; detect changes early </a:t>
             </a:r>
           </a:p>
           <a:p>
-            <a:r>
-              <a:rPr lang="en-US" b="1" dirty="0"/>
-              <a:t>Speaker notes:</a:t>
-            </a:r>
-            <a:endParaRPr lang="en-US" dirty="0"/>
-          </a:p>
-          <a:p>
-            <a:r>
-              <a:rPr lang="en-US" dirty="0"/>
-              <a:t>Introduce MIT/“Social Physics” work: using mobile and social sensing to predict mental health symptoms. </a:t>
-            </a:r>
-          </a:p>
-          <a:p>
-            <a:r>
-              <a:rPr lang="en-US" dirty="0"/>
-              <a:t>Clarify: goal is </a:t>
-            </a:r>
-            <a:r>
-              <a:rPr lang="en-US" i="1" dirty="0"/>
-              <a:t>not</a:t>
-            </a:r>
-            <a:r>
-              <a:rPr lang="en-US" dirty="0"/>
-              <a:t> to diagnose, but to support clinicians and individuals with </a:t>
-            </a:r>
-            <a:r>
-              <a:rPr lang="en-US" i="1" dirty="0"/>
-              <a:t>signals</a:t>
-            </a:r>
-            <a:r>
-              <a:rPr lang="en-US" dirty="0"/>
-              <a:t> and trends.</a:t>
-            </a:r>
-          </a:p>
-          <a:p>
-            <a:r>
-              <a:rPr lang="en-US" b="1" dirty="0"/>
-              <a:t>Runbook / code items:</a:t>
-            </a:r>
-            <a:endParaRPr lang="en-US" dirty="0"/>
-          </a:p>
-          <a:p>
-            <a:r>
-              <a:rPr lang="en-US" dirty="0"/>
-              <a:t>30_mental_health_problem_setup.ipynb</a:t>
-            </a:r>
-          </a:p>
-          <a:p>
-            <a:pPr lvl="1"/>
-            <a:r>
-              <a:rPr lang="en-US" dirty="0"/>
-              <a:t>Define labels (e.g., weekly PHQ-9 scores, PTSD symptom scores).</a:t>
-            </a:r>
-          </a:p>
-          <a:p>
-            <a:pPr lvl="1"/>
-            <a:r>
-              <a:rPr lang="en-US" dirty="0"/>
-              <a:t>Set tasks: regression (predict score) or classification (high vs low risk).</a:t>
-            </a:r>
             <a:endParaRPr lang="en-US" dirty="0">
               <a:solidFill>
                 <a:schemeClr val="bg1"/>
               </a:solidFill>
             </a:endParaRPr>
+          </a:p>
+          <a:p>
+            <a:r>
+              <a:rPr lang="en-US" dirty="0">
+                <a:solidFill>
+                  <a:schemeClr val="bg1"/>
+                </a:solidFill>
+              </a:rPr>
+              <a:t>Introduce MIT/“Social Physics” work: using mobile and social sensing to predict mental health symptoms. </a:t>
+            </a:r>
+          </a:p>
+          <a:p>
+            <a:r>
+              <a:rPr lang="en-US" dirty="0">
+                <a:solidFill>
+                  <a:schemeClr val="bg1"/>
+                </a:solidFill>
+              </a:rPr>
+              <a:t>Clarify: goal is </a:t>
+            </a:r>
+            <a:r>
+              <a:rPr lang="en-US" i="1" dirty="0">
+                <a:solidFill>
+                  <a:schemeClr val="bg1"/>
+                </a:solidFill>
+              </a:rPr>
+              <a:t>not</a:t>
+            </a:r>
+            <a:r>
+              <a:rPr lang="en-US" dirty="0">
+                <a:solidFill>
+                  <a:schemeClr val="bg1"/>
+                </a:solidFill>
+              </a:rPr>
+              <a:t> to diagnose, but to support clinicians and individuals with </a:t>
+            </a:r>
+            <a:r>
+              <a:rPr lang="en-US" i="1" dirty="0">
+                <a:solidFill>
+                  <a:schemeClr val="bg1"/>
+                </a:solidFill>
+              </a:rPr>
+              <a:t>signals</a:t>
+            </a:r>
+            <a:r>
+              <a:rPr lang="en-US" dirty="0">
+                <a:solidFill>
+                  <a:schemeClr val="bg1"/>
+                </a:solidFill>
+              </a:rPr>
+              <a:t> and trends.</a:t>
+            </a:r>
           </a:p>
         </p:txBody>
       </p:sp>
@@ -25913,26 +25718,13 @@
           <a:p>
             <a:pPr algn="ctr"/>
             <a:r>
-              <a:rPr lang="en-GB" sz="2400" b="1" dirty="0">
+              <a:rPr lang="en-US" sz="2400" b="1" dirty="0">
                 <a:solidFill>
                   <a:schemeClr val="bg1"/>
                 </a:solidFill>
               </a:rPr>
-              <a:t>AI in Action: Bridging Theory and Practice</a:t>
-            </a:r>
-            <a:r>
-              <a:rPr lang="en-GB" sz="2400" dirty="0">
-                <a:solidFill>
-                  <a:schemeClr val="bg1"/>
-                </a:solidFill>
-              </a:rPr>
-              <a:t> </a:t>
-            </a:r>
-            <a:endParaRPr lang="en-GB" sz="2400" b="1" dirty="0">
-              <a:solidFill>
-                <a:schemeClr val="bg1"/>
-              </a:solidFill>
-            </a:endParaRPr>
+              <a:t>Mental Health via Mobile Sensing Section</a:t>
+            </a:r>
           </a:p>
         </p:txBody>
       </p:sp>
@@ -26098,7 +25890,7 @@
         <p:grpSpPr>
           <a:xfrm>
             <a:off x="3" y="1"/>
-            <a:ext cx="12191998" cy="6857995"/>
+            <a:ext cx="12191998" cy="7049728"/>
             <a:chOff x="0" y="0"/>
             <a:chExt cx="12191999" cy="6857995"/>
           </a:xfrm>
@@ -26365,8 +26157,8 @@
         </p:nvSpPr>
         <p:spPr>
           <a:xfrm>
-            <a:off x="3413152" y="962566"/>
-            <a:ext cx="8292384" cy="8679299"/>
+            <a:off x="3538654" y="1680359"/>
+            <a:ext cx="8292384" cy="3508653"/>
           </a:xfrm>
           <a:prstGeom prst="rect">
             <a:avLst/>
@@ -26380,216 +26172,163 @@
           <a:lstStyle/>
           <a:p>
             <a:r>
-              <a:rPr lang="en-US" b="1" dirty="0"/>
-              <a:t>Slide 11 – Mobile Sensing Data &amp; Behavioral Features</a:t>
-            </a:r>
-          </a:p>
-          <a:p>
-            <a:r>
-              <a:rPr lang="en-US" b="1" dirty="0"/>
-              <a:t>On slide:</a:t>
-            </a:r>
-            <a:endParaRPr lang="en-US" dirty="0"/>
-          </a:p>
-          <a:p>
-            <a:r>
-              <a:rPr lang="en-US" b="1" dirty="0"/>
+              <a:rPr lang="en-US" sz="2000" b="1" dirty="0">
+                <a:solidFill>
+                  <a:schemeClr val="bg1"/>
+                </a:solidFill>
+              </a:rPr>
               <a:t>Data Types</a:t>
             </a:r>
             <a:r>
-              <a:rPr lang="en-US" dirty="0"/>
+              <a:rPr lang="en-US" sz="2000" dirty="0">
+                <a:solidFill>
+                  <a:schemeClr val="bg1"/>
+                </a:solidFill>
+              </a:rPr>
               <a:t> </a:t>
             </a:r>
           </a:p>
           <a:p>
-            <a:r>
-              <a:rPr lang="en-US" dirty="0"/>
+            <a:pPr marL="285750" indent="-285750">
+              <a:buFont typeface="Arial" panose="020B0604020202020204" pitchFamily="34" charset="0"/>
+              <a:buChar char="•"/>
+            </a:pPr>
+            <a:r>
+              <a:rPr lang="en-US" dirty="0">
+                <a:solidFill>
+                  <a:schemeClr val="bg1"/>
+                </a:solidFill>
+              </a:rPr>
               <a:t>Mobility: GPS location, distance traveled, time at home</a:t>
             </a:r>
           </a:p>
           <a:p>
-            <a:r>
-              <a:rPr lang="en-US" dirty="0"/>
+            <a:pPr marL="285750" indent="-285750">
+              <a:buFont typeface="Arial" panose="020B0604020202020204" pitchFamily="34" charset="0"/>
+              <a:buChar char="•"/>
+            </a:pPr>
+            <a:r>
+              <a:rPr lang="en-US" dirty="0">
+                <a:solidFill>
+                  <a:schemeClr val="bg1"/>
+                </a:solidFill>
+              </a:rPr>
               <a:t>Communication: call/text durations (metadata only)</a:t>
             </a:r>
           </a:p>
           <a:p>
-            <a:r>
-              <a:rPr lang="en-US" dirty="0"/>
+            <a:pPr marL="285750" indent="-285750">
+              <a:buFont typeface="Arial" panose="020B0604020202020204" pitchFamily="34" charset="0"/>
+              <a:buChar char="•"/>
+            </a:pPr>
+            <a:r>
+              <a:rPr lang="en-US" dirty="0">
+                <a:solidFill>
+                  <a:schemeClr val="bg1"/>
+                </a:solidFill>
+              </a:rPr>
               <a:t>Sleep &amp; circadian rhythms (phone inactivity, wearables)</a:t>
             </a:r>
           </a:p>
           <a:p>
-            <a:r>
-              <a:rPr lang="en-US" dirty="0"/>
+            <a:pPr marL="285750" indent="-285750">
+              <a:buFont typeface="Arial" panose="020B0604020202020204" pitchFamily="34" charset="0"/>
+              <a:buChar char="•"/>
+            </a:pPr>
+            <a:r>
+              <a:rPr lang="en-US" dirty="0">
+                <a:solidFill>
+                  <a:schemeClr val="bg1"/>
+                </a:solidFill>
+              </a:rPr>
               <a:t>Social interaction: proximity, conversations (via “Reality” app/badges)</a:t>
             </a:r>
           </a:p>
           <a:p>
-            <a:r>
-              <a:rPr lang="en-US" dirty="0"/>
+            <a:pPr marL="285750" indent="-285750">
+              <a:buFont typeface="Arial" panose="020B0604020202020204" pitchFamily="34" charset="0"/>
+              <a:buChar char="•"/>
+            </a:pPr>
+            <a:r>
+              <a:rPr lang="en-US" dirty="0">
+                <a:solidFill>
+                  <a:schemeClr val="bg1"/>
+                </a:solidFill>
+              </a:rPr>
               <a:t>Phone usage: app usage patterns, screen time</a:t>
             </a:r>
           </a:p>
           <a:p>
-            <a:r>
-              <a:rPr lang="en-US" b="1" dirty="0"/>
+            <a:endParaRPr lang="en-US" sz="2000" b="1" dirty="0">
+              <a:solidFill>
+                <a:schemeClr val="bg1"/>
+              </a:solidFill>
+            </a:endParaRPr>
+          </a:p>
+          <a:p>
+            <a:r>
+              <a:rPr lang="en-US" sz="2000" b="1" dirty="0">
+                <a:solidFill>
+                  <a:schemeClr val="bg1"/>
+                </a:solidFill>
+              </a:rPr>
               <a:t>Derived Features</a:t>
             </a:r>
-            <a:endParaRPr lang="en-US" dirty="0"/>
-          </a:p>
-          <a:p>
-            <a:r>
-              <a:rPr lang="en-US" dirty="0"/>
+          </a:p>
+          <a:p>
+            <a:pPr marL="285750" indent="-285750">
+              <a:buFont typeface="Arial" panose="020B0604020202020204" pitchFamily="34" charset="0"/>
+              <a:buChar char="•"/>
+            </a:pPr>
+            <a:r>
+              <a:rPr lang="en-US" dirty="0">
+                <a:solidFill>
+                  <a:schemeClr val="bg1"/>
+                </a:solidFill>
+              </a:rPr>
               <a:t>Routine regularity / entropy of locations</a:t>
             </a:r>
           </a:p>
           <a:p>
-            <a:r>
-              <a:rPr lang="en-US" dirty="0"/>
+            <a:pPr marL="285750" indent="-285750">
+              <a:buFont typeface="Arial" panose="020B0604020202020204" pitchFamily="34" charset="0"/>
+              <a:buChar char="•"/>
+            </a:pPr>
+            <a:r>
+              <a:rPr lang="en-US" dirty="0">
+                <a:solidFill>
+                  <a:schemeClr val="bg1"/>
+                </a:solidFill>
+              </a:rPr>
               <a:t>Social isolation vs engagement</a:t>
             </a:r>
           </a:p>
           <a:p>
-            <a:r>
-              <a:rPr lang="en-US" dirty="0"/>
+            <a:pPr marL="285750" indent="-285750">
+              <a:buFont typeface="Arial" panose="020B0604020202020204" pitchFamily="34" charset="0"/>
+              <a:buChar char="•"/>
+            </a:pPr>
+            <a:r>
+              <a:rPr lang="en-US" dirty="0">
+                <a:solidFill>
+                  <a:schemeClr val="bg1"/>
+                </a:solidFill>
+              </a:rPr>
               <a:t>Sleep regularity and duration</a:t>
             </a:r>
           </a:p>
           <a:p>
-            <a:r>
-              <a:rPr lang="en-US" dirty="0"/>
+            <a:pPr marL="285750" indent="-285750">
+              <a:buFont typeface="Arial" panose="020B0604020202020204" pitchFamily="34" charset="0"/>
+              <a:buChar char="•"/>
+            </a:pPr>
+            <a:r>
+              <a:rPr lang="en-US" dirty="0">
+                <a:solidFill>
+                  <a:schemeClr val="bg1"/>
+                </a:solidFill>
+              </a:rPr>
               <a:t>Weekend vs weekday behavior changes</a:t>
-            </a:r>
-          </a:p>
-          <a:p>
-            <a:r>
-              <a:rPr lang="en-US" b="1" dirty="0"/>
-              <a:t>Speaker notes:</a:t>
-            </a:r>
-            <a:endParaRPr lang="en-US" dirty="0"/>
-          </a:p>
-          <a:p>
-            <a:r>
-              <a:rPr lang="en-US" dirty="0"/>
-              <a:t>Explain </a:t>
-            </a:r>
-            <a:r>
-              <a:rPr lang="en-US" i="1" dirty="0"/>
-              <a:t>passive sensing</a:t>
-            </a:r>
-            <a:r>
-              <a:rPr lang="en-US" dirty="0"/>
-              <a:t>: data collected continuously without active user input.</a:t>
-            </a:r>
-          </a:p>
-          <a:p>
-            <a:r>
-              <a:rPr lang="en-US" dirty="0"/>
-              <a:t>Mention research use cases:</a:t>
-            </a:r>
-          </a:p>
-          <a:p>
-            <a:pPr lvl="1"/>
-            <a:r>
-              <a:rPr lang="en-US" dirty="0"/>
-              <a:t>Predict weekly depression/PTSD severity.</a:t>
-            </a:r>
-          </a:p>
-          <a:p>
-            <a:pPr lvl="1"/>
-            <a:r>
-              <a:rPr lang="en-US" dirty="0"/>
-              <a:t>Epidemiological behavior change analysis.</a:t>
-            </a:r>
-          </a:p>
-          <a:p>
-            <a:pPr lvl="1"/>
-            <a:r>
-              <a:rPr lang="en-US" dirty="0"/>
-              <a:t>Schizophrenia symptom tracking and relapse prediction.</a:t>
-            </a:r>
-          </a:p>
-          <a:p>
-            <a:pPr lvl="1"/>
-            <a:r>
-              <a:rPr lang="en-US" dirty="0"/>
-              <a:t>Worker wellbeing monitoring. </a:t>
-            </a:r>
-          </a:p>
-          <a:p>
-            <a:r>
-              <a:rPr lang="en-US" b="1" dirty="0"/>
-              <a:t>Runbook / code items:</a:t>
-            </a:r>
-            <a:endParaRPr lang="en-US" dirty="0"/>
-          </a:p>
-          <a:p>
-            <a:r>
-              <a:rPr lang="en-US" dirty="0"/>
-              <a:t>31_mobile_data_ingestion.ipynb</a:t>
-            </a:r>
-          </a:p>
-          <a:p>
-            <a:pPr lvl="1"/>
-            <a:r>
-              <a:rPr lang="en-US" dirty="0"/>
-              <a:t>Parse raw logs: GPS pings, call/text metadata, accelerometer, app usage.</a:t>
-            </a:r>
-          </a:p>
-          <a:p>
-            <a:pPr lvl="1"/>
-            <a:r>
-              <a:rPr lang="en-US" dirty="0"/>
-              <a:t>De-identification/anonymization utilities (hashing IDs, removing PII).</a:t>
-            </a:r>
-          </a:p>
-          <a:p>
-            <a:r>
-              <a:rPr lang="en-US" dirty="0"/>
-              <a:t>32_behavioral_feature_engineering.ipynb</a:t>
-            </a:r>
-          </a:p>
-          <a:p>
-            <a:pPr lvl="1"/>
-            <a:r>
-              <a:rPr lang="en-US" dirty="0"/>
-              <a:t>Compute:</a:t>
-            </a:r>
-          </a:p>
-          <a:p>
-            <a:pPr lvl="2"/>
-            <a:r>
-              <a:rPr lang="en-US" dirty="0"/>
-              <a:t>Daily distance traveled, number of unique locations.</a:t>
-            </a:r>
-          </a:p>
-          <a:p>
-            <a:pPr lvl="2"/>
-            <a:r>
-              <a:rPr lang="en-US" dirty="0"/>
-              <a:t>Time at “home” vs “work” vs “other clusters”.</a:t>
-            </a:r>
-          </a:p>
-          <a:p>
-            <a:pPr lvl="2"/>
-            <a:r>
-              <a:rPr lang="en-US" dirty="0"/>
-              <a:t>Sleep onset/wake-up estimates (based on inactivity/screen-lock).</a:t>
-            </a:r>
-          </a:p>
-          <a:p>
-            <a:pPr lvl="2"/>
-            <a:r>
-              <a:rPr lang="en-US" dirty="0"/>
-              <a:t>Social interaction frequency from proximity/conversation durations.</a:t>
-            </a:r>
-          </a:p>
-          <a:p>
-            <a:pPr lvl="1"/>
-            <a:r>
-              <a:rPr lang="en-US" dirty="0"/>
-              <a:t>Aggregate to weekly features aligned with mental health survey dates.</a:t>
             </a:r>
           </a:p>
         </p:txBody>
@@ -26809,9 +26548,9 @@
         <p:grpSpPr>
           <a:xfrm>
             <a:off x="3" y="1"/>
-            <a:ext cx="12191998" cy="6857995"/>
+            <a:ext cx="12191998" cy="6857999"/>
             <a:chOff x="0" y="0"/>
-            <a:chExt cx="12191999" cy="6857995"/>
+            <a:chExt cx="12191999" cy="6857999"/>
           </a:xfrm>
           <a:noFill/>
         </p:grpSpPr>
@@ -26865,7 +26604,7 @@
           <p:spPr>
             <a:xfrm>
               <a:off x="0" y="0"/>
-              <a:ext cx="12191581" cy="6687311"/>
+              <a:ext cx="12191581" cy="6857999"/>
             </a:xfrm>
             <a:prstGeom prst="rect">
               <a:avLst/>
@@ -27076,8 +26815,8 @@
         </p:nvSpPr>
         <p:spPr>
           <a:xfrm>
-            <a:off x="3413152" y="962566"/>
-            <a:ext cx="8292384" cy="8679299"/>
+            <a:off x="3425776" y="1551563"/>
+            <a:ext cx="8292384" cy="3754874"/>
           </a:xfrm>
           <a:prstGeom prst="rect">
             <a:avLst/>
@@ -27091,195 +26830,176 @@
           <a:lstStyle/>
           <a:p>
             <a:r>
-              <a:rPr lang="en-US" b="1" dirty="0"/>
-              <a:t>Slide 12 – Modeling Mental Health Symptoms</a:t>
-            </a:r>
-          </a:p>
-          <a:p>
-            <a:r>
-              <a:rPr lang="en-US" b="1" dirty="0"/>
-              <a:t>On slide:</a:t>
-            </a:r>
-            <a:endParaRPr lang="en-US" dirty="0"/>
-          </a:p>
-          <a:p>
-            <a:r>
-              <a:rPr lang="en-US" b="1" dirty="0"/>
+              <a:rPr lang="en-US" sz="2000" b="1" dirty="0">
+                <a:solidFill>
+                  <a:schemeClr val="bg1"/>
+                </a:solidFill>
+              </a:rPr>
               <a:t>Tasks</a:t>
             </a:r>
             <a:r>
-              <a:rPr lang="en-US" dirty="0"/>
+              <a:rPr lang="en-US" sz="2000" dirty="0">
+                <a:solidFill>
+                  <a:schemeClr val="bg1"/>
+                </a:solidFill>
+              </a:rPr>
               <a:t> </a:t>
             </a:r>
           </a:p>
           <a:p>
-            <a:r>
-              <a:rPr lang="en-US" dirty="0"/>
+            <a:pPr marL="285750" indent="-285750">
+              <a:buFont typeface="Arial" panose="020B0604020202020204" pitchFamily="34" charset="0"/>
+              <a:buChar char="•"/>
+            </a:pPr>
+            <a:r>
+              <a:rPr lang="en-US" dirty="0">
+                <a:solidFill>
+                  <a:schemeClr val="bg1"/>
+                </a:solidFill>
+              </a:rPr>
               <a:t>Regression: predict weekly scores (e.g., PHQ-9)</a:t>
             </a:r>
           </a:p>
           <a:p>
-            <a:r>
-              <a:rPr lang="en-US" dirty="0"/>
+            <a:pPr marL="285750" indent="-285750">
+              <a:buFont typeface="Arial" panose="020B0604020202020204" pitchFamily="34" charset="0"/>
+              <a:buChar char="•"/>
+            </a:pPr>
+            <a:r>
+              <a:rPr lang="en-US" dirty="0">
+                <a:solidFill>
+                  <a:schemeClr val="bg1"/>
+                </a:solidFill>
+              </a:rPr>
               <a:t>Classification: predict high-risk vs low-risk weeks</a:t>
             </a:r>
           </a:p>
           <a:p>
-            <a:r>
-              <a:rPr lang="en-US" b="1" dirty="0"/>
+            <a:endParaRPr lang="en-US" b="1" dirty="0">
+              <a:solidFill>
+                <a:schemeClr val="bg1"/>
+              </a:solidFill>
+            </a:endParaRPr>
+          </a:p>
+          <a:p>
+            <a:r>
+              <a:rPr lang="en-US" sz="2000" b="1" dirty="0">
+                <a:solidFill>
+                  <a:schemeClr val="bg1"/>
+                </a:solidFill>
+              </a:rPr>
               <a:t>Models</a:t>
             </a:r>
-            <a:endParaRPr lang="en-US" dirty="0"/>
-          </a:p>
-          <a:p>
-            <a:r>
-              <a:rPr lang="en-US" dirty="0"/>
+            <a:endParaRPr lang="en-US" sz="2000" dirty="0">
+              <a:solidFill>
+                <a:schemeClr val="bg1"/>
+              </a:solidFill>
+            </a:endParaRPr>
+          </a:p>
+          <a:p>
+            <a:pPr marL="285750" indent="-285750">
+              <a:buFont typeface="Arial" panose="020B0604020202020204" pitchFamily="34" charset="0"/>
+              <a:buChar char="•"/>
+            </a:pPr>
+            <a:r>
+              <a:rPr lang="en-US" dirty="0">
+                <a:solidFill>
+                  <a:schemeClr val="bg1"/>
+                </a:solidFill>
+              </a:rPr>
               <a:t>Linear regression / Elastic Net (simple baselines)</a:t>
             </a:r>
           </a:p>
           <a:p>
-            <a:r>
-              <a:rPr lang="en-US" dirty="0"/>
+            <a:pPr marL="285750" indent="-285750">
+              <a:buFont typeface="Arial" panose="020B0604020202020204" pitchFamily="34" charset="0"/>
+              <a:buChar char="•"/>
+            </a:pPr>
+            <a:r>
+              <a:rPr lang="en-US" dirty="0">
+                <a:solidFill>
+                  <a:schemeClr val="bg1"/>
+                </a:solidFill>
+              </a:rPr>
               <a:t>Random Forest / Gradient Boosted Trees</a:t>
             </a:r>
           </a:p>
           <a:p>
-            <a:r>
-              <a:rPr lang="en-US" dirty="0"/>
+            <a:pPr marL="285750" indent="-285750">
+              <a:buFont typeface="Arial" panose="020B0604020202020204" pitchFamily="34" charset="0"/>
+              <a:buChar char="•"/>
+            </a:pPr>
+            <a:r>
+              <a:rPr lang="en-US" dirty="0">
+                <a:solidFill>
+                  <a:schemeClr val="bg1"/>
+                </a:solidFill>
+              </a:rPr>
               <a:t>Sequence models (RNN/LSTM/Temporal CNN) for time series</a:t>
             </a:r>
           </a:p>
           <a:p>
-            <a:r>
-              <a:rPr lang="en-US" b="1" dirty="0"/>
+            <a:endParaRPr lang="en-US" b="1" dirty="0">
+              <a:solidFill>
+                <a:schemeClr val="bg1"/>
+              </a:solidFill>
+            </a:endParaRPr>
+          </a:p>
+          <a:p>
+            <a:r>
+              <a:rPr lang="en-US" sz="2000" b="1" dirty="0">
+                <a:solidFill>
+                  <a:schemeClr val="bg1"/>
+                </a:solidFill>
+              </a:rPr>
               <a:t>Evaluation</a:t>
             </a:r>
-            <a:endParaRPr lang="en-US" dirty="0"/>
-          </a:p>
-          <a:p>
-            <a:r>
-              <a:rPr lang="en-US" dirty="0"/>
+            <a:endParaRPr lang="en-US" sz="2000" dirty="0">
+              <a:solidFill>
+                <a:schemeClr val="bg1"/>
+              </a:solidFill>
+            </a:endParaRPr>
+          </a:p>
+          <a:p>
+            <a:pPr marL="285750" indent="-285750">
+              <a:buFont typeface="Arial" panose="020B0604020202020204" pitchFamily="34" charset="0"/>
+              <a:buChar char="•"/>
+            </a:pPr>
+            <a:r>
+              <a:rPr lang="en-US" dirty="0">
+                <a:solidFill>
+                  <a:schemeClr val="bg1"/>
+                </a:solidFill>
+              </a:rPr>
               <a:t>MAE / RMSE for regression</a:t>
             </a:r>
           </a:p>
           <a:p>
-            <a:r>
-              <a:rPr lang="en-US" dirty="0"/>
+            <a:pPr marL="285750" indent="-285750">
+              <a:buFont typeface="Arial" panose="020B0604020202020204" pitchFamily="34" charset="0"/>
+              <a:buChar char="•"/>
+            </a:pPr>
+            <a:r>
+              <a:rPr lang="en-US" dirty="0">
+                <a:solidFill>
+                  <a:schemeClr val="bg1"/>
+                </a:solidFill>
+              </a:rPr>
               <a:t>ROC-AUC, F1 for classification</a:t>
             </a:r>
           </a:p>
           <a:p>
-            <a:r>
-              <a:rPr lang="en-US" dirty="0"/>
+            <a:pPr marL="285750" indent="-285750">
+              <a:buFont typeface="Arial" panose="020B0604020202020204" pitchFamily="34" charset="0"/>
+              <a:buChar char="•"/>
+            </a:pPr>
+            <a:r>
+              <a:rPr lang="en-US" dirty="0">
+                <a:solidFill>
+                  <a:schemeClr val="bg1"/>
+                </a:solidFill>
+              </a:rPr>
               <a:t>Per-person vs global models</a:t>
-            </a:r>
-          </a:p>
-          <a:p>
-            <a:r>
-              <a:rPr lang="en-US" b="1" dirty="0"/>
-              <a:t>Speaker notes:</a:t>
-            </a:r>
-            <a:endParaRPr lang="en-US" dirty="0"/>
-          </a:p>
-          <a:p>
-            <a:r>
-              <a:rPr lang="en-US" dirty="0"/>
-              <a:t>Start from simpler models to get interpretability.</a:t>
-            </a:r>
-          </a:p>
-          <a:p>
-            <a:r>
-              <a:rPr lang="en-US" dirty="0"/>
-              <a:t>Discuss how features like reduced mobility + reduced social interactions often correlate with higher depression scores.</a:t>
-            </a:r>
-          </a:p>
-          <a:p>
-            <a:r>
-              <a:rPr lang="en-US" dirty="0"/>
-              <a:t>Mention </a:t>
-            </a:r>
-            <a:r>
-              <a:rPr lang="en-US" b="1" dirty="0"/>
-              <a:t>individual vs population models</a:t>
-            </a:r>
-            <a:r>
-              <a:rPr lang="en-US" dirty="0"/>
-              <a:t>:</a:t>
-            </a:r>
-          </a:p>
-          <a:p>
-            <a:pPr lvl="1"/>
-            <a:r>
-              <a:rPr lang="en-US" dirty="0"/>
-              <a:t>Per-person personalized models.</a:t>
-            </a:r>
-          </a:p>
-          <a:p>
-            <a:pPr lvl="1"/>
-            <a:r>
-              <a:rPr lang="en-US" dirty="0"/>
-              <a:t>Single global model with person-level embeddings.</a:t>
-            </a:r>
-          </a:p>
-          <a:p>
-            <a:r>
-              <a:rPr lang="en-US" b="1" dirty="0"/>
-              <a:t>Runbook / code items:</a:t>
-            </a:r>
-            <a:endParaRPr lang="en-US" dirty="0"/>
-          </a:p>
-          <a:p>
-            <a:r>
-              <a:rPr lang="en-US" dirty="0"/>
-              <a:t>40_mental_health_ml_models.ipynb</a:t>
-            </a:r>
-          </a:p>
-          <a:p>
-            <a:pPr lvl="1"/>
-            <a:r>
-              <a:rPr lang="en-US" dirty="0"/>
-              <a:t>Train/test splits with careful leakage control (train on early weeks, test on later weeks).</a:t>
-            </a:r>
-          </a:p>
-          <a:p>
-            <a:pPr lvl="1"/>
-            <a:r>
-              <a:rPr lang="en-US" dirty="0"/>
-              <a:t>Baseline linear/Elastic Net model.</a:t>
-            </a:r>
-          </a:p>
-          <a:p>
-            <a:pPr lvl="1"/>
-            <a:r>
-              <a:rPr lang="en-US" dirty="0"/>
-              <a:t>Tree-based models with cross-validation.</a:t>
-            </a:r>
-          </a:p>
-          <a:p>
-            <a:pPr lvl="1"/>
-            <a:r>
-              <a:rPr lang="en-US" dirty="0"/>
-              <a:t>Optional: basic RNN/LSTM model over sequences of weekly features.</a:t>
-            </a:r>
-          </a:p>
-          <a:p>
-            <a:r>
-              <a:rPr lang="en-US" dirty="0"/>
-              <a:t>41_mental_health_model_evaluation.ipynb</a:t>
-            </a:r>
-          </a:p>
-          <a:p>
-            <a:pPr lvl="1"/>
-            <a:r>
-              <a:rPr lang="en-US" dirty="0"/>
-              <a:t>Individual vs global evaluation metrics.</a:t>
-            </a:r>
-          </a:p>
-          <a:p>
-            <a:pPr lvl="1"/>
-            <a:r>
-              <a:rPr lang="en-US" dirty="0"/>
-              <a:t>Calibration curves to understand probability estimates.</a:t>
             </a:r>
           </a:p>
         </p:txBody>
@@ -27499,9 +27219,9 @@
         <p:grpSpPr>
           <a:xfrm>
             <a:off x="3" y="1"/>
-            <a:ext cx="12191998" cy="6857995"/>
+            <a:ext cx="12191998" cy="6857999"/>
             <a:chOff x="0" y="0"/>
-            <a:chExt cx="12191999" cy="6857995"/>
+            <a:chExt cx="12191999" cy="6857999"/>
           </a:xfrm>
           <a:noFill/>
         </p:grpSpPr>
@@ -27555,7 +27275,7 @@
           <p:spPr>
             <a:xfrm>
               <a:off x="0" y="0"/>
-              <a:ext cx="12191581" cy="6687311"/>
+              <a:ext cx="12191581" cy="6857999"/>
             </a:xfrm>
             <a:prstGeom prst="rect">
               <a:avLst/>
@@ -27766,8 +27486,8 @@
         </p:nvSpPr>
         <p:spPr>
           <a:xfrm>
-            <a:off x="3413152" y="962566"/>
-            <a:ext cx="8292384" cy="5355312"/>
+            <a:off x="3369971" y="2244060"/>
+            <a:ext cx="8292384" cy="2369880"/>
           </a:xfrm>
           <a:prstGeom prst="rect">
             <a:avLst/>
@@ -27781,130 +27501,112 @@
           <a:lstStyle/>
           <a:p>
             <a:r>
-              <a:rPr lang="en-US" b="1" dirty="0"/>
-              <a:t>Slide 13 – Real-Time Monitoring &amp; Clinical Integration</a:t>
-            </a:r>
-          </a:p>
-          <a:p>
-            <a:r>
-              <a:rPr lang="en-US" b="1" dirty="0"/>
-              <a:t>On slide:</a:t>
-            </a:r>
-            <a:endParaRPr lang="en-US" dirty="0"/>
-          </a:p>
-          <a:p>
-            <a:r>
-              <a:rPr lang="en-US" b="1" dirty="0"/>
+              <a:rPr lang="en-US" sz="2000" b="1" dirty="0">
+                <a:solidFill>
+                  <a:schemeClr val="bg1"/>
+                </a:solidFill>
+              </a:rPr>
               <a:t>Real-time monitoring</a:t>
             </a:r>
             <a:r>
-              <a:rPr lang="en-US" dirty="0"/>
+              <a:rPr lang="en-US" sz="2000" dirty="0">
+                <a:solidFill>
+                  <a:schemeClr val="bg1"/>
+                </a:solidFill>
+              </a:rPr>
               <a:t> </a:t>
             </a:r>
           </a:p>
           <a:p>
-            <a:r>
-              <a:rPr lang="en-US" dirty="0"/>
+            <a:pPr marL="285750" indent="-285750">
+              <a:buFont typeface="Arial" panose="020B0604020202020204" pitchFamily="34" charset="0"/>
+              <a:buChar char="•"/>
+            </a:pPr>
+            <a:r>
+              <a:rPr lang="en-US" dirty="0">
+                <a:solidFill>
+                  <a:schemeClr val="bg1"/>
+                </a:solidFill>
+              </a:rPr>
               <a:t>Stream behavioral features daily/weekly</a:t>
             </a:r>
           </a:p>
           <a:p>
-            <a:r>
-              <a:rPr lang="en-US" dirty="0"/>
+            <a:pPr marL="285750" indent="-285750">
+              <a:buFont typeface="Arial" panose="020B0604020202020204" pitchFamily="34" charset="0"/>
+              <a:buChar char="•"/>
+            </a:pPr>
+            <a:r>
+              <a:rPr lang="en-US" dirty="0">
+                <a:solidFill>
+                  <a:schemeClr val="bg1"/>
+                </a:solidFill>
+              </a:rPr>
               <a:t>Trigger alerts when risk crosses threshold</a:t>
             </a:r>
           </a:p>
           <a:p>
-            <a:r>
-              <a:rPr lang="en-US" dirty="0"/>
+            <a:pPr marL="285750" indent="-285750">
+              <a:buFont typeface="Arial" panose="020B0604020202020204" pitchFamily="34" charset="0"/>
+              <a:buChar char="•"/>
+            </a:pPr>
+            <a:r>
+              <a:rPr lang="en-US" dirty="0">
+                <a:solidFill>
+                  <a:schemeClr val="bg1"/>
+                </a:solidFill>
+              </a:rPr>
               <a:t>Provide feedback dashboards for clinicians &amp; users</a:t>
             </a:r>
           </a:p>
           <a:p>
-            <a:r>
-              <a:rPr lang="en-US" b="1" dirty="0"/>
+            <a:endParaRPr lang="en-US" b="1" dirty="0">
+              <a:solidFill>
+                <a:schemeClr val="bg1"/>
+              </a:solidFill>
+            </a:endParaRPr>
+          </a:p>
+          <a:p>
+            <a:r>
+              <a:rPr lang="en-US" sz="2000" b="1" dirty="0">
+                <a:solidFill>
+                  <a:schemeClr val="bg1"/>
+                </a:solidFill>
+              </a:rPr>
               <a:t>Integration</a:t>
             </a:r>
-            <a:endParaRPr lang="en-US" dirty="0"/>
-          </a:p>
-          <a:p>
-            <a:r>
-              <a:rPr lang="en-US" dirty="0"/>
+            <a:endParaRPr lang="en-US" sz="2000" dirty="0">
+              <a:solidFill>
+                <a:schemeClr val="bg1"/>
+              </a:solidFill>
+            </a:endParaRPr>
+          </a:p>
+          <a:p>
+            <a:pPr marL="285750" indent="-285750">
+              <a:buFont typeface="Arial" panose="020B0604020202020204" pitchFamily="34" charset="0"/>
+              <a:buChar char="•"/>
+            </a:pPr>
+            <a:r>
+              <a:rPr lang="en-US" dirty="0">
+                <a:solidFill>
+                  <a:schemeClr val="bg1"/>
+                </a:solidFill>
+              </a:rPr>
               <a:t>Embed in mobile apps for self-tracking</a:t>
             </a:r>
           </a:p>
           <a:p>
-            <a:r>
-              <a:rPr lang="en-US" dirty="0"/>
+            <a:pPr marL="285750" indent="-285750">
+              <a:buFont typeface="Arial" panose="020B0604020202020204" pitchFamily="34" charset="0"/>
+              <a:buChar char="•"/>
+            </a:pPr>
+            <a:r>
+              <a:rPr lang="en-US" dirty="0">
+                <a:solidFill>
+                  <a:schemeClr val="bg1"/>
+                </a:solidFill>
+              </a:rPr>
               <a:t>Use as decision support, not replacement</a:t>
-            </a:r>
-          </a:p>
-          <a:p>
-            <a:r>
-              <a:rPr lang="en-US" b="1" dirty="0"/>
-              <a:t>Speaker notes:</a:t>
-            </a:r>
-            <a:endParaRPr lang="en-US" dirty="0"/>
-          </a:p>
-          <a:p>
-            <a:r>
-              <a:rPr lang="en-US" dirty="0"/>
-              <a:t>Explain concept of “sensing → features → risk score → intervention”.</a:t>
-            </a:r>
-          </a:p>
-          <a:p>
-            <a:r>
-              <a:rPr lang="en-US" dirty="0"/>
-              <a:t>Give example: “If we see a sustained drop in mobility + social interaction + sleep disruption, the system might suggest a check-in.”</a:t>
-            </a:r>
-          </a:p>
-          <a:p>
-            <a:r>
-              <a:rPr lang="en-US" dirty="0"/>
-              <a:t>Emphasize this research aims to </a:t>
-            </a:r>
-            <a:r>
-              <a:rPr lang="en-US" i="1" dirty="0"/>
-              <a:t>reduce impact of chronic psychological distress</a:t>
-            </a:r>
-            <a:r>
-              <a:rPr lang="en-US" dirty="0"/>
-              <a:t> through earlier recognition and support. </a:t>
-            </a:r>
-          </a:p>
-          <a:p>
-            <a:r>
-              <a:rPr lang="en-US" b="1" dirty="0"/>
-              <a:t>Runbook / code items:</a:t>
-            </a:r>
-            <a:endParaRPr lang="en-US" dirty="0"/>
-          </a:p>
-          <a:p>
-            <a:r>
-              <a:rPr lang="en-US" dirty="0"/>
-              <a:t>42_mental_health_streaming_and_alerts.ipynb (or .</a:t>
-            </a:r>
-            <a:r>
-              <a:rPr lang="en-US" dirty="0" err="1"/>
-              <a:t>py</a:t>
-            </a:r>
-            <a:r>
-              <a:rPr lang="en-US" dirty="0"/>
-              <a:t>)</a:t>
-            </a:r>
-          </a:p>
-          <a:p>
-            <a:pPr lvl="1"/>
-            <a:r>
-              <a:rPr lang="en-US" dirty="0"/>
-              <a:t>Simple example of rolling window feature computation over daily events.</a:t>
-            </a:r>
-          </a:p>
-          <a:p>
-            <a:pPr lvl="1"/>
-            <a:r>
-              <a:rPr lang="en-US" dirty="0"/>
-              <a:t>Threshold-based alerts + optional basic anomaly detection.</a:t>
             </a:r>
           </a:p>
         </p:txBody>
@@ -28124,9 +27826,9 @@
         <p:grpSpPr>
           <a:xfrm>
             <a:off x="3" y="1"/>
-            <a:ext cx="12191998" cy="6857995"/>
+            <a:ext cx="12191998" cy="6857999"/>
             <a:chOff x="0" y="0"/>
-            <a:chExt cx="12191999" cy="6857995"/>
+            <a:chExt cx="12191999" cy="6857999"/>
           </a:xfrm>
           <a:noFill/>
         </p:grpSpPr>
@@ -28180,7 +27882,7 @@
           <p:spPr>
             <a:xfrm>
               <a:off x="0" y="0"/>
-              <a:ext cx="12191581" cy="6687311"/>
+              <a:ext cx="12191581" cy="6857999"/>
             </a:xfrm>
             <a:prstGeom prst="rect">
               <a:avLst/>
@@ -28391,8 +28093,8 @@
         </p:nvSpPr>
         <p:spPr>
           <a:xfrm>
-            <a:off x="3413152" y="962566"/>
-            <a:ext cx="8292384" cy="6186309"/>
+            <a:off x="3425776" y="1881717"/>
+            <a:ext cx="8292384" cy="2923877"/>
           </a:xfrm>
           <a:prstGeom prst="rect">
             <a:avLst/>
@@ -28406,157 +28108,133 @@
           <a:lstStyle/>
           <a:p>
             <a:r>
-              <a:rPr lang="en-US" b="1" dirty="0"/>
-              <a:t>Responsible AI &amp; Patterns</a:t>
-            </a:r>
-          </a:p>
-          <a:p>
-            <a:r>
-              <a:rPr lang="en-US" b="1" dirty="0"/>
-              <a:t>Slide 14 – Responsible AI: Privacy, Ethics &amp; Bias</a:t>
-            </a:r>
-          </a:p>
-          <a:p>
-            <a:r>
-              <a:rPr lang="en-US" b="1" dirty="0"/>
-              <a:t>On slide:</a:t>
-            </a:r>
-            <a:endParaRPr lang="en-US" dirty="0"/>
-          </a:p>
-          <a:p>
-            <a:r>
-              <a:rPr lang="en-US" dirty="0"/>
-              <a:t>Sensitive domains: health &amp; safety</a:t>
-            </a:r>
-          </a:p>
-          <a:p>
-            <a:r>
-              <a:rPr lang="en-US" dirty="0"/>
+              <a:rPr lang="en-US" sz="2000" b="1" dirty="0">
+                <a:solidFill>
+                  <a:schemeClr val="bg1"/>
+                </a:solidFill>
+              </a:rPr>
+              <a:t>Sensitive domains:</a:t>
+            </a:r>
+            <a:r>
+              <a:rPr lang="en-US" sz="2000" dirty="0">
+                <a:solidFill>
+                  <a:schemeClr val="bg1"/>
+                </a:solidFill>
+              </a:rPr>
+              <a:t> </a:t>
+            </a:r>
+          </a:p>
+          <a:p>
+            <a:pPr marL="800100" lvl="1" indent="-342900">
+              <a:buFont typeface="+mj-lt"/>
+              <a:buAutoNum type="arabicPeriod"/>
+            </a:pPr>
+            <a:r>
+              <a:rPr lang="en-US" dirty="0">
+                <a:solidFill>
+                  <a:schemeClr val="bg1"/>
+                </a:solidFill>
+              </a:rPr>
+              <a:t>Health &amp; safety</a:t>
+            </a:r>
+          </a:p>
+          <a:p>
+            <a:pPr marL="800100" lvl="1" indent="-342900">
+              <a:buFont typeface="+mj-lt"/>
+              <a:buAutoNum type="arabicPeriod"/>
+            </a:pPr>
+            <a:endParaRPr lang="en-US" dirty="0">
+              <a:solidFill>
+                <a:schemeClr val="bg1"/>
+              </a:solidFill>
+            </a:endParaRPr>
+          </a:p>
+          <a:p>
+            <a:pPr lvl="1"/>
+            <a:endParaRPr lang="en-US" dirty="0">
+              <a:solidFill>
+                <a:schemeClr val="bg1"/>
+              </a:solidFill>
+            </a:endParaRPr>
+          </a:p>
+          <a:p>
+            <a:r>
+              <a:rPr lang="en-US" sz="2000" b="1" dirty="0">
+                <a:solidFill>
+                  <a:schemeClr val="bg1"/>
+                </a:solidFill>
+              </a:rPr>
               <a:t>Key principles:</a:t>
             </a:r>
           </a:p>
           <a:p>
-            <a:pPr lvl="1"/>
-            <a:r>
-              <a:rPr lang="en-US" dirty="0"/>
+            <a:pPr marL="800100" lvl="1" indent="-342900">
+              <a:buFont typeface="+mj-lt"/>
+              <a:buAutoNum type="arabicPeriod"/>
+            </a:pPr>
+            <a:r>
+              <a:rPr lang="en-US" dirty="0">
+                <a:solidFill>
+                  <a:schemeClr val="bg1"/>
+                </a:solidFill>
+              </a:rPr>
               <a:t>Informed consent &amp; transparency</a:t>
             </a:r>
           </a:p>
           <a:p>
-            <a:pPr lvl="1"/>
-            <a:r>
-              <a:rPr lang="en-US" dirty="0"/>
+            <a:pPr marL="800100" lvl="1" indent="-342900">
+              <a:buFont typeface="+mj-lt"/>
+              <a:buAutoNum type="arabicPeriod"/>
+            </a:pPr>
+            <a:r>
+              <a:rPr lang="en-US" dirty="0">
+                <a:solidFill>
+                  <a:schemeClr val="bg1"/>
+                </a:solidFill>
+              </a:rPr>
               <a:t>De-identification and secure storage</a:t>
             </a:r>
           </a:p>
           <a:p>
-            <a:pPr lvl="1"/>
-            <a:r>
-              <a:rPr lang="en-US" dirty="0"/>
+            <a:pPr marL="800100" lvl="1" indent="-342900">
+              <a:buFont typeface="+mj-lt"/>
+              <a:buAutoNum type="arabicPeriod"/>
+            </a:pPr>
+            <a:r>
+              <a:rPr lang="en-US" dirty="0">
+                <a:solidFill>
+                  <a:schemeClr val="bg1"/>
+                </a:solidFill>
+              </a:rPr>
               <a:t>Minimal data collection (“data diet”)</a:t>
             </a:r>
           </a:p>
           <a:p>
-            <a:pPr lvl="1"/>
-            <a:r>
-              <a:rPr lang="en-US" dirty="0"/>
+            <a:pPr marL="800100" lvl="1" indent="-342900">
+              <a:buFont typeface="+mj-lt"/>
+              <a:buAutoNum type="arabicPeriod"/>
+            </a:pPr>
+            <a:r>
+              <a:rPr lang="en-US" dirty="0">
+                <a:solidFill>
+                  <a:schemeClr val="bg1"/>
+                </a:solidFill>
+              </a:rPr>
               <a:t>Fairness &amp; bias checks</a:t>
             </a:r>
           </a:p>
           <a:p>
-            <a:pPr lvl="1"/>
-            <a:r>
-              <a:rPr lang="en-US" dirty="0"/>
+            <a:pPr marL="800100" lvl="1" indent="-342900">
+              <a:buFont typeface="+mj-lt"/>
+              <a:buAutoNum type="arabicPeriod"/>
+            </a:pPr>
+            <a:r>
+              <a:rPr lang="en-US" dirty="0">
+                <a:solidFill>
+                  <a:schemeClr val="bg1"/>
+                </a:solidFill>
+              </a:rPr>
               <a:t>Human-in-the-loop decisions</a:t>
-            </a:r>
-          </a:p>
-          <a:p>
-            <a:r>
-              <a:rPr lang="en-US" b="1" dirty="0"/>
-              <a:t>Speaker notes:</a:t>
-            </a:r>
-            <a:endParaRPr lang="en-US" dirty="0"/>
-          </a:p>
-          <a:p>
-            <a:r>
-              <a:rPr lang="en-US" dirty="0"/>
-              <a:t>Call out that both use cases involve </a:t>
-            </a:r>
-            <a:r>
-              <a:rPr lang="en-US" i="1" dirty="0"/>
-              <a:t>very sensitive</a:t>
-            </a:r>
-            <a:r>
-              <a:rPr lang="en-US" dirty="0"/>
-              <a:t> data:</a:t>
-            </a:r>
-          </a:p>
-          <a:p>
-            <a:pPr lvl="1"/>
-            <a:r>
-              <a:rPr lang="en-US" dirty="0"/>
-              <a:t>Location + behavior + mental health labels.</a:t>
-            </a:r>
-          </a:p>
-          <a:p>
-            <a:r>
-              <a:rPr lang="en-US" dirty="0"/>
-              <a:t>Make it explicit: such AI must be built with ethics baked in:</a:t>
-            </a:r>
-          </a:p>
-          <a:p>
-            <a:pPr lvl="1"/>
-            <a:r>
-              <a:rPr lang="en-US" dirty="0"/>
-              <a:t>No “black-box” deployment without oversight.</a:t>
-            </a:r>
-          </a:p>
-          <a:p>
-            <a:pPr lvl="1"/>
-            <a:r>
-              <a:rPr lang="en-US" dirty="0"/>
-              <a:t>In mental health, models support clinicians rather than replacing them.</a:t>
-            </a:r>
-          </a:p>
-          <a:p>
-            <a:r>
-              <a:rPr lang="en-US" b="1" dirty="0"/>
-              <a:t>Runbook / code items:</a:t>
-            </a:r>
-            <a:endParaRPr lang="en-US" dirty="0"/>
-          </a:p>
-          <a:p>
-            <a:r>
-              <a:rPr lang="en-US" dirty="0"/>
-              <a:t>05_privacy_and_fairness_checks.ipynb</a:t>
-            </a:r>
-          </a:p>
-          <a:p>
-            <a:pPr lvl="1"/>
-            <a:r>
-              <a:rPr lang="en-US" dirty="0"/>
-              <a:t>Examples:</a:t>
-            </a:r>
-          </a:p>
-          <a:p>
-            <a:pPr lvl="2"/>
-            <a:r>
-              <a:rPr lang="en-US" dirty="0"/>
-              <a:t>Dropping or hashing identifiers.</a:t>
-            </a:r>
-          </a:p>
-          <a:p>
-            <a:pPr lvl="2"/>
-            <a:r>
-              <a:rPr lang="en-US" dirty="0"/>
-              <a:t>Basic fairness checks across demographic groups (if available).</a:t>
-            </a:r>
-          </a:p>
-          <a:p>
-            <a:pPr lvl="1"/>
-            <a:r>
-              <a:rPr lang="en-US" dirty="0"/>
-              <a:t>Documentation templates explaining limitations &amp; appropriate usage.</a:t>
             </a:r>
           </a:p>
         </p:txBody>
@@ -28776,9 +28454,9 @@
         <p:grpSpPr>
           <a:xfrm>
             <a:off x="3" y="1"/>
-            <a:ext cx="12191998" cy="6857995"/>
+            <a:ext cx="12191998" cy="6857999"/>
             <a:chOff x="0" y="0"/>
-            <a:chExt cx="12191999" cy="6857995"/>
+            <a:chExt cx="12191999" cy="6857999"/>
           </a:xfrm>
           <a:noFill/>
         </p:grpSpPr>
@@ -28832,7 +28510,7 @@
           <p:spPr>
             <a:xfrm>
               <a:off x="0" y="0"/>
-              <a:ext cx="12191581" cy="6687311"/>
+              <a:ext cx="12191581" cy="6857999"/>
             </a:xfrm>
             <a:prstGeom prst="rect">
               <a:avLst/>
@@ -29485,7 +29163,7 @@
           <p:spPr>
             <a:xfrm>
               <a:off x="0" y="0"/>
-              <a:ext cx="12191581" cy="6687311"/>
+              <a:ext cx="12191581" cy="6857995"/>
             </a:xfrm>
             <a:prstGeom prst="rect">
               <a:avLst/>
@@ -29696,8 +29374,8 @@
         </p:nvSpPr>
         <p:spPr>
           <a:xfrm>
-            <a:off x="3413152" y="962566"/>
-            <a:ext cx="8292384" cy="5355312"/>
+            <a:off x="3425776" y="2505668"/>
+            <a:ext cx="8292384" cy="1846659"/>
           </a:xfrm>
           <a:prstGeom prst="rect">
             <a:avLst/>
@@ -29711,126 +29389,103 @@
           <a:lstStyle/>
           <a:p>
             <a:r>
-              <a:rPr lang="en-US" b="1" dirty="0"/>
-              <a:t>Slide 15 – Patterns for Impactful ML Solutions</a:t>
-            </a:r>
-          </a:p>
-          <a:p>
-            <a:r>
-              <a:rPr lang="en-US" b="1" dirty="0"/>
-              <a:t>On slide:</a:t>
-            </a:r>
-            <a:endParaRPr lang="en-US" dirty="0"/>
-          </a:p>
-          <a:p>
-            <a:r>
-              <a:rPr lang="en-US" b="1" dirty="0"/>
+              <a:rPr lang="en-US" sz="2000" b="1" dirty="0">
+                <a:solidFill>
+                  <a:schemeClr val="bg1"/>
+                </a:solidFill>
+              </a:rPr>
               <a:t>Practical Patterns</a:t>
             </a:r>
-            <a:endParaRPr lang="en-US" dirty="0"/>
-          </a:p>
-          <a:p>
-            <a:r>
-              <a:rPr lang="en-US" dirty="0"/>
+            <a:endParaRPr lang="en-US" sz="2000" dirty="0">
+              <a:solidFill>
+                <a:schemeClr val="bg1"/>
+              </a:solidFill>
+            </a:endParaRPr>
+          </a:p>
+          <a:p>
+            <a:pPr marL="285750" indent="-285750">
+              <a:buFont typeface="Arial" panose="020B0604020202020204" pitchFamily="34" charset="0"/>
+              <a:buChar char="•"/>
+            </a:pPr>
+            <a:r>
+              <a:rPr lang="en-US" dirty="0">
+                <a:solidFill>
+                  <a:schemeClr val="bg1"/>
+                </a:solidFill>
+              </a:rPr>
               <a:t>Start with the problem, not the model</a:t>
             </a:r>
           </a:p>
           <a:p>
-            <a:r>
-              <a:rPr lang="en-US" dirty="0"/>
+            <a:pPr marL="285750" indent="-285750">
+              <a:buFont typeface="Arial" panose="020B0604020202020204" pitchFamily="34" charset="0"/>
+              <a:buChar char="•"/>
+            </a:pPr>
+            <a:r>
+              <a:rPr lang="en-US" dirty="0">
+                <a:solidFill>
+                  <a:schemeClr val="bg1"/>
+                </a:solidFill>
+              </a:rPr>
               <a:t>Make data pipelines a first-class citizen</a:t>
             </a:r>
           </a:p>
           <a:p>
-            <a:r>
-              <a:rPr lang="en-US" dirty="0"/>
+            <a:pPr marL="285750" indent="-285750">
+              <a:buFont typeface="Arial" panose="020B0604020202020204" pitchFamily="34" charset="0"/>
+              <a:buChar char="•"/>
+            </a:pPr>
+            <a:r>
+              <a:rPr lang="en-US" dirty="0">
+                <a:solidFill>
+                  <a:schemeClr val="bg1"/>
+                </a:solidFill>
+              </a:rPr>
               <a:t>Always build a simple baseline first</a:t>
             </a:r>
           </a:p>
           <a:p>
-            <a:r>
-              <a:rPr lang="en-US" dirty="0"/>
+            <a:pPr marL="285750" indent="-285750">
+              <a:buFont typeface="Arial" panose="020B0604020202020204" pitchFamily="34" charset="0"/>
+              <a:buChar char="•"/>
+            </a:pPr>
+            <a:r>
+              <a:rPr lang="en-US" dirty="0">
+                <a:solidFill>
+                  <a:schemeClr val="bg1"/>
+                </a:solidFill>
+              </a:rPr>
               <a:t>Optimize for </a:t>
             </a:r>
             <a:r>
-              <a:rPr lang="en-US" i="1" dirty="0"/>
+              <a:rPr lang="en-US" i="1" dirty="0">
+                <a:solidFill>
+                  <a:schemeClr val="bg1"/>
+                </a:solidFill>
+              </a:rPr>
               <a:t>interpretable</a:t>
             </a:r>
             <a:r>
-              <a:rPr lang="en-US" dirty="0"/>
+              <a:rPr lang="en-US" dirty="0">
+                <a:solidFill>
+                  <a:schemeClr val="bg1"/>
+                </a:solidFill>
+              </a:rPr>
               <a:t> insights where stakes are high</a:t>
             </a:r>
           </a:p>
           <a:p>
-            <a:r>
-              <a:rPr lang="en-US" dirty="0"/>
+            <a:pPr marL="285750" indent="-285750">
+              <a:buFont typeface="Arial" panose="020B0604020202020204" pitchFamily="34" charset="0"/>
+              <a:buChar char="•"/>
+            </a:pPr>
+            <a:r>
+              <a:rPr lang="en-US" dirty="0">
+                <a:solidFill>
+                  <a:schemeClr val="bg1"/>
+                </a:solidFill>
+              </a:rPr>
               <a:t>Think deployment &amp; feedback loops from Day 1</a:t>
-            </a:r>
-          </a:p>
-          <a:p>
-            <a:r>
-              <a:rPr lang="en-US" b="1" dirty="0"/>
-              <a:t>Speaker notes:</a:t>
-            </a:r>
-            <a:endParaRPr lang="en-US" dirty="0"/>
-          </a:p>
-          <a:p>
-            <a:r>
-              <a:rPr lang="en-US" dirty="0"/>
-              <a:t>For wildfires:</a:t>
-            </a:r>
-          </a:p>
-          <a:p>
-            <a:pPr lvl="1"/>
-            <a:r>
-              <a:rPr lang="en-US" dirty="0"/>
-              <a:t>Start with simple risk mapping using logistic regression before YOLOv5.</a:t>
-            </a:r>
-          </a:p>
-          <a:p>
-            <a:r>
-              <a:rPr lang="en-US" dirty="0"/>
-              <a:t>For mental health:</a:t>
-            </a:r>
-          </a:p>
-          <a:p>
-            <a:pPr lvl="1"/>
-            <a:r>
-              <a:rPr lang="en-US" dirty="0"/>
-              <a:t>Start with basic behavioral scores + linear model before complex deep learning.</a:t>
-            </a:r>
-          </a:p>
-          <a:p>
-            <a:r>
-              <a:rPr lang="en-US" dirty="0"/>
-              <a:t>Stress reusability: these patterns apply to finance, retail, cyber, etc.</a:t>
-            </a:r>
-          </a:p>
-          <a:p>
-            <a:r>
-              <a:rPr lang="en-US" b="1" dirty="0"/>
-              <a:t>Runbook / code items:</a:t>
-            </a:r>
-            <a:endParaRPr lang="en-US" dirty="0"/>
-          </a:p>
-          <a:p>
-            <a:r>
-              <a:rPr lang="en-US" dirty="0"/>
-              <a:t>06_baseline_vs_advanced_models.ipynb</a:t>
-            </a:r>
-          </a:p>
-          <a:p>
-            <a:pPr lvl="1"/>
-            <a:r>
-              <a:rPr lang="en-US" dirty="0"/>
-              <a:t>Demonstrate baseline vs more complex models and compare metrics.</a:t>
-            </a:r>
-          </a:p>
-          <a:p>
-            <a:pPr lvl="1"/>
-            <a:r>
-              <a:rPr lang="en-US" dirty="0"/>
-              <a:t>Show diminishing returns: sometimes complexity doesn’t justify extra effort.</a:t>
             </a:r>
           </a:p>
         </p:txBody>
@@ -30106,7 +29761,7 @@
           <p:spPr>
             <a:xfrm>
               <a:off x="0" y="0"/>
-              <a:ext cx="12191581" cy="6687311"/>
+              <a:ext cx="12191581" cy="6845805"/>
             </a:xfrm>
             <a:prstGeom prst="rect">
               <a:avLst/>
@@ -30318,7 +29973,7 @@
         <p:spPr>
           <a:xfrm>
             <a:off x="3413152" y="962566"/>
-            <a:ext cx="8292384" cy="4801314"/>
+            <a:ext cx="8292384" cy="2339102"/>
           </a:xfrm>
           <a:prstGeom prst="rect">
             <a:avLst/>
@@ -30332,118 +29987,115 @@
           <a:lstStyle/>
           <a:p>
             <a:r>
-              <a:rPr lang="en-US" b="1" dirty="0"/>
-              <a:t>Slide 16 – End-to-End Template: From Idea to Production</a:t>
-            </a:r>
-          </a:p>
-          <a:p>
-            <a:r>
-              <a:rPr lang="en-US" b="1" dirty="0"/>
-              <a:t>On slide:</a:t>
-            </a:r>
-            <a:endParaRPr lang="en-US" dirty="0"/>
-          </a:p>
-          <a:p>
-            <a:r>
-              <a:rPr lang="en-US" b="1" dirty="0"/>
+              <a:rPr lang="en-US" sz="2000" b="1" dirty="0">
+                <a:solidFill>
+                  <a:schemeClr val="bg1"/>
+                </a:solidFill>
+              </a:rPr>
               <a:t>End-to-End Flow</a:t>
             </a:r>
-            <a:endParaRPr lang="en-US" dirty="0"/>
-          </a:p>
-          <a:p>
-            <a:r>
-              <a:rPr lang="en-US" dirty="0"/>
+            <a:endParaRPr lang="en-US" sz="2000" dirty="0">
+              <a:solidFill>
+                <a:schemeClr val="bg1"/>
+              </a:solidFill>
+            </a:endParaRPr>
+          </a:p>
+          <a:p>
+            <a:pPr marL="285750" indent="-285750">
+              <a:buFont typeface="Arial" panose="020B0604020202020204" pitchFamily="34" charset="0"/>
+              <a:buChar char="•"/>
+            </a:pPr>
+            <a:r>
+              <a:rPr lang="en-US" dirty="0">
+                <a:solidFill>
+                  <a:schemeClr val="bg1"/>
+                </a:solidFill>
+              </a:rPr>
               <a:t>Problem &amp; success metrics</a:t>
             </a:r>
           </a:p>
           <a:p>
-            <a:r>
-              <a:rPr lang="en-US" dirty="0"/>
+            <a:pPr marL="285750" indent="-285750">
+              <a:buFont typeface="Arial" panose="020B0604020202020204" pitchFamily="34" charset="0"/>
+              <a:buChar char="•"/>
+            </a:pPr>
+            <a:r>
+              <a:rPr lang="en-US" dirty="0">
+                <a:solidFill>
+                  <a:schemeClr val="bg1"/>
+                </a:solidFill>
+              </a:rPr>
               <a:t>Data discovery &amp; governance</a:t>
             </a:r>
           </a:p>
           <a:p>
-            <a:r>
-              <a:rPr lang="en-US" dirty="0"/>
+            <a:pPr marL="285750" indent="-285750">
+              <a:buFont typeface="Arial" panose="020B0604020202020204" pitchFamily="34" charset="0"/>
+              <a:buChar char="•"/>
+            </a:pPr>
+            <a:r>
+              <a:rPr lang="en-US" dirty="0">
+                <a:solidFill>
+                  <a:schemeClr val="bg1"/>
+                </a:solidFill>
+              </a:rPr>
               <a:t>Ingestion &amp; feature engineering</a:t>
             </a:r>
           </a:p>
           <a:p>
-            <a:r>
-              <a:rPr lang="en-US" dirty="0"/>
+            <a:pPr marL="285750" indent="-285750">
+              <a:buFont typeface="Arial" panose="020B0604020202020204" pitchFamily="34" charset="0"/>
+              <a:buChar char="•"/>
+            </a:pPr>
+            <a:r>
+              <a:rPr lang="en-US" dirty="0">
+                <a:solidFill>
+                  <a:schemeClr val="bg1"/>
+                </a:solidFill>
+              </a:rPr>
               <a:t>Modeling &amp; evaluation</a:t>
             </a:r>
           </a:p>
           <a:p>
-            <a:r>
-              <a:rPr lang="en-US" dirty="0"/>
+            <a:pPr marL="285750" indent="-285750">
+              <a:buFont typeface="Arial" panose="020B0604020202020204" pitchFamily="34" charset="0"/>
+              <a:buChar char="•"/>
+            </a:pPr>
+            <a:r>
+              <a:rPr lang="en-US" dirty="0">
+                <a:solidFill>
+                  <a:schemeClr val="bg1"/>
+                </a:solidFill>
+              </a:rPr>
               <a:t>Explainability &amp; validation with domain experts</a:t>
             </a:r>
           </a:p>
           <a:p>
-            <a:r>
-              <a:rPr lang="en-US" dirty="0"/>
+            <a:pPr marL="285750" indent="-285750">
+              <a:buFont typeface="Arial" panose="020B0604020202020204" pitchFamily="34" charset="0"/>
+              <a:buChar char="•"/>
+            </a:pPr>
+            <a:r>
+              <a:rPr lang="en-US" dirty="0">
+                <a:solidFill>
+                  <a:schemeClr val="bg1"/>
+                </a:solidFill>
+              </a:rPr>
               <a:t>Deployment (batch/API/stream)</a:t>
             </a:r>
           </a:p>
           <a:p>
-            <a:r>
-              <a:rPr lang="en-US" dirty="0"/>
+            <a:pPr marL="285750" indent="-285750">
+              <a:buFont typeface="Arial" panose="020B0604020202020204" pitchFamily="34" charset="0"/>
+              <a:buChar char="•"/>
+            </a:pPr>
+            <a:r>
+              <a:rPr lang="en-US" dirty="0">
+                <a:solidFill>
+                  <a:schemeClr val="bg1"/>
+                </a:solidFill>
+              </a:rPr>
               <a:t>Monitoring &amp; retraining</a:t>
-            </a:r>
-          </a:p>
-          <a:p>
-            <a:r>
-              <a:rPr lang="en-US" b="1" dirty="0"/>
-              <a:t>Speaker notes:</a:t>
-            </a:r>
-            <a:endParaRPr lang="en-US" dirty="0"/>
-          </a:p>
-          <a:p>
-            <a:r>
-              <a:rPr lang="en-US" dirty="0"/>
-              <a:t>Use wildfires and mental health as concrete examples walking through each step.</a:t>
-            </a:r>
-          </a:p>
-          <a:p>
-            <a:r>
-              <a:rPr lang="en-US" dirty="0"/>
-              <a:t>Emphasize that </a:t>
-            </a:r>
-            <a:r>
-              <a:rPr lang="en-US" i="1" dirty="0"/>
-              <a:t>this is the general template</a:t>
-            </a:r>
-            <a:r>
-              <a:rPr lang="en-US" dirty="0"/>
-              <a:t> they can reuse for future projects.</a:t>
-            </a:r>
-          </a:p>
-          <a:p>
-            <a:r>
-              <a:rPr lang="en-US" b="1" dirty="0"/>
-              <a:t>Runbook / code items:</a:t>
-            </a:r>
-            <a:endParaRPr lang="en-US" dirty="0"/>
-          </a:p>
-          <a:p>
-            <a:r>
-              <a:rPr lang="en-US" dirty="0"/>
-              <a:t>70_project_template/</a:t>
-            </a:r>
-          </a:p>
-          <a:p>
-            <a:pPr lvl="1"/>
-            <a:r>
-              <a:rPr lang="en-US" dirty="0"/>
-              <a:t>Skeleton folder structure and sample config files (YAML) that can be reused.</a:t>
-            </a:r>
-          </a:p>
-          <a:p>
-            <a:pPr lvl="1"/>
-            <a:r>
-              <a:rPr lang="en-US" dirty="0"/>
-              <a:t>Example README.md explaining how to plug in a new dataset/problem.</a:t>
             </a:r>
           </a:p>
         </p:txBody>
@@ -30719,7 +30371,7 @@
           <p:spPr>
             <a:xfrm>
               <a:off x="0" y="0"/>
-              <a:ext cx="12191581" cy="6687311"/>
+              <a:ext cx="12191581" cy="6845805"/>
             </a:xfrm>
             <a:prstGeom prst="rect">
               <a:avLst/>
@@ -30931,7 +30583,7 @@
         <p:spPr>
           <a:xfrm>
             <a:off x="3413152" y="962566"/>
-            <a:ext cx="8292384" cy="4801314"/>
+            <a:ext cx="8292384" cy="3785652"/>
           </a:xfrm>
           <a:prstGeom prst="rect">
             <a:avLst/>
@@ -30944,107 +30596,144 @@
           </a:bodyPr>
           <a:lstStyle/>
           <a:p>
-            <a:r>
-              <a:rPr lang="en-US" b="1" dirty="0"/>
-              <a:t>Slide 17 – Summary &amp; Key Takeaways</a:t>
-            </a:r>
-          </a:p>
-          <a:p>
-            <a:r>
-              <a:rPr lang="en-US" b="1" dirty="0"/>
-              <a:t>On slide:</a:t>
-            </a:r>
-            <a:endParaRPr lang="en-US" dirty="0"/>
-          </a:p>
-          <a:p>
-            <a:r>
-              <a:rPr lang="en-US" dirty="0"/>
+            <a:pPr algn="ctr"/>
+            <a:r>
+              <a:rPr lang="en-US" sz="2000" b="1" dirty="0">
+                <a:solidFill>
+                  <a:schemeClr val="bg1"/>
+                </a:solidFill>
+              </a:rPr>
               <a:t>Real-world data is messy but powerful</a:t>
             </a:r>
           </a:p>
           <a:p>
-            <a:r>
-              <a:rPr lang="en-US" dirty="0"/>
+            <a:endParaRPr lang="en-US" dirty="0">
+              <a:solidFill>
+                <a:schemeClr val="bg1"/>
+              </a:solidFill>
+            </a:endParaRPr>
+          </a:p>
+          <a:p>
+            <a:endParaRPr lang="en-US" dirty="0">
+              <a:solidFill>
+                <a:schemeClr val="bg1"/>
+              </a:solidFill>
+            </a:endParaRPr>
+          </a:p>
+          <a:p>
+            <a:r>
+              <a:rPr lang="en-US" sz="2000" dirty="0">
+                <a:solidFill>
+                  <a:schemeClr val="bg1"/>
+                </a:solidFill>
+              </a:rPr>
               <a:t>AI/ML can:</a:t>
             </a:r>
           </a:p>
           <a:p>
-            <a:pPr lvl="1"/>
-            <a:r>
-              <a:rPr lang="en-US" dirty="0"/>
+            <a:pPr marL="800100" lvl="1" indent="-342900">
+              <a:buFont typeface="+mj-lt"/>
+              <a:buAutoNum type="arabicPeriod"/>
+            </a:pPr>
+            <a:r>
+              <a:rPr lang="en-US" dirty="0">
+                <a:solidFill>
+                  <a:schemeClr val="bg1"/>
+                </a:solidFill>
+              </a:rPr>
               <a:t>Help predict and mitigate wildfires</a:t>
             </a:r>
           </a:p>
           <a:p>
-            <a:pPr lvl="1"/>
-            <a:r>
-              <a:rPr lang="en-US" dirty="0"/>
+            <a:pPr marL="800100" lvl="1" indent="-342900">
+              <a:buFont typeface="+mj-lt"/>
+              <a:buAutoNum type="arabicPeriod"/>
+            </a:pPr>
+            <a:r>
+              <a:rPr lang="en-US" dirty="0">
+                <a:solidFill>
+                  <a:schemeClr val="bg1"/>
+                </a:solidFill>
+              </a:rPr>
               <a:t>Support early detection of mental health risks</a:t>
             </a:r>
           </a:p>
           <a:p>
-            <a:r>
-              <a:rPr lang="en-US" dirty="0"/>
+            <a:pPr lvl="1"/>
+            <a:endParaRPr lang="en-US" dirty="0">
+              <a:solidFill>
+                <a:schemeClr val="bg1"/>
+              </a:solidFill>
+            </a:endParaRPr>
+          </a:p>
+          <a:p>
+            <a:r>
+              <a:rPr lang="en-US" sz="2000" dirty="0">
+                <a:solidFill>
+                  <a:schemeClr val="bg1"/>
+                </a:solidFill>
+              </a:rPr>
               <a:t>Success depends on:</a:t>
             </a:r>
           </a:p>
           <a:p>
-            <a:pPr lvl="1"/>
-            <a:r>
-              <a:rPr lang="en-US" dirty="0"/>
+            <a:pPr marL="742950" lvl="1" indent="-285750">
+              <a:buFont typeface="Arial" panose="020B0604020202020204" pitchFamily="34" charset="0"/>
+              <a:buChar char="•"/>
+            </a:pPr>
+            <a:r>
+              <a:rPr lang="en-US" dirty="0">
+                <a:solidFill>
+                  <a:schemeClr val="bg1"/>
+                </a:solidFill>
+              </a:rPr>
               <a:t>Good problem framing</a:t>
             </a:r>
           </a:p>
           <a:p>
-            <a:pPr lvl="1"/>
-            <a:r>
-              <a:rPr lang="en-US" dirty="0"/>
+            <a:pPr marL="742950" lvl="1" indent="-285750">
+              <a:buFont typeface="Arial" panose="020B0604020202020204" pitchFamily="34" charset="0"/>
+              <a:buChar char="•"/>
+            </a:pPr>
+            <a:r>
+              <a:rPr lang="en-US" dirty="0">
+                <a:solidFill>
+                  <a:schemeClr val="bg1"/>
+                </a:solidFill>
+              </a:rPr>
               <a:t>Strong data &amp; feature pipelines</a:t>
             </a:r>
           </a:p>
           <a:p>
-            <a:pPr lvl="1"/>
-            <a:r>
-              <a:rPr lang="en-US" dirty="0"/>
+            <a:pPr marL="742950" lvl="1" indent="-285750">
+              <a:buFont typeface="Arial" panose="020B0604020202020204" pitchFamily="34" charset="0"/>
+              <a:buChar char="•"/>
+            </a:pPr>
+            <a:r>
+              <a:rPr lang="en-US" dirty="0">
+                <a:solidFill>
+                  <a:schemeClr val="bg1"/>
+                </a:solidFill>
+              </a:rPr>
               <a:t>Responsible, interpretable models</a:t>
             </a:r>
           </a:p>
           <a:p>
-            <a:r>
-              <a:rPr lang="en-US" dirty="0"/>
+            <a:pPr lvl="1"/>
+            <a:endParaRPr lang="en-US" dirty="0">
+              <a:solidFill>
+                <a:schemeClr val="bg1"/>
+              </a:solidFill>
+            </a:endParaRPr>
+          </a:p>
+          <a:p>
+            <a:r>
+              <a:rPr lang="en-US" dirty="0">
+                <a:solidFill>
+                  <a:schemeClr val="bg1"/>
+                </a:solidFill>
+              </a:rPr>
               <a:t>You can reuse these patterns in your own projects</a:t>
-            </a:r>
-          </a:p>
-          <a:p>
-            <a:r>
-              <a:rPr lang="en-US" b="1" dirty="0"/>
-              <a:t>Speaker notes:</a:t>
-            </a:r>
-            <a:endParaRPr lang="en-US" dirty="0"/>
-          </a:p>
-          <a:p>
-            <a:r>
-              <a:rPr lang="en-US" dirty="0"/>
-              <a:t>Recap both stories in 1–2 sentences each.</a:t>
-            </a:r>
-          </a:p>
-          <a:p>
-            <a:r>
-              <a:rPr lang="en-US" dirty="0"/>
-              <a:t>End with an invitation: “Take one of these ideas, find a dataset, and try to reproduce a mini version using the runbook.”</a:t>
-            </a:r>
-          </a:p>
-          <a:p>
-            <a:r>
-              <a:rPr lang="en-US" b="1" dirty="0"/>
-              <a:t>Runbook / code items:</a:t>
-            </a:r>
-            <a:endParaRPr lang="en-US" dirty="0"/>
-          </a:p>
-          <a:p>
-            <a:r>
-              <a:rPr lang="en-US" dirty="0"/>
-              <a:t>None new; just refer back to the full runbook repo structure.</a:t>
             </a:r>
           </a:p>
         </p:txBody>
@@ -31264,9 +30953,9 @@
         <p:grpSpPr>
           <a:xfrm>
             <a:off x="3" y="1"/>
-            <a:ext cx="12191998" cy="6857995"/>
+            <a:ext cx="12191998" cy="6857999"/>
             <a:chOff x="0" y="0"/>
-            <a:chExt cx="12191999" cy="6857995"/>
+            <a:chExt cx="12191999" cy="6857999"/>
           </a:xfrm>
           <a:noFill/>
         </p:grpSpPr>
@@ -31320,7 +31009,7 @@
           <p:spPr>
             <a:xfrm>
               <a:off x="0" y="0"/>
-              <a:ext cx="12191581" cy="6687311"/>
+              <a:ext cx="12191581" cy="6857999"/>
             </a:xfrm>
             <a:prstGeom prst="rect">
               <a:avLst/>
@@ -31519,106 +31208,6 @@
       </p:cxnSp>
       <p:sp>
         <p:nvSpPr>
-          <p:cNvPr id="10" name="TextBox 9">
-            <a:extLst>
-              <a:ext uri="{FF2B5EF4-FFF2-40B4-BE49-F238E27FC236}">
-                <a16:creationId xmlns:a16="http://schemas.microsoft.com/office/drawing/2014/main" id="{8362C7BF-3283-B827-65EA-37595F02D914}"/>
-              </a:ext>
-            </a:extLst>
-          </p:cNvPr>
-          <p:cNvSpPr txBox="1"/>
-          <p:nvPr/>
-        </p:nvSpPr>
-        <p:spPr>
-          <a:xfrm>
-            <a:off x="3413152" y="962566"/>
-            <a:ext cx="8292384" cy="2862322"/>
-          </a:xfrm>
-          <a:prstGeom prst="rect">
-            <a:avLst/>
-          </a:prstGeom>
-          <a:noFill/>
-        </p:spPr>
-        <p:txBody>
-          <a:bodyPr wrap="square">
-            <a:spAutoFit/>
-          </a:bodyPr>
-          <a:lstStyle/>
-          <a:p>
-            <a:r>
-              <a:rPr lang="en-US" dirty="0"/>
-              <a:t>“Questions</a:t>
-            </a:r>
-            <a:r>
-              <a:rPr lang="en-US"/>
-              <a:t>/Answers?”</a:t>
-            </a:r>
-            <a:endParaRPr lang="en-US" dirty="0"/>
-          </a:p>
-          <a:p>
-            <a:r>
-              <a:rPr lang="en-US" dirty="0"/>
-              <a:t>Contact: LinkedIn URL (linkedin.com/in/</a:t>
-            </a:r>
-            <a:r>
-              <a:rPr lang="en-US" dirty="0" err="1"/>
-              <a:t>rvats</a:t>
-            </a:r>
-            <a:r>
-              <a:rPr lang="en-US" dirty="0"/>
-              <a:t>) </a:t>
-            </a:r>
-          </a:p>
-          <a:p>
-            <a:r>
-              <a:rPr lang="en-US" b="1" dirty="0"/>
-              <a:t>Speaker notes:</a:t>
-            </a:r>
-            <a:endParaRPr lang="en-US" dirty="0"/>
-          </a:p>
-          <a:p>
-            <a:r>
-              <a:rPr lang="en-US" dirty="0"/>
-              <a:t>Encourage practical questions: “If you try building these pipelines, what might block you?”</a:t>
-            </a:r>
-          </a:p>
-          <a:p>
-            <a:r>
-              <a:rPr lang="en-US" dirty="0"/>
-              <a:t>Offer to share runbook/link after the talk.</a:t>
-            </a:r>
-          </a:p>
-          <a:p>
-            <a:r>
-              <a:rPr lang="en-US" b="1" dirty="0"/>
-              <a:t>Runbook / code items:</a:t>
-            </a:r>
-            <a:endParaRPr lang="en-US" dirty="0"/>
-          </a:p>
-          <a:p>
-            <a:r>
-              <a:rPr lang="en-US" dirty="0"/>
-              <a:t>Optionally a 99_references_and_links.md with:</a:t>
-            </a:r>
-          </a:p>
-          <a:p>
-            <a:pPr lvl="1"/>
-            <a:r>
-              <a:rPr lang="en-US" dirty="0"/>
-              <a:t>MIT mobile sensing / Sandy Pentland research references. </a:t>
-            </a:r>
-          </a:p>
-          <a:p>
-            <a:pPr lvl="1"/>
-            <a:r>
-              <a:rPr lang="en-US" dirty="0"/>
-              <a:t>Wildfire ML dataset and library references. </a:t>
-            </a:r>
-          </a:p>
-        </p:txBody>
-      </p:sp>
-      <p:sp>
-        <p:nvSpPr>
           <p:cNvPr id="16" name="TextBox 15">
             <a:extLst>
               <a:ext uri="{FF2B5EF4-FFF2-40B4-BE49-F238E27FC236}">
@@ -31785,6 +31374,659 @@
     <p:extLst>
       <p:ext uri="{BB962C8B-B14F-4D97-AF65-F5344CB8AC3E}">
         <p14:creationId xmlns:p14="http://schemas.microsoft.com/office/powerpoint/2010/main" val="1364032017"/>
+      </p:ext>
+    </p:extLst>
+  </p:cSld>
+  <p:clrMapOvr>
+    <a:masterClrMapping/>
+  </p:clrMapOvr>
+</p:sld>
+</file>
+
+<file path=ppt/slides/slide24.xml><?xml version="1.0" encoding="utf-8"?>
+<p:sld xmlns:a="http://schemas.openxmlformats.org/drawingml/2006/main" xmlns:r="http://schemas.openxmlformats.org/officeDocument/2006/relationships" xmlns:p="http://schemas.openxmlformats.org/presentationml/2006/main">
+  <p:cSld>
+    <p:spTree>
+      <p:nvGrpSpPr>
+        <p:cNvPr id="1" name="">
+          <a:extLst>
+            <a:ext uri="{FF2B5EF4-FFF2-40B4-BE49-F238E27FC236}">
+              <a16:creationId xmlns:a16="http://schemas.microsoft.com/office/drawing/2014/main" id="{0D99DC09-4213-0820-A10A-695F23EEB2CF}"/>
+            </a:ext>
+          </a:extLst>
+        </p:cNvPr>
+        <p:cNvGrpSpPr/>
+        <p:nvPr/>
+      </p:nvGrpSpPr>
+      <p:grpSpPr>
+        <a:xfrm>
+          <a:off x="0" y="0"/>
+          <a:ext cx="0" cy="0"/>
+          <a:chOff x="0" y="0"/>
+          <a:chExt cx="0" cy="0"/>
+        </a:xfrm>
+      </p:grpSpPr>
+      <p:grpSp>
+        <p:nvGrpSpPr>
+          <p:cNvPr id="2" name="object 2">
+            <a:extLst>
+              <a:ext uri="{FF2B5EF4-FFF2-40B4-BE49-F238E27FC236}">
+                <a16:creationId xmlns:a16="http://schemas.microsoft.com/office/drawing/2014/main" id="{E3425436-29E6-A325-72BD-44679540E739}"/>
+              </a:ext>
+            </a:extLst>
+          </p:cNvPr>
+          <p:cNvGrpSpPr/>
+          <p:nvPr/>
+        </p:nvGrpSpPr>
+        <p:grpSpPr>
+          <a:xfrm>
+            <a:off x="3" y="1"/>
+            <a:ext cx="12191998" cy="6857999"/>
+            <a:chOff x="0" y="0"/>
+            <a:chExt cx="12191999" cy="6857999"/>
+          </a:xfrm>
+          <a:noFill/>
+        </p:grpSpPr>
+        <p:pic>
+          <p:nvPicPr>
+            <p:cNvPr id="3" name="object 3">
+              <a:extLst>
+                <a:ext uri="{FF2B5EF4-FFF2-40B4-BE49-F238E27FC236}">
+                  <a16:creationId xmlns:a16="http://schemas.microsoft.com/office/drawing/2014/main" id="{2C247365-DD56-EF7D-C77E-3F23B27BBAEA}"/>
+                </a:ext>
+              </a:extLst>
+            </p:cNvPr>
+            <p:cNvPicPr/>
+            <p:nvPr/>
+          </p:nvPicPr>
+          <p:blipFill>
+            <a:blip r:embed="rId3" cstate="print"/>
+            <a:stretch>
+              <a:fillRect/>
+            </a:stretch>
+          </p:blipFill>
+          <p:spPr>
+            <a:xfrm>
+              <a:off x="0" y="12190"/>
+              <a:ext cx="12191999" cy="6845805"/>
+            </a:xfrm>
+            <a:prstGeom prst="rect">
+              <a:avLst/>
+            </a:prstGeom>
+            <a:grpFill/>
+          </p:spPr>
+        </p:pic>
+        <p:pic>
+          <p:nvPicPr>
+            <p:cNvPr id="4" name="object 4">
+              <a:extLst>
+                <a:ext uri="{FF2B5EF4-FFF2-40B4-BE49-F238E27FC236}">
+                  <a16:creationId xmlns:a16="http://schemas.microsoft.com/office/drawing/2014/main" id="{B362BDC6-8443-1EAC-D2F9-746847512C71}"/>
+                </a:ext>
+              </a:extLst>
+            </p:cNvPr>
+            <p:cNvPicPr/>
+            <p:nvPr/>
+          </p:nvPicPr>
+          <p:blipFill>
+            <a:blip r:embed="rId4" cstate="print"/>
+            <a:stretch>
+              <a:fillRect/>
+            </a:stretch>
+          </p:blipFill>
+          <p:spPr>
+            <a:xfrm>
+              <a:off x="0" y="0"/>
+              <a:ext cx="12191581" cy="6857999"/>
+            </a:xfrm>
+            <a:prstGeom prst="rect">
+              <a:avLst/>
+            </a:prstGeom>
+            <a:grpFill/>
+          </p:spPr>
+        </p:pic>
+        <p:pic>
+          <p:nvPicPr>
+            <p:cNvPr id="5" name="object 5">
+              <a:extLst>
+                <a:ext uri="{FF2B5EF4-FFF2-40B4-BE49-F238E27FC236}">
+                  <a16:creationId xmlns:a16="http://schemas.microsoft.com/office/drawing/2014/main" id="{D44C4BFA-5438-5659-C639-2560F6C6D2CE}"/>
+                </a:ext>
+              </a:extLst>
+            </p:cNvPr>
+            <p:cNvPicPr/>
+            <p:nvPr/>
+          </p:nvPicPr>
+          <p:blipFill>
+            <a:blip r:embed="rId5" cstate="print"/>
+            <a:stretch>
+              <a:fillRect/>
+            </a:stretch>
+          </p:blipFill>
+          <p:spPr>
+            <a:xfrm>
+              <a:off x="339268" y="369635"/>
+              <a:ext cx="576098" cy="807391"/>
+            </a:xfrm>
+            <a:prstGeom prst="rect">
+              <a:avLst/>
+            </a:prstGeom>
+            <a:grpFill/>
+          </p:spPr>
+        </p:pic>
+        <p:sp>
+          <p:nvSpPr>
+            <p:cNvPr id="6" name="object 6">
+              <a:extLst>
+                <a:ext uri="{FF2B5EF4-FFF2-40B4-BE49-F238E27FC236}">
+                  <a16:creationId xmlns:a16="http://schemas.microsoft.com/office/drawing/2014/main" id="{B6861453-25CD-172D-010C-0FD298A74107}"/>
+                </a:ext>
+              </a:extLst>
+            </p:cNvPr>
+            <p:cNvSpPr/>
+            <p:nvPr/>
+          </p:nvSpPr>
+          <p:spPr>
+            <a:xfrm>
+              <a:off x="6514915" y="638080"/>
+              <a:ext cx="7620" cy="648970"/>
+            </a:xfrm>
+            <a:custGeom>
+              <a:avLst/>
+              <a:gdLst/>
+              <a:ahLst/>
+              <a:cxnLst/>
+              <a:rect l="l" t="t" r="r" b="b"/>
+              <a:pathLst>
+                <a:path w="7620" h="648969">
+                  <a:moveTo>
+                    <a:pt x="7622" y="0"/>
+                  </a:moveTo>
+                  <a:lnTo>
+                    <a:pt x="0" y="0"/>
+                  </a:lnTo>
+                  <a:lnTo>
+                    <a:pt x="0" y="648690"/>
+                  </a:lnTo>
+                  <a:lnTo>
+                    <a:pt x="7622" y="648690"/>
+                  </a:lnTo>
+                  <a:lnTo>
+                    <a:pt x="7622" y="0"/>
+                  </a:lnTo>
+                  <a:close/>
+                </a:path>
+              </a:pathLst>
+            </a:custGeom>
+            <a:grpFill/>
+          </p:spPr>
+          <p:txBody>
+            <a:bodyPr wrap="square" lIns="0" tIns="0" rIns="0" bIns="0" rtlCol="0"/>
+            <a:lstStyle>
+              <a:defPPr>
+                <a:defRPr kern="0"/>
+              </a:defPPr>
+            </a:lstStyle>
+            <a:p>
+              <a:endParaRPr/>
+            </a:p>
+          </p:txBody>
+        </p:sp>
+        <p:pic>
+          <p:nvPicPr>
+            <p:cNvPr id="7" name="object 7">
+              <a:extLst>
+                <a:ext uri="{FF2B5EF4-FFF2-40B4-BE49-F238E27FC236}">
+                  <a16:creationId xmlns:a16="http://schemas.microsoft.com/office/drawing/2014/main" id="{FE4D85FD-3A0B-6BF3-49F3-2E96A7DA1A22}"/>
+                </a:ext>
+              </a:extLst>
+            </p:cNvPr>
+            <p:cNvPicPr/>
+            <p:nvPr/>
+          </p:nvPicPr>
+          <p:blipFill>
+            <a:blip r:embed="rId6" cstate="print"/>
+            <a:stretch>
+              <a:fillRect/>
+            </a:stretch>
+          </p:blipFill>
+          <p:spPr>
+            <a:xfrm>
+              <a:off x="1049495" y="565974"/>
+              <a:ext cx="1051269" cy="579549"/>
+            </a:xfrm>
+            <a:prstGeom prst="rect">
+              <a:avLst/>
+            </a:prstGeom>
+            <a:grpFill/>
+          </p:spPr>
+        </p:pic>
+        <p:pic>
+          <p:nvPicPr>
+            <p:cNvPr id="8" name="object 8">
+              <a:extLst>
+                <a:ext uri="{FF2B5EF4-FFF2-40B4-BE49-F238E27FC236}">
+                  <a16:creationId xmlns:a16="http://schemas.microsoft.com/office/drawing/2014/main" id="{304389FF-F317-AA10-4421-B37330D369CB}"/>
+                </a:ext>
+              </a:extLst>
+            </p:cNvPr>
+            <p:cNvPicPr/>
+            <p:nvPr/>
+          </p:nvPicPr>
+          <p:blipFill>
+            <a:blip r:embed="rId7" cstate="print"/>
+            <a:stretch>
+              <a:fillRect/>
+            </a:stretch>
+          </p:blipFill>
+          <p:spPr>
+            <a:xfrm>
+              <a:off x="2224840" y="566670"/>
+              <a:ext cx="1069790" cy="579550"/>
+            </a:xfrm>
+            <a:prstGeom prst="rect">
+              <a:avLst/>
+            </a:prstGeom>
+            <a:grpFill/>
+          </p:spPr>
+        </p:pic>
+      </p:grpSp>
+      <p:cxnSp>
+        <p:nvCxnSpPr>
+          <p:cNvPr id="17" name="Straight Connector 16">
+            <a:extLst>
+              <a:ext uri="{FF2B5EF4-FFF2-40B4-BE49-F238E27FC236}">
+                <a16:creationId xmlns:a16="http://schemas.microsoft.com/office/drawing/2014/main" id="{B26E5285-C32A-CFEB-3C1E-74C9451B9BF6}"/>
+              </a:ext>
+            </a:extLst>
+          </p:cNvPr>
+          <p:cNvCxnSpPr>
+            <a:cxnSpLocks/>
+          </p:cNvCxnSpPr>
+          <p:nvPr/>
+        </p:nvCxnSpPr>
+        <p:spPr>
+          <a:xfrm>
+            <a:off x="2164260" y="578820"/>
+            <a:ext cx="0" cy="614988"/>
+          </a:xfrm>
+          <a:prstGeom prst="line">
+            <a:avLst/>
+          </a:prstGeom>
+          <a:ln w="3175">
+            <a:solidFill>
+              <a:schemeClr val="bg1"/>
+            </a:solidFill>
+          </a:ln>
+        </p:spPr>
+        <p:style>
+          <a:lnRef idx="2">
+            <a:schemeClr val="accent1"/>
+          </a:lnRef>
+          <a:fillRef idx="0">
+            <a:schemeClr val="accent1"/>
+          </a:fillRef>
+          <a:effectRef idx="1">
+            <a:schemeClr val="accent1"/>
+          </a:effectRef>
+          <a:fontRef idx="minor">
+            <a:schemeClr val="tx1"/>
+          </a:fontRef>
+        </p:style>
+      </p:cxnSp>
+      <p:sp>
+        <p:nvSpPr>
+          <p:cNvPr id="10" name="TextBox 9">
+            <a:extLst>
+              <a:ext uri="{FF2B5EF4-FFF2-40B4-BE49-F238E27FC236}">
+                <a16:creationId xmlns:a16="http://schemas.microsoft.com/office/drawing/2014/main" id="{AD25EF07-B6DC-6393-34BB-226AA9F31CCA}"/>
+              </a:ext>
+            </a:extLst>
+          </p:cNvPr>
+          <p:cNvSpPr txBox="1"/>
+          <p:nvPr/>
+        </p:nvSpPr>
+        <p:spPr>
+          <a:xfrm>
+            <a:off x="3369971" y="781656"/>
+            <a:ext cx="8292384" cy="892552"/>
+          </a:xfrm>
+          <a:prstGeom prst="rect">
+            <a:avLst/>
+          </a:prstGeom>
+          <a:noFill/>
+        </p:spPr>
+        <p:txBody>
+          <a:bodyPr wrap="square">
+            <a:spAutoFit/>
+          </a:bodyPr>
+          <a:lstStyle/>
+          <a:p>
+            <a:pPr algn="ctr">
+              <a:spcAft>
+                <a:spcPts val="600"/>
+              </a:spcAft>
+            </a:pPr>
+            <a:endParaRPr lang="en-US" sz="1400" dirty="0">
+              <a:solidFill>
+                <a:schemeClr val="bg1"/>
+              </a:solidFill>
+            </a:endParaRPr>
+          </a:p>
+          <a:p>
+            <a:pPr algn="ctr">
+              <a:spcAft>
+                <a:spcPts val="600"/>
+              </a:spcAft>
+            </a:pPr>
+            <a:r>
+              <a:rPr lang="en-US" sz="1400" dirty="0">
+                <a:solidFill>
+                  <a:schemeClr val="bg1"/>
+                </a:solidFill>
+              </a:rPr>
+              <a:t>Real-World Data of California Wildfires and Mental Health data of Patients from all over the USA</a:t>
+            </a:r>
+          </a:p>
+          <a:p>
+            <a:pPr algn="ctr">
+              <a:spcAft>
+                <a:spcPts val="600"/>
+              </a:spcAft>
+            </a:pPr>
+            <a:endParaRPr lang="en-GB" sz="1400" dirty="0">
+              <a:solidFill>
+                <a:schemeClr val="bg1"/>
+              </a:solidFill>
+            </a:endParaRPr>
+          </a:p>
+        </p:txBody>
+      </p:sp>
+      <p:sp>
+        <p:nvSpPr>
+          <p:cNvPr id="16" name="TextBox 15">
+            <a:extLst>
+              <a:ext uri="{FF2B5EF4-FFF2-40B4-BE49-F238E27FC236}">
+                <a16:creationId xmlns:a16="http://schemas.microsoft.com/office/drawing/2014/main" id="{3E9A12F4-7A88-9F9A-95B2-0F97C85B75A2}"/>
+              </a:ext>
+            </a:extLst>
+          </p:cNvPr>
+          <p:cNvSpPr txBox="1"/>
+          <p:nvPr/>
+        </p:nvSpPr>
+        <p:spPr>
+          <a:xfrm>
+            <a:off x="4265024" y="680925"/>
+            <a:ext cx="7124698" cy="461665"/>
+          </a:xfrm>
+          <a:prstGeom prst="rect">
+            <a:avLst/>
+          </a:prstGeom>
+          <a:noFill/>
+        </p:spPr>
+        <p:txBody>
+          <a:bodyPr wrap="square" rtlCol="0">
+            <a:spAutoFit/>
+          </a:bodyPr>
+          <a:lstStyle/>
+          <a:p>
+            <a:pPr algn="ctr"/>
+            <a:r>
+              <a:rPr lang="en-GB" sz="2400" b="1" dirty="0">
+                <a:solidFill>
+                  <a:schemeClr val="bg1"/>
+                </a:solidFill>
+              </a:rPr>
+              <a:t>AI in Action: Bridging Theory and Practice</a:t>
+            </a:r>
+            <a:r>
+              <a:rPr lang="en-GB" sz="2400" dirty="0">
+                <a:solidFill>
+                  <a:schemeClr val="bg1"/>
+                </a:solidFill>
+              </a:rPr>
+              <a:t> </a:t>
+            </a:r>
+            <a:endParaRPr lang="en-GB" sz="2400" b="1" dirty="0">
+              <a:solidFill>
+                <a:schemeClr val="bg1"/>
+              </a:solidFill>
+            </a:endParaRPr>
+          </a:p>
+        </p:txBody>
+      </p:sp>
+      <p:sp>
+        <p:nvSpPr>
+          <p:cNvPr id="23" name="TextBox 22">
+            <a:extLst>
+              <a:ext uri="{FF2B5EF4-FFF2-40B4-BE49-F238E27FC236}">
+                <a16:creationId xmlns:a16="http://schemas.microsoft.com/office/drawing/2014/main" id="{DB9CD7AA-0291-AA80-A355-5AF6437500DD}"/>
+              </a:ext>
+            </a:extLst>
+          </p:cNvPr>
+          <p:cNvSpPr txBox="1"/>
+          <p:nvPr/>
+        </p:nvSpPr>
+        <p:spPr>
+          <a:xfrm>
+            <a:off x="55808" y="4334320"/>
+            <a:ext cx="3314163" cy="2200602"/>
+          </a:xfrm>
+          <a:prstGeom prst="rect">
+            <a:avLst/>
+          </a:prstGeom>
+          <a:noFill/>
+        </p:spPr>
+        <p:txBody>
+          <a:bodyPr wrap="square">
+            <a:spAutoFit/>
+          </a:bodyPr>
+          <a:lstStyle/>
+          <a:p>
+            <a:pPr>
+              <a:spcAft>
+                <a:spcPts val="600"/>
+              </a:spcAft>
+            </a:pPr>
+            <a:r>
+              <a:rPr lang="en-GB" sz="1100" b="1" u="sng" dirty="0">
+                <a:solidFill>
+                  <a:schemeClr val="bg1"/>
+                </a:solidFill>
+              </a:rPr>
+              <a:t>About the Speaker</a:t>
+            </a:r>
+            <a:endParaRPr lang="en-GB" sz="1100" u="sng" dirty="0">
+              <a:solidFill>
+                <a:schemeClr val="bg1"/>
+              </a:solidFill>
+            </a:endParaRPr>
+          </a:p>
+          <a:p>
+            <a:pPr algn="just"/>
+            <a:r>
+              <a:rPr lang="en-GB" sz="1100" dirty="0">
+                <a:solidFill>
+                  <a:srgbClr val="FFC000"/>
+                </a:solidFill>
+              </a:rPr>
+              <a:t>Mr. Rahul Vats is a technology leader with over 17 years of experience delivering AI, Cloud, and Data Science solutions for Fortune 500 clients. Currently a Lead Cloud and Data Science Manager at Ernst &amp; Young, he specializes in AI, ML, RAG, computer vision, and automation. His prior roles at Microsoft and </a:t>
+            </a:r>
+            <a:r>
+              <a:rPr lang="en-GB" sz="1100" dirty="0" err="1">
+                <a:solidFill>
+                  <a:srgbClr val="FFC000"/>
+                </a:solidFill>
+              </a:rPr>
+              <a:t>AppGate</a:t>
+            </a:r>
+            <a:r>
+              <a:rPr lang="en-GB" sz="1100" dirty="0">
+                <a:solidFill>
+                  <a:srgbClr val="FFC000"/>
+                </a:solidFill>
+              </a:rPr>
+              <a:t> involved solving critical enterprise challenges, leading global engineering teams, and driving large-scale cloud transformation. He holds a Master’s degree in Computer Science and a certificate in Big Data and Social Analytics from MIT.</a:t>
+            </a:r>
+            <a:endParaRPr lang="en-GB" sz="1200" dirty="0">
+              <a:solidFill>
+                <a:srgbClr val="FFC000"/>
+              </a:solidFill>
+            </a:endParaRPr>
+          </a:p>
+        </p:txBody>
+      </p:sp>
+      <p:pic>
+        <p:nvPicPr>
+          <p:cNvPr id="11" name="Picture 10">
+            <a:extLst>
+              <a:ext uri="{FF2B5EF4-FFF2-40B4-BE49-F238E27FC236}">
+                <a16:creationId xmlns:a16="http://schemas.microsoft.com/office/drawing/2014/main" id="{AE1298AB-A404-E52E-4373-7A9859C23D1F}"/>
+              </a:ext>
+            </a:extLst>
+          </p:cNvPr>
+          <p:cNvPicPr>
+            <a:picLocks noChangeAspect="1"/>
+          </p:cNvPicPr>
+          <p:nvPr/>
+        </p:nvPicPr>
+        <p:blipFill>
+          <a:blip r:embed="rId8"/>
+          <a:stretch>
+            <a:fillRect/>
+          </a:stretch>
+        </p:blipFill>
+        <p:spPr>
+          <a:xfrm>
+            <a:off x="360962" y="1377092"/>
+            <a:ext cx="2861695" cy="2850938"/>
+          </a:xfrm>
+          <a:prstGeom prst="rect">
+            <a:avLst/>
+          </a:prstGeom>
+        </p:spPr>
+      </p:pic>
+      <p:pic>
+        <p:nvPicPr>
+          <p:cNvPr id="22" name="Picture 21" descr="Question and Answers">
+            <a:extLst>
+              <a:ext uri="{FF2B5EF4-FFF2-40B4-BE49-F238E27FC236}">
+                <a16:creationId xmlns:a16="http://schemas.microsoft.com/office/drawing/2014/main" id="{55B2AC2C-CF84-3E1D-5D81-57C3A0495A34}"/>
+              </a:ext>
+            </a:extLst>
+          </p:cNvPr>
+          <p:cNvPicPr>
+            <a:picLocks noChangeAspect="1"/>
+          </p:cNvPicPr>
+          <p:nvPr/>
+        </p:nvPicPr>
+        <p:blipFill>
+          <a:blip r:embed="rId9">
+            <a:extLst>
+              <a:ext uri="{28A0092B-C50C-407E-A947-70E740481C1C}">
+                <a14:useLocalDpi xmlns:a14="http://schemas.microsoft.com/office/drawing/2010/main" val="0"/>
+              </a:ext>
+              <a:ext uri="{837473B0-CC2E-450A-ABE3-18F120FF3D39}">
+                <a1611:picAttrSrcUrl xmlns:a1611="http://schemas.microsoft.com/office/drawing/2016/11/main" r:id="rId10"/>
+              </a:ext>
+            </a:extLst>
+          </a:blip>
+          <a:stretch>
+            <a:fillRect/>
+          </a:stretch>
+        </p:blipFill>
+        <p:spPr>
+          <a:xfrm>
+            <a:off x="9010110" y="3902846"/>
+            <a:ext cx="2800598" cy="2546759"/>
+          </a:xfrm>
+          <a:prstGeom prst="rect">
+            <a:avLst/>
+          </a:prstGeom>
+        </p:spPr>
+      </p:pic>
+      <p:pic>
+        <p:nvPicPr>
+          <p:cNvPr id="25" name="Picture 24">
+            <a:extLst>
+              <a:ext uri="{FF2B5EF4-FFF2-40B4-BE49-F238E27FC236}">
+                <a16:creationId xmlns:a16="http://schemas.microsoft.com/office/drawing/2014/main" id="{71C545BF-71F4-AE3B-65A9-9E00A40DCABC}"/>
+              </a:ext>
+            </a:extLst>
+          </p:cNvPr>
+          <p:cNvPicPr>
+            <a:picLocks noChangeAspect="1"/>
+          </p:cNvPicPr>
+          <p:nvPr/>
+        </p:nvPicPr>
+        <p:blipFill>
+          <a:blip r:embed="rId11">
+            <a:extLst>
+              <a:ext uri="{28A0092B-C50C-407E-A947-70E740481C1C}">
+                <a14:useLocalDpi xmlns:a14="http://schemas.microsoft.com/office/drawing/2010/main" val="0"/>
+              </a:ext>
+              <a:ext uri="{837473B0-CC2E-450A-ABE3-18F120FF3D39}">
+                <a1611:picAttrSrcUrl xmlns:a1611="http://schemas.microsoft.com/office/drawing/2016/11/main" r:id="rId12"/>
+              </a:ext>
+            </a:extLst>
+          </a:blip>
+          <a:stretch>
+            <a:fillRect/>
+          </a:stretch>
+        </p:blipFill>
+        <p:spPr>
+          <a:xfrm>
+            <a:off x="3252806" y="1575815"/>
+            <a:ext cx="2460992" cy="2460992"/>
+          </a:xfrm>
+          <a:prstGeom prst="rect">
+            <a:avLst/>
+          </a:prstGeom>
+        </p:spPr>
+      </p:pic>
+      <p:pic>
+        <p:nvPicPr>
+          <p:cNvPr id="27" name="Picture 26">
+            <a:extLst>
+              <a:ext uri="{FF2B5EF4-FFF2-40B4-BE49-F238E27FC236}">
+                <a16:creationId xmlns:a16="http://schemas.microsoft.com/office/drawing/2014/main" id="{1AB29FFD-5A3F-24B4-2FC3-B28AA39D56DB}"/>
+              </a:ext>
+            </a:extLst>
+          </p:cNvPr>
+          <p:cNvPicPr>
+            <a:picLocks noChangeAspect="1"/>
+          </p:cNvPicPr>
+          <p:nvPr/>
+        </p:nvPicPr>
+        <p:blipFill>
+          <a:blip r:embed="rId13">
+            <a:extLst>
+              <a:ext uri="{28A0092B-C50C-407E-A947-70E740481C1C}">
+                <a14:useLocalDpi xmlns:a14="http://schemas.microsoft.com/office/drawing/2010/main" val="0"/>
+              </a:ext>
+              <a:ext uri="{837473B0-CC2E-450A-ABE3-18F120FF3D39}">
+                <a1611:picAttrSrcUrl xmlns:a1611="http://schemas.microsoft.com/office/drawing/2016/11/main" r:id="rId14"/>
+              </a:ext>
+            </a:extLst>
+          </a:blip>
+          <a:stretch>
+            <a:fillRect/>
+          </a:stretch>
+        </p:blipFill>
+        <p:spPr>
+          <a:xfrm>
+            <a:off x="5787455" y="1528149"/>
+            <a:ext cx="2858296" cy="5017316"/>
+          </a:xfrm>
+          <a:prstGeom prst="rect">
+            <a:avLst/>
+          </a:prstGeom>
+        </p:spPr>
+      </p:pic>
+    </p:spTree>
+    <p:extLst>
+      <p:ext uri="{BB962C8B-B14F-4D97-AF65-F5344CB8AC3E}">
+        <p14:creationId xmlns:p14="http://schemas.microsoft.com/office/powerpoint/2010/main" val="81354340"/>
       </p:ext>
     </p:extLst>
   </p:cSld>

--- a/AITalk_at_Cardiff_By_RahulVats.pptx
+++ b/AITalk_at_Cardiff_By_RahulVats.pptx
@@ -165,6 +165,22 @@
     </pc:docChg>
   </pc:docChgLst>
   <pc:docChgLst>
+    <pc:chgData name="Prasad, Amrita" userId="3e44ea28-c1bf-4e05-9792-b9013f630cc0" providerId="ADAL" clId="{1E4C6211-D813-4132-9FEB-2D33798058B7}"/>
+    <pc:docChg chg="undo redo custSel modSld">
+      <pc:chgData name="Prasad, Amrita" userId="3e44ea28-c1bf-4e05-9792-b9013f630cc0" providerId="ADAL" clId="{1E4C6211-D813-4132-9FEB-2D33798058B7}" dt="2025-03-30T21:49:41.221" v="44" actId="113"/>
+      <pc:docMkLst>
+        <pc:docMk/>
+      </pc:docMkLst>
+      <pc:sldChg chg="modSp mod">
+        <pc:chgData name="Prasad, Amrita" userId="3e44ea28-c1bf-4e05-9792-b9013f630cc0" providerId="ADAL" clId="{1E4C6211-D813-4132-9FEB-2D33798058B7}" dt="2025-03-30T21:49:41.221" v="44" actId="113"/>
+        <pc:sldMkLst>
+          <pc:docMk/>
+          <pc:sldMk cId="2199062608" sldId="257"/>
+        </pc:sldMkLst>
+      </pc:sldChg>
+    </pc:docChg>
+  </pc:docChgLst>
+  <pc:docChgLst>
     <pc:chgData name="Prasad, Amrita" userId="3e44ea28-c1bf-4e05-9792-b9013f630cc0" providerId="ADAL" clId="{D5FCD9AB-9B08-41F7-898D-21ABAB897DD1}"/>
     <pc:docChg chg="undo custSel modSld">
       <pc:chgData name="Prasad, Amrita" userId="3e44ea28-c1bf-4e05-9792-b9013f630cc0" providerId="ADAL" clId="{D5FCD9AB-9B08-41F7-898D-21ABAB897DD1}" dt="2025-12-03T10:56:20.285" v="223" actId="13926"/>
@@ -209,22 +225,6 @@
             <ac:picMk id="12" creationId="{C2E6BD7A-D3AF-201C-AF2E-CF59A75897E9}"/>
           </ac:picMkLst>
         </pc:picChg>
-      </pc:sldChg>
-    </pc:docChg>
-  </pc:docChgLst>
-  <pc:docChgLst>
-    <pc:chgData name="Prasad, Amrita" userId="3e44ea28-c1bf-4e05-9792-b9013f630cc0" providerId="ADAL" clId="{1E4C6211-D813-4132-9FEB-2D33798058B7}"/>
-    <pc:docChg chg="undo redo custSel modSld">
-      <pc:chgData name="Prasad, Amrita" userId="3e44ea28-c1bf-4e05-9792-b9013f630cc0" providerId="ADAL" clId="{1E4C6211-D813-4132-9FEB-2D33798058B7}" dt="2025-03-30T21:49:41.221" v="44" actId="113"/>
-      <pc:docMkLst>
-        <pc:docMk/>
-      </pc:docMkLst>
-      <pc:sldChg chg="modSp mod">
-        <pc:chgData name="Prasad, Amrita" userId="3e44ea28-c1bf-4e05-9792-b9013f630cc0" providerId="ADAL" clId="{1E4C6211-D813-4132-9FEB-2D33798058B7}" dt="2025-03-30T21:49:41.221" v="44" actId="113"/>
-        <pc:sldMkLst>
-          <pc:docMk/>
-          <pc:sldMk cId="2199062608" sldId="257"/>
-        </pc:sldMkLst>
       </pc:sldChg>
     </pc:docChg>
   </pc:docChgLst>
@@ -13674,6 +13674,108 @@
           <a:bodyPr/>
           <a:lstStyle/>
           <a:p>
+            <a:r>
+              <a:rPr lang="en-US" b="1" dirty="0"/>
+              <a:t>“How many of you have watched </a:t>
+            </a:r>
+            <a:r>
+              <a:rPr lang="en-US" b="1" i="1" dirty="0"/>
+              <a:t>3 Idiots</a:t>
+            </a:r>
+            <a:r>
+              <a:rPr lang="en-US" b="1" dirty="0"/>
+              <a:t>?”</a:t>
+            </a:r>
+            <a:endParaRPr lang="en-US" dirty="0"/>
+          </a:p>
+          <a:p>
+            <a:r>
+              <a:rPr lang="en-US" b="1" dirty="0"/>
+              <a:t>“How many of you have watched </a:t>
+            </a:r>
+            <a:r>
+              <a:rPr lang="en-US" b="1" i="1" dirty="0"/>
+              <a:t>The Big Bang Theory</a:t>
+            </a:r>
+            <a:r>
+              <a:rPr lang="en-US" b="1" dirty="0"/>
+              <a:t>?”</a:t>
+            </a:r>
+            <a:endParaRPr lang="en-US" dirty="0"/>
+          </a:p>
+          <a:p>
+            <a:r>
+              <a:rPr lang="en-US" b="1" dirty="0"/>
+              <a:t>“Who here has watched </a:t>
+            </a:r>
+            <a:r>
+              <a:rPr lang="en-US" b="1" i="1" dirty="0"/>
+              <a:t>both</a:t>
+            </a:r>
+            <a:r>
+              <a:rPr lang="en-US" b="1" dirty="0"/>
+              <a:t>?”</a:t>
+            </a:r>
+            <a:endParaRPr lang="en-US" dirty="0"/>
+          </a:p>
+          <a:p>
+            <a:r>
+              <a:rPr lang="en-US" b="1" dirty="0"/>
+              <a:t>“Who has run at least one </a:t>
+            </a:r>
+            <a:r>
+              <a:rPr lang="en-US" b="1" dirty="0" err="1"/>
+              <a:t>Jupyter</a:t>
+            </a:r>
+            <a:r>
+              <a:rPr lang="en-US" b="1" dirty="0"/>
+              <a:t> Notebook before today?”</a:t>
+            </a:r>
+            <a:endParaRPr lang="en-US" dirty="0"/>
+          </a:p>
+          <a:p>
+            <a:r>
+              <a:rPr lang="en-US" b="1" dirty="0"/>
+              <a:t>“Who has ever trained any kind of ML model – even a tiny one – in Python?”</a:t>
+            </a:r>
+            <a:endParaRPr lang="en-US" dirty="0"/>
+          </a:p>
+          <a:p>
+            <a:r>
+              <a:rPr lang="en-US" b="1" dirty="0"/>
+              <a:t>“Who is here mainly because they like the </a:t>
+            </a:r>
+            <a:r>
+              <a:rPr lang="en-US" b="1" i="1" dirty="0"/>
+              <a:t>AI</a:t>
+            </a:r>
+            <a:r>
+              <a:rPr lang="en-US" b="1" dirty="0"/>
+              <a:t> part more than the </a:t>
+            </a:r>
+            <a:r>
+              <a:rPr lang="en-US" b="1" i="1" dirty="0"/>
+              <a:t>math</a:t>
+            </a:r>
+            <a:r>
+              <a:rPr lang="en-US" b="1" dirty="0"/>
+              <a:t> part?”</a:t>
+            </a:r>
+            <a:endParaRPr lang="en-US" dirty="0"/>
+          </a:p>
+          <a:p>
+            <a:r>
+              <a:rPr lang="en-US" b="1" dirty="0"/>
+              <a:t>“Who is here mainly because they like the </a:t>
+            </a:r>
+            <a:r>
+              <a:rPr lang="en-US" b="1" i="1" dirty="0"/>
+              <a:t>data</a:t>
+            </a:r>
+            <a:r>
+              <a:rPr lang="en-US" b="1" dirty="0"/>
+              <a:t> and real-world problem side more than the algorithms?”</a:t>
+            </a:r>
             <a:endParaRPr lang="en-US" dirty="0"/>
           </a:p>
         </p:txBody>
@@ -21349,32 +21451,19 @@
             <a:r>
               <a:rPr lang="en-GB" sz="1600" b="1" dirty="0">
                 <a:solidFill>
-                  <a:srgbClr val="92D050"/>
-                </a:solidFill>
-                <a:hlinkClick r:id="rId8">
-                  <a:extLst>
-                    <a:ext uri="{A12FA001-AC4F-418D-AE19-62706E023703}">
-                      <ahyp:hlinkClr xmlns:ahyp="http://schemas.microsoft.com/office/drawing/2018/hyperlinkcolor" val="tx"/>
-                    </a:ext>
-                  </a:extLst>
-                </a:hlinkClick>
-              </a:rPr>
-              <a:t>linkedin.com/in/</a:t>
-            </a:r>
-            <a:r>
-              <a:rPr lang="en-GB" sz="1600" b="1" dirty="0" err="1">
-                <a:solidFill>
-                  <a:srgbClr val="92D050"/>
-                </a:solidFill>
-                <a:hlinkClick r:id="rId8">
-                  <a:extLst>
-                    <a:ext uri="{A12FA001-AC4F-418D-AE19-62706E023703}">
-                      <ahyp:hlinkClr xmlns:ahyp="http://schemas.microsoft.com/office/drawing/2018/hyperlinkcolor" val="tx"/>
-                    </a:ext>
-                  </a:extLst>
-                </a:hlinkClick>
-              </a:rPr>
-              <a:t>rvats</a:t>
+                  <a:srgbClr val="FFC000"/>
+                </a:solidFill>
+                <a:hlinkClick r:id="rId8"/>
+              </a:rPr>
+              <a:t>https://www.linkedin.com/in/rvats/</a:t>
+            </a:r>
+            <a:r>
+              <a:rPr lang="en-GB" sz="1600" b="1" dirty="0">
+                <a:solidFill>
+                  <a:srgbClr val="FFC000"/>
+                </a:solidFill>
+              </a:rPr>
+              <a:t> </a:t>
             </a:r>
             <a:endParaRPr lang="en-GB" sz="1600" dirty="0">
               <a:solidFill>
